--- a/计算机应用基础/第1章计算机基础/第1章复习.pptx
+++ b/计算机应用基础/第1章计算机基础/第1章复习.pptx
@@ -19,6 +19,14 @@
     <p:sldId id="267" r:id="rId13"/>
     <p:sldId id="268" r:id="rId14"/>
     <p:sldId id="269" r:id="rId15"/>
+    <p:sldId id="270" r:id="rId16"/>
+    <p:sldId id="271" r:id="rId17"/>
+    <p:sldId id="272" r:id="rId18"/>
+    <p:sldId id="273" r:id="rId19"/>
+    <p:sldId id="274" r:id="rId20"/>
+    <p:sldId id="275" r:id="rId21"/>
+    <p:sldId id="276" r:id="rId22"/>
+    <p:sldId id="277" r:id="rId23"/>
   </p:sldIdLst>
   <p:sldSz cx="9144000" cy="6858000" type="screen4x3"/>
   <p:notesSz cx="6858000" cy="9144000"/>
@@ -301,7 +309,7 @@
           <a:p>
             <a:fld id="{530820CF-B880-4189-942D-D702A7CBA730}" type="datetimeFigureOut">
               <a:rPr lang="zh-CN" altLang="en-US" smtClean="0"/>
-              <a:t>2020/9/5</a:t>
+              <a:t>2020/9/8</a:t>
             </a:fld>
             <a:endParaRPr lang="zh-CN" altLang="en-US"/>
           </a:p>
@@ -466,7 +474,7 @@
           <a:p>
             <a:fld id="{530820CF-B880-4189-942D-D702A7CBA730}" type="datetimeFigureOut">
               <a:rPr lang="zh-CN" altLang="en-US" smtClean="0"/>
-              <a:t>2020/9/5</a:t>
+              <a:t>2020/9/8</a:t>
             </a:fld>
             <a:endParaRPr lang="zh-CN" altLang="en-US"/>
           </a:p>
@@ -641,7 +649,7 @@
           <a:p>
             <a:fld id="{530820CF-B880-4189-942D-D702A7CBA730}" type="datetimeFigureOut">
               <a:rPr lang="zh-CN" altLang="en-US" smtClean="0"/>
-              <a:t>2020/9/5</a:t>
+              <a:t>2020/9/8</a:t>
             </a:fld>
             <a:endParaRPr lang="zh-CN" altLang="en-US"/>
           </a:p>
@@ -806,7 +814,7 @@
           <a:p>
             <a:fld id="{530820CF-B880-4189-942D-D702A7CBA730}" type="datetimeFigureOut">
               <a:rPr lang="zh-CN" altLang="en-US" smtClean="0"/>
-              <a:t>2020/9/5</a:t>
+              <a:t>2020/9/8</a:t>
             </a:fld>
             <a:endParaRPr lang="zh-CN" altLang="en-US"/>
           </a:p>
@@ -1047,7 +1055,7 @@
           <a:p>
             <a:fld id="{530820CF-B880-4189-942D-D702A7CBA730}" type="datetimeFigureOut">
               <a:rPr lang="zh-CN" altLang="en-US" smtClean="0"/>
-              <a:t>2020/9/5</a:t>
+              <a:t>2020/9/8</a:t>
             </a:fld>
             <a:endParaRPr lang="zh-CN" altLang="en-US"/>
           </a:p>
@@ -1330,7 +1338,7 @@
           <a:p>
             <a:fld id="{530820CF-B880-4189-942D-D702A7CBA730}" type="datetimeFigureOut">
               <a:rPr lang="zh-CN" altLang="en-US" smtClean="0"/>
-              <a:t>2020/9/5</a:t>
+              <a:t>2020/9/8</a:t>
             </a:fld>
             <a:endParaRPr lang="zh-CN" altLang="en-US"/>
           </a:p>
@@ -1747,7 +1755,7 @@
           <a:p>
             <a:fld id="{530820CF-B880-4189-942D-D702A7CBA730}" type="datetimeFigureOut">
               <a:rPr lang="zh-CN" altLang="en-US" smtClean="0"/>
-              <a:t>2020/9/5</a:t>
+              <a:t>2020/9/8</a:t>
             </a:fld>
             <a:endParaRPr lang="zh-CN" altLang="en-US"/>
           </a:p>
@@ -1860,7 +1868,7 @@
           <a:p>
             <a:fld id="{530820CF-B880-4189-942D-D702A7CBA730}" type="datetimeFigureOut">
               <a:rPr lang="zh-CN" altLang="en-US" smtClean="0"/>
-              <a:t>2020/9/5</a:t>
+              <a:t>2020/9/8</a:t>
             </a:fld>
             <a:endParaRPr lang="zh-CN" altLang="en-US"/>
           </a:p>
@@ -1950,7 +1958,7 @@
           <a:p>
             <a:fld id="{530820CF-B880-4189-942D-D702A7CBA730}" type="datetimeFigureOut">
               <a:rPr lang="zh-CN" altLang="en-US" smtClean="0"/>
-              <a:t>2020/9/5</a:t>
+              <a:t>2020/9/8</a:t>
             </a:fld>
             <a:endParaRPr lang="zh-CN" altLang="en-US"/>
           </a:p>
@@ -2222,7 +2230,7 @@
           <a:p>
             <a:fld id="{530820CF-B880-4189-942D-D702A7CBA730}" type="datetimeFigureOut">
               <a:rPr lang="zh-CN" altLang="en-US" smtClean="0"/>
-              <a:t>2020/9/5</a:t>
+              <a:t>2020/9/8</a:t>
             </a:fld>
             <a:endParaRPr lang="zh-CN" altLang="en-US"/>
           </a:p>
@@ -2470,7 +2478,7 @@
           <a:p>
             <a:fld id="{530820CF-B880-4189-942D-D702A7CBA730}" type="datetimeFigureOut">
               <a:rPr lang="zh-CN" altLang="en-US" smtClean="0"/>
-              <a:t>2020/9/5</a:t>
+              <a:t>2020/9/8</a:t>
             </a:fld>
             <a:endParaRPr lang="zh-CN" altLang="en-US"/>
           </a:p>
@@ -2678,7 +2686,7 @@
           <a:p>
             <a:fld id="{530820CF-B880-4189-942D-D702A7CBA730}" type="datetimeFigureOut">
               <a:rPr lang="zh-CN" altLang="en-US" smtClean="0"/>
-              <a:t>2020/9/5</a:t>
+              <a:t>2020/9/8</a:t>
             </a:fld>
             <a:endParaRPr lang="zh-CN" altLang="en-US"/>
           </a:p>
@@ -3275,7 +3283,7 @@
           <p:cNvPr id="4" name="内容占位符 7">
             <a:extLst>
               <a:ext uri="{FF2B5EF4-FFF2-40B4-BE49-F238E27FC236}">
-                <a16:creationId xmlns="" xmlns:a16="http://schemas.microsoft.com/office/drawing/2014/main" id="{54C860BA-CE2F-4454-8F88-8AE6B0929094}"/>
+                <a16:creationId xmlns:a16="http://schemas.microsoft.com/office/drawing/2014/main" xmlns="" id="{54C860BA-CE2F-4454-8F88-8AE6B0929094}"/>
               </a:ext>
             </a:extLst>
           </p:cNvPr>
@@ -3359,7 +3367,7 @@
           <p:cNvPr id="4" name="内容占位符 4">
             <a:extLst>
               <a:ext uri="{FF2B5EF4-FFF2-40B4-BE49-F238E27FC236}">
-                <a16:creationId xmlns="" xmlns:a16="http://schemas.microsoft.com/office/drawing/2014/main" id="{F3A85E42-EFBC-427E-B3F7-F24EE72C83C9}"/>
+                <a16:creationId xmlns:a16="http://schemas.microsoft.com/office/drawing/2014/main" xmlns="" id="{F3A85E42-EFBC-427E-B3F7-F24EE72C83C9}"/>
               </a:ext>
             </a:extLst>
           </p:cNvPr>
@@ -3683,6 +3691,2529 @@
 </p:sld>
 </file>
 
+<file path=ppt/slides/slide15.xml><?xml version="1.0" encoding="utf-8"?>
+<p:sld xmlns:a="http://schemas.openxmlformats.org/drawingml/2006/main" xmlns:r="http://schemas.openxmlformats.org/officeDocument/2006/relationships" xmlns:p="http://schemas.openxmlformats.org/presentationml/2006/main">
+  <p:cSld>
+    <p:spTree>
+      <p:nvGrpSpPr>
+        <p:cNvPr id="1" name=""/>
+        <p:cNvGrpSpPr/>
+        <p:nvPr/>
+      </p:nvGrpSpPr>
+      <p:grpSpPr>
+        <a:xfrm>
+          <a:off x="0" y="0"/>
+          <a:ext cx="0" cy="0"/>
+          <a:chOff x="0" y="0"/>
+          <a:chExt cx="0" cy="0"/>
+        </a:xfrm>
+      </p:grpSpPr>
+      <p:sp>
+        <p:nvSpPr>
+          <p:cNvPr id="2" name="标题 1"/>
+          <p:cNvSpPr>
+            <a:spLocks noGrp="1"/>
+          </p:cNvSpPr>
+          <p:nvPr>
+            <p:ph type="title"/>
+          </p:nvPr>
+        </p:nvSpPr>
+        <p:spPr/>
+        <p:txBody>
+          <a:bodyPr/>
+          <a:lstStyle/>
+          <a:p>
+            <a:r>
+              <a:rPr lang="en-US" altLang="zh-CN" dirty="0"/>
+              <a:t>ASCII</a:t>
+            </a:r>
+            <a:endParaRPr lang="zh-CN" altLang="en-US" dirty="0"/>
+          </a:p>
+        </p:txBody>
+      </p:sp>
+      <p:sp>
+        <p:nvSpPr>
+          <p:cNvPr id="3" name="内容占位符 2"/>
+          <p:cNvSpPr>
+            <a:spLocks noGrp="1"/>
+          </p:cNvSpPr>
+          <p:nvPr>
+            <p:ph idx="1"/>
+          </p:nvPr>
+        </p:nvSpPr>
+        <p:spPr/>
+        <p:txBody>
+          <a:bodyPr/>
+          <a:lstStyle/>
+          <a:p>
+            <a:r>
+              <a:rPr lang="zh-CN" altLang="en-US" dirty="0"/>
+              <a:t>标准</a:t>
+            </a:r>
+            <a:r>
+              <a:rPr lang="en-US" altLang="zh-CN" dirty="0"/>
+              <a:t>ASCII</a:t>
+            </a:r>
+            <a:r>
+              <a:rPr lang="zh-CN" altLang="en-US" dirty="0"/>
+              <a:t>码采用</a:t>
+            </a:r>
+            <a:r>
+              <a:rPr lang="en-US" altLang="zh-CN" dirty="0"/>
+              <a:t>7</a:t>
+            </a:r>
+            <a:r>
+              <a:rPr lang="zh-CN" altLang="en-US" dirty="0"/>
+              <a:t>位</a:t>
+            </a:r>
+            <a:r>
+              <a:rPr lang="zh-CN" altLang="en-US" dirty="0" smtClean="0"/>
+              <a:t>二进制编码，</a:t>
+            </a:r>
+            <a:r>
+              <a:rPr lang="zh-CN" altLang="en-US" dirty="0"/>
+              <a:t>最多可以表示</a:t>
+            </a:r>
+            <a:r>
+              <a:rPr lang="en-US" altLang="zh-CN" dirty="0"/>
+              <a:t>128</a:t>
+            </a:r>
+            <a:r>
+              <a:rPr lang="zh-CN" altLang="en-US" dirty="0"/>
+              <a:t>个字符。 每个字符可以用一个字节表示，字节的最高位为</a:t>
+            </a:r>
+            <a:r>
+              <a:rPr lang="en-US" altLang="zh-CN" dirty="0">
+                <a:solidFill>
+                  <a:srgbClr val="FF0000"/>
+                </a:solidFill>
+              </a:rPr>
+              <a:t>0</a:t>
+            </a:r>
+            <a:r>
+              <a:rPr lang="zh-CN" altLang="en-US" dirty="0"/>
+              <a:t>。</a:t>
+            </a:r>
+            <a:endParaRPr lang="en-US" altLang="zh-CN" dirty="0"/>
+          </a:p>
+          <a:p>
+            <a:endParaRPr lang="zh-CN" altLang="en-US" dirty="0"/>
+          </a:p>
+        </p:txBody>
+      </p:sp>
+      <p:pic>
+        <p:nvPicPr>
+          <p:cNvPr id="4" name="Picture 33">
+            <a:extLst>
+              <a:ext uri="{FF2B5EF4-FFF2-40B4-BE49-F238E27FC236}">
+                <a16:creationId xmlns="" xmlns:a16="http://schemas.microsoft.com/office/drawing/2014/main" id="{73EAD7A3-722B-4CD8-AE1B-C322BFB8DFA4}"/>
+              </a:ext>
+            </a:extLst>
+          </p:cNvPr>
+          <p:cNvPicPr>
+            <a:picLocks noChangeAspect="1" noChangeArrowheads="1"/>
+          </p:cNvPicPr>
+          <p:nvPr/>
+        </p:nvPicPr>
+        <p:blipFill>
+          <a:blip r:embed="rId2">
+            <a:extLst>
+              <a:ext uri="{28A0092B-C50C-407E-A947-70E740481C1C}">
+                <a14:useLocalDpi xmlns:a14="http://schemas.microsoft.com/office/drawing/2010/main" val="0"/>
+              </a:ext>
+            </a:extLst>
+          </a:blip>
+          <a:srcRect/>
+          <a:stretch>
+            <a:fillRect/>
+          </a:stretch>
+        </p:blipFill>
+        <p:spPr bwMode="auto">
+          <a:xfrm>
+            <a:off x="2051720" y="3861048"/>
+            <a:ext cx="4608512" cy="1163638"/>
+          </a:xfrm>
+          <a:prstGeom prst="rect">
+            <a:avLst/>
+          </a:prstGeom>
+          <a:noFill/>
+          <a:ln>
+            <a:noFill/>
+          </a:ln>
+          <a:extLst>
+            <a:ext uri="{909E8E84-426E-40DD-AFC4-6F175D3DCCD1}">
+              <a14:hiddenFill xmlns:a14="http://schemas.microsoft.com/office/drawing/2010/main">
+                <a:solidFill>
+                  <a:srgbClr val="FFFFFF"/>
+                </a:solidFill>
+              </a14:hiddenFill>
+            </a:ext>
+            <a:ext uri="{91240B29-F687-4F45-9708-019B960494DF}">
+              <a14:hiddenLine xmlns:a14="http://schemas.microsoft.com/office/drawing/2010/main" w="9525">
+                <a:solidFill>
+                  <a:srgbClr val="000000"/>
+                </a:solidFill>
+                <a:miter lim="800000"/>
+                <a:headEnd/>
+                <a:tailEnd/>
+              </a14:hiddenLine>
+            </a:ext>
+          </a:extLst>
+        </p:spPr>
+      </p:pic>
+    </p:spTree>
+    <p:extLst>
+      <p:ext uri="{BB962C8B-B14F-4D97-AF65-F5344CB8AC3E}">
+        <p14:creationId xmlns:p14="http://schemas.microsoft.com/office/powerpoint/2010/main" val="4240383098"/>
+      </p:ext>
+    </p:extLst>
+  </p:cSld>
+  <p:clrMapOvr>
+    <a:masterClrMapping/>
+  </p:clrMapOvr>
+</p:sld>
+</file>
+
+<file path=ppt/slides/slide16.xml><?xml version="1.0" encoding="utf-8"?>
+<p:sld xmlns:a="http://schemas.openxmlformats.org/drawingml/2006/main" xmlns:r="http://schemas.openxmlformats.org/officeDocument/2006/relationships" xmlns:p="http://schemas.openxmlformats.org/presentationml/2006/main">
+  <p:cSld>
+    <p:spTree>
+      <p:nvGrpSpPr>
+        <p:cNvPr id="1" name=""/>
+        <p:cNvGrpSpPr/>
+        <p:nvPr/>
+      </p:nvGrpSpPr>
+      <p:grpSpPr>
+        <a:xfrm>
+          <a:off x="0" y="0"/>
+          <a:ext cx="0" cy="0"/>
+          <a:chOff x="0" y="0"/>
+          <a:chExt cx="0" cy="0"/>
+        </a:xfrm>
+      </p:grpSpPr>
+      <p:sp>
+        <p:nvSpPr>
+          <p:cNvPr id="2" name="标题 1"/>
+          <p:cNvSpPr>
+            <a:spLocks noGrp="1"/>
+          </p:cNvSpPr>
+          <p:nvPr>
+            <p:ph type="title"/>
+          </p:nvPr>
+        </p:nvSpPr>
+        <p:spPr/>
+        <p:txBody>
+          <a:bodyPr/>
+          <a:lstStyle/>
+          <a:p>
+            <a:endParaRPr lang="zh-CN" altLang="en-US"/>
+          </a:p>
+        </p:txBody>
+      </p:sp>
+      <p:pic>
+        <p:nvPicPr>
+          <p:cNvPr id="1026" name="Picture 2"/>
+          <p:cNvPicPr>
+            <a:picLocks noGrp="1" noChangeAspect="1" noChangeArrowheads="1"/>
+          </p:cNvPicPr>
+          <p:nvPr>
+            <p:ph idx="1"/>
+          </p:nvPr>
+        </p:nvPicPr>
+        <p:blipFill>
+          <a:blip r:embed="rId2">
+            <a:extLst>
+              <a:ext uri="{28A0092B-C50C-407E-A947-70E740481C1C}">
+                <a14:useLocalDpi xmlns:a14="http://schemas.microsoft.com/office/drawing/2010/main" val="0"/>
+              </a:ext>
+            </a:extLst>
+          </a:blip>
+          <a:srcRect/>
+          <a:stretch>
+            <a:fillRect/>
+          </a:stretch>
+        </p:blipFill>
+        <p:spPr bwMode="auto">
+          <a:xfrm>
+            <a:off x="1186706" y="1600200"/>
+            <a:ext cx="6770588" cy="4525963"/>
+          </a:xfrm>
+          <a:prstGeom prst="rect">
+            <a:avLst/>
+          </a:prstGeom>
+          <a:noFill/>
+          <a:ln>
+            <a:noFill/>
+          </a:ln>
+          <a:effectLst/>
+          <a:extLst>
+            <a:ext uri="{909E8E84-426E-40DD-AFC4-6F175D3DCCD1}">
+              <a14:hiddenFill xmlns:a14="http://schemas.microsoft.com/office/drawing/2010/main">
+                <a:solidFill>
+                  <a:schemeClr val="accent1"/>
+                </a:solidFill>
+              </a14:hiddenFill>
+            </a:ext>
+            <a:ext uri="{91240B29-F687-4F45-9708-019B960494DF}">
+              <a14:hiddenLine xmlns:a14="http://schemas.microsoft.com/office/drawing/2010/main" w="9525">
+                <a:solidFill>
+                  <a:schemeClr val="tx1"/>
+                </a:solidFill>
+                <a:miter lim="800000"/>
+                <a:headEnd/>
+                <a:tailEnd/>
+              </a14:hiddenLine>
+            </a:ext>
+            <a:ext uri="{AF507438-7753-43E0-B8FC-AC1667EBCBE1}">
+              <a14:hiddenEffects xmlns:a14="http://schemas.microsoft.com/office/drawing/2010/main">
+                <a:effectLst>
+                  <a:outerShdw dist="35921" dir="2700000" algn="ctr" rotWithShape="0">
+                    <a:schemeClr val="bg2"/>
+                  </a:outerShdw>
+                </a:effectLst>
+              </a14:hiddenEffects>
+            </a:ext>
+          </a:extLst>
+        </p:spPr>
+      </p:pic>
+    </p:spTree>
+    <p:extLst>
+      <p:ext uri="{BB962C8B-B14F-4D97-AF65-F5344CB8AC3E}">
+        <p14:creationId xmlns:p14="http://schemas.microsoft.com/office/powerpoint/2010/main" val="2658263340"/>
+      </p:ext>
+    </p:extLst>
+  </p:cSld>
+  <p:clrMapOvr>
+    <a:masterClrMapping/>
+  </p:clrMapOvr>
+</p:sld>
+</file>
+
+<file path=ppt/slides/slide17.xml><?xml version="1.0" encoding="utf-8"?>
+<p:sld xmlns:a="http://schemas.openxmlformats.org/drawingml/2006/main" xmlns:r="http://schemas.openxmlformats.org/officeDocument/2006/relationships" xmlns:p="http://schemas.openxmlformats.org/presentationml/2006/main">
+  <p:cSld>
+    <p:spTree>
+      <p:nvGrpSpPr>
+        <p:cNvPr id="1" name=""/>
+        <p:cNvGrpSpPr/>
+        <p:nvPr/>
+      </p:nvGrpSpPr>
+      <p:grpSpPr>
+        <a:xfrm>
+          <a:off x="0" y="0"/>
+          <a:ext cx="0" cy="0"/>
+          <a:chOff x="0" y="0"/>
+          <a:chExt cx="0" cy="0"/>
+        </a:xfrm>
+      </p:grpSpPr>
+      <p:sp>
+        <p:nvSpPr>
+          <p:cNvPr id="2" name="标题 1"/>
+          <p:cNvSpPr>
+            <a:spLocks noGrp="1"/>
+          </p:cNvSpPr>
+          <p:nvPr>
+            <p:ph type="title"/>
+          </p:nvPr>
+        </p:nvSpPr>
+        <p:spPr/>
+        <p:txBody>
+          <a:bodyPr/>
+          <a:lstStyle/>
+          <a:p>
+            <a:endParaRPr lang="zh-CN" altLang="en-US"/>
+          </a:p>
+        </p:txBody>
+      </p:sp>
+      <p:sp>
+        <p:nvSpPr>
+          <p:cNvPr id="3" name="内容占位符 2"/>
+          <p:cNvSpPr>
+            <a:spLocks noGrp="1"/>
+          </p:cNvSpPr>
+          <p:nvPr>
+            <p:ph idx="1"/>
+          </p:nvPr>
+        </p:nvSpPr>
+        <p:spPr/>
+        <p:txBody>
+          <a:bodyPr/>
+          <a:lstStyle/>
+          <a:p>
+            <a:pPr>
+              <a:lnSpc>
+                <a:spcPct val="130000"/>
+              </a:lnSpc>
+              <a:defRPr/>
+            </a:pPr>
+            <a:r>
+              <a:rPr lang="zh-CN" altLang="en-US" sz="3600" dirty="0">
+                <a:latin typeface="+mn-ea"/>
+              </a:rPr>
+              <a:t>特征：</a:t>
+            </a:r>
+            <a:endParaRPr lang="en-US" altLang="zh-CN" sz="3600" dirty="0">
+              <a:latin typeface="+mn-ea"/>
+            </a:endParaRPr>
+          </a:p>
+          <a:p>
+            <a:pPr>
+              <a:lnSpc>
+                <a:spcPct val="130000"/>
+              </a:lnSpc>
+              <a:defRPr/>
+            </a:pPr>
+            <a:r>
+              <a:rPr lang="zh-CN" altLang="en-US" dirty="0">
+                <a:latin typeface="+mn-ea"/>
+              </a:rPr>
+              <a:t>任意两个相邻字母的差值为</a:t>
+            </a:r>
+            <a:r>
+              <a:rPr lang="en-US" altLang="zh-CN" dirty="0">
+                <a:latin typeface="+mn-ea"/>
+              </a:rPr>
+              <a:t>±1</a:t>
+            </a:r>
+          </a:p>
+          <a:p>
+            <a:pPr>
+              <a:lnSpc>
+                <a:spcPct val="130000"/>
+              </a:lnSpc>
+              <a:defRPr/>
+            </a:pPr>
+            <a:r>
+              <a:rPr lang="zh-CN" altLang="en-US" dirty="0">
+                <a:latin typeface="+mn-ea"/>
+              </a:rPr>
+              <a:t>小写字母与大写字母的差值为</a:t>
+            </a:r>
+            <a:r>
+              <a:rPr lang="en-US" altLang="zh-CN" dirty="0">
+                <a:latin typeface="+mn-ea"/>
+              </a:rPr>
+              <a:t>32D(20H)</a:t>
+            </a:r>
+          </a:p>
+          <a:p>
+            <a:pPr>
+              <a:lnSpc>
+                <a:spcPct val="130000"/>
+              </a:lnSpc>
+              <a:defRPr/>
+            </a:pPr>
+            <a:r>
+              <a:rPr lang="zh-CN" altLang="en-US" dirty="0">
+                <a:latin typeface="+mn-ea"/>
+              </a:rPr>
+              <a:t>控制字符</a:t>
+            </a:r>
+            <a:r>
+              <a:rPr lang="en-US" altLang="zh-CN" dirty="0">
+                <a:latin typeface="+mn-ea"/>
+              </a:rPr>
+              <a:t>(‘DEL’</a:t>
+            </a:r>
+            <a:r>
+              <a:rPr lang="zh-CN" altLang="en-US" dirty="0">
+                <a:latin typeface="+mn-ea"/>
+              </a:rPr>
+              <a:t>除外</a:t>
+            </a:r>
+            <a:r>
+              <a:rPr lang="en-US" altLang="zh-CN" dirty="0">
+                <a:latin typeface="+mn-ea"/>
+              </a:rPr>
+              <a:t>)</a:t>
+            </a:r>
+            <a:r>
+              <a:rPr lang="zh-CN" altLang="en-US" dirty="0">
+                <a:latin typeface="+mn-ea"/>
+              </a:rPr>
+              <a:t>＜数字字符＜大写字母＜小写字母</a:t>
+            </a:r>
+            <a:endParaRPr lang="en-US" altLang="zh-CN" dirty="0">
+              <a:latin typeface="+mn-ea"/>
+            </a:endParaRPr>
+          </a:p>
+          <a:p>
+            <a:endParaRPr lang="zh-CN" altLang="en-US" dirty="0"/>
+          </a:p>
+        </p:txBody>
+      </p:sp>
+    </p:spTree>
+    <p:extLst>
+      <p:ext uri="{BB962C8B-B14F-4D97-AF65-F5344CB8AC3E}">
+        <p14:creationId xmlns:p14="http://schemas.microsoft.com/office/powerpoint/2010/main" val="3577255602"/>
+      </p:ext>
+    </p:extLst>
+  </p:cSld>
+  <p:clrMapOvr>
+    <a:masterClrMapping/>
+  </p:clrMapOvr>
+</p:sld>
+</file>
+
+<file path=ppt/slides/slide18.xml><?xml version="1.0" encoding="utf-8"?>
+<p:sld xmlns:a="http://schemas.openxmlformats.org/drawingml/2006/main" xmlns:r="http://schemas.openxmlformats.org/officeDocument/2006/relationships" xmlns:p="http://schemas.openxmlformats.org/presentationml/2006/main">
+  <p:cSld>
+    <p:spTree>
+      <p:nvGrpSpPr>
+        <p:cNvPr id="1" name=""/>
+        <p:cNvGrpSpPr/>
+        <p:nvPr/>
+      </p:nvGrpSpPr>
+      <p:grpSpPr>
+        <a:xfrm>
+          <a:off x="0" y="0"/>
+          <a:ext cx="0" cy="0"/>
+          <a:chOff x="0" y="0"/>
+          <a:chExt cx="0" cy="0"/>
+        </a:xfrm>
+      </p:grpSpPr>
+      <p:sp>
+        <p:nvSpPr>
+          <p:cNvPr id="2" name="标题 1"/>
+          <p:cNvSpPr>
+            <a:spLocks noGrp="1"/>
+          </p:cNvSpPr>
+          <p:nvPr>
+            <p:ph type="title"/>
+          </p:nvPr>
+        </p:nvSpPr>
+        <p:spPr/>
+        <p:txBody>
+          <a:bodyPr/>
+          <a:lstStyle/>
+          <a:p>
+            <a:endParaRPr lang="zh-CN" altLang="en-US"/>
+          </a:p>
+        </p:txBody>
+      </p:sp>
+      <p:sp>
+        <p:nvSpPr>
+          <p:cNvPr id="3" name="内容占位符 2"/>
+          <p:cNvSpPr>
+            <a:spLocks noGrp="1"/>
+          </p:cNvSpPr>
+          <p:nvPr>
+            <p:ph idx="1"/>
+          </p:nvPr>
+        </p:nvSpPr>
+        <p:spPr/>
+        <p:txBody>
+          <a:bodyPr/>
+          <a:lstStyle/>
+          <a:p>
+            <a:pPr>
+              <a:buNone/>
+            </a:pPr>
+            <a:r>
+              <a:rPr lang="zh-CN" altLang="en-US" dirty="0"/>
+              <a:t>例</a:t>
+            </a:r>
+            <a:r>
+              <a:rPr lang="en-US" altLang="zh-CN" dirty="0"/>
+              <a:t>1</a:t>
+            </a:r>
+            <a:r>
+              <a:rPr lang="zh-CN" altLang="en-US" dirty="0"/>
+              <a:t>、下列字符中，</a:t>
+            </a:r>
+            <a:r>
+              <a:rPr lang="en-US" altLang="zh-CN" dirty="0"/>
+              <a:t>ASCII</a:t>
+            </a:r>
+            <a:r>
+              <a:rPr lang="zh-CN" altLang="en-US" dirty="0"/>
+              <a:t>码值最小的是（  ）</a:t>
+            </a:r>
+            <a:r>
+              <a:rPr lang="en-US" altLang="zh-CN" dirty="0"/>
+              <a:t> </a:t>
+            </a:r>
+          </a:p>
+          <a:p>
+            <a:pPr>
+              <a:buNone/>
+            </a:pPr>
+            <a:r>
+              <a:rPr lang="en-US" altLang="zh-CN" dirty="0"/>
+              <a:t> A) A    B) a    C) Z     D) x</a:t>
+            </a:r>
+          </a:p>
+          <a:p>
+            <a:pPr>
+              <a:buNone/>
+            </a:pPr>
+            <a:r>
+              <a:rPr lang="zh-CN" altLang="en-US" dirty="0"/>
+              <a:t>例</a:t>
+            </a:r>
+            <a:r>
+              <a:rPr lang="en-US" altLang="zh-CN" dirty="0"/>
+              <a:t>2</a:t>
+            </a:r>
+            <a:r>
+              <a:rPr lang="zh-CN" altLang="en-US" dirty="0"/>
+              <a:t>、已知英文字母</a:t>
+            </a:r>
+            <a:r>
+              <a:rPr lang="en-US" altLang="zh-CN" dirty="0"/>
+              <a:t>D</a:t>
+            </a:r>
+            <a:r>
+              <a:rPr lang="zh-CN" altLang="en-US" dirty="0"/>
+              <a:t>的</a:t>
+            </a:r>
+            <a:r>
+              <a:rPr lang="en-US" altLang="zh-CN" dirty="0"/>
+              <a:t>ASCII</a:t>
+            </a:r>
+            <a:r>
+              <a:rPr lang="zh-CN" altLang="en-US" dirty="0"/>
+              <a:t>码值是</a:t>
+            </a:r>
+            <a:r>
+              <a:rPr lang="en-US" altLang="zh-CN" dirty="0"/>
+              <a:t>44H,</a:t>
+            </a:r>
+          </a:p>
+          <a:p>
+            <a:pPr>
+              <a:buNone/>
+            </a:pPr>
+            <a:r>
+              <a:rPr lang="zh-CN" altLang="en-US" dirty="0"/>
+              <a:t>则英文字母</a:t>
+            </a:r>
+            <a:r>
+              <a:rPr lang="en-US" altLang="zh-CN" dirty="0"/>
+              <a:t>F</a:t>
+            </a:r>
+            <a:r>
+              <a:rPr lang="zh-CN" altLang="en-US" dirty="0"/>
+              <a:t>的</a:t>
+            </a:r>
+            <a:r>
+              <a:rPr lang="en-US" altLang="zh-CN" dirty="0"/>
+              <a:t>ASCII</a:t>
+            </a:r>
+            <a:r>
+              <a:rPr lang="zh-CN" altLang="en-US" dirty="0"/>
+              <a:t>码值的十进制为（   ）</a:t>
+            </a:r>
+          </a:p>
+          <a:p>
+            <a:endParaRPr lang="zh-CN" altLang="en-US" dirty="0"/>
+          </a:p>
+        </p:txBody>
+      </p:sp>
+    </p:spTree>
+    <p:extLst>
+      <p:ext uri="{BB962C8B-B14F-4D97-AF65-F5344CB8AC3E}">
+        <p14:creationId xmlns:p14="http://schemas.microsoft.com/office/powerpoint/2010/main" val="797877812"/>
+      </p:ext>
+    </p:extLst>
+  </p:cSld>
+  <p:clrMapOvr>
+    <a:masterClrMapping/>
+  </p:clrMapOvr>
+</p:sld>
+</file>
+
+<file path=ppt/slides/slide19.xml><?xml version="1.0" encoding="utf-8"?>
+<p:sld xmlns:a="http://schemas.openxmlformats.org/drawingml/2006/main" xmlns:r="http://schemas.openxmlformats.org/officeDocument/2006/relationships" xmlns:p="http://schemas.openxmlformats.org/presentationml/2006/main">
+  <p:cSld>
+    <p:spTree>
+      <p:nvGrpSpPr>
+        <p:cNvPr id="1" name=""/>
+        <p:cNvGrpSpPr/>
+        <p:nvPr/>
+      </p:nvGrpSpPr>
+      <p:grpSpPr>
+        <a:xfrm>
+          <a:off x="0" y="0"/>
+          <a:ext cx="0" cy="0"/>
+          <a:chOff x="0" y="0"/>
+          <a:chExt cx="0" cy="0"/>
+        </a:xfrm>
+      </p:grpSpPr>
+      <p:sp>
+        <p:nvSpPr>
+          <p:cNvPr id="2" name="标题 1"/>
+          <p:cNvSpPr>
+            <a:spLocks noGrp="1"/>
+          </p:cNvSpPr>
+          <p:nvPr>
+            <p:ph type="title"/>
+          </p:nvPr>
+        </p:nvSpPr>
+        <p:spPr/>
+        <p:txBody>
+          <a:bodyPr>
+            <a:normAutofit/>
+          </a:bodyPr>
+          <a:lstStyle/>
+          <a:p>
+            <a:r>
+              <a:rPr lang="zh-CN" altLang="en-US" dirty="0">
+                <a:latin typeface="华文新魏" panose="02010800040101010101" pitchFamily="2" charset="-122"/>
+              </a:rPr>
+              <a:t>计算机中中文字符</a:t>
+            </a:r>
+            <a:r>
+              <a:rPr lang="zh-CN" altLang="en-US" dirty="0" smtClean="0">
+                <a:latin typeface="华文新魏" panose="02010800040101010101" pitchFamily="2" charset="-122"/>
+              </a:rPr>
+              <a:t>编码</a:t>
+            </a:r>
+            <a:endParaRPr lang="zh-CN" altLang="en-US" dirty="0"/>
+          </a:p>
+        </p:txBody>
+      </p:sp>
+      <p:grpSp>
+        <p:nvGrpSpPr>
+          <p:cNvPr id="4" name="Group 5">
+            <a:extLst>
+              <a:ext uri="{FF2B5EF4-FFF2-40B4-BE49-F238E27FC236}">
+                <a16:creationId xmlns="" xmlns:a16="http://schemas.microsoft.com/office/drawing/2014/main" id="{5C75D3A6-45C5-4F1F-945D-FF2500AFC52A}"/>
+              </a:ext>
+            </a:extLst>
+          </p:cNvPr>
+          <p:cNvGrpSpPr>
+            <a:grpSpLocks/>
+          </p:cNvGrpSpPr>
+          <p:nvPr/>
+        </p:nvGrpSpPr>
+        <p:grpSpPr bwMode="auto">
+          <a:xfrm>
+            <a:off x="-63923" y="1556792"/>
+            <a:ext cx="9432926" cy="855663"/>
+            <a:chOff x="-163" y="567"/>
+            <a:chExt cx="5351" cy="365"/>
+          </a:xfrm>
+        </p:grpSpPr>
+        <p:sp>
+          <p:nvSpPr>
+            <p:cNvPr id="5" name="Line 6">
+              <a:extLst>
+                <a:ext uri="{FF2B5EF4-FFF2-40B4-BE49-F238E27FC236}">
+                  <a16:creationId xmlns="" xmlns:a16="http://schemas.microsoft.com/office/drawing/2014/main" id="{7003542E-68DB-4541-9CA7-30F9F1295005}"/>
+                </a:ext>
+              </a:extLst>
+            </p:cNvPr>
+            <p:cNvSpPr>
+              <a:spLocks noChangeShapeType="1"/>
+            </p:cNvSpPr>
+            <p:nvPr/>
+          </p:nvSpPr>
+          <p:spPr bwMode="auto">
+            <a:xfrm>
+              <a:off x="0" y="737"/>
+              <a:ext cx="368" cy="0"/>
+            </a:xfrm>
+            <a:prstGeom prst="line">
+              <a:avLst/>
+            </a:prstGeom>
+            <a:noFill/>
+            <a:ln w="28575" cap="sq">
+              <a:solidFill>
+                <a:schemeClr val="tx1"/>
+              </a:solidFill>
+              <a:round/>
+              <a:headEnd type="none" w="sm" len="sm"/>
+              <a:tailEnd type="triangle" w="sm" len="sm"/>
+            </a:ln>
+            <a:extLst>
+              <a:ext uri="{909E8E84-426E-40DD-AFC4-6F175D3DCCD1}">
+                <a14:hiddenFill xmlns:a14="http://schemas.microsoft.com/office/drawing/2010/main">
+                  <a:noFill/>
+                </a14:hiddenFill>
+              </a:ext>
+            </a:extLst>
+          </p:spPr>
+          <p:txBody>
+            <a:bodyPr/>
+            <a:lstStyle/>
+            <a:p>
+              <a:endParaRPr lang="zh-CN" altLang="en-US"/>
+            </a:p>
+          </p:txBody>
+        </p:sp>
+        <p:sp>
+          <p:nvSpPr>
+            <p:cNvPr id="6" name="Text Box 7">
+              <a:extLst>
+                <a:ext uri="{FF2B5EF4-FFF2-40B4-BE49-F238E27FC236}">
+                  <a16:creationId xmlns="" xmlns:a16="http://schemas.microsoft.com/office/drawing/2014/main" id="{567805A3-B1B5-4F6F-BB94-8527667FA5B8}"/>
+                </a:ext>
+              </a:extLst>
+            </p:cNvPr>
+            <p:cNvSpPr txBox="1">
+              <a:spLocks noChangeArrowheads="1"/>
+            </p:cNvSpPr>
+            <p:nvPr/>
+          </p:nvSpPr>
+          <p:spPr bwMode="auto">
+            <a:xfrm>
+              <a:off x="372" y="618"/>
+              <a:ext cx="857" cy="252"/>
+            </a:xfrm>
+            <a:prstGeom prst="rect">
+              <a:avLst/>
+            </a:prstGeom>
+            <a:noFill/>
+            <a:ln w="12700" cap="sq">
+              <a:solidFill>
+                <a:schemeClr val="tx1"/>
+              </a:solidFill>
+              <a:miter lim="800000"/>
+              <a:headEnd type="none" w="sm" len="sm"/>
+              <a:tailEnd type="none" w="sm" len="sm"/>
+            </a:ln>
+            <a:extLst>
+              <a:ext uri="{909E8E84-426E-40DD-AFC4-6F175D3DCCD1}">
+                <a14:hiddenFill xmlns:a14="http://schemas.microsoft.com/office/drawing/2010/main">
+                  <a:solidFill>
+                    <a:srgbClr val="FFFFFF"/>
+                  </a:solidFill>
+                </a14:hiddenFill>
+              </a:ext>
+            </a:extLst>
+          </p:spPr>
+          <p:txBody>
+            <a:bodyPr>
+              <a:spAutoFit/>
+            </a:bodyPr>
+            <a:lstStyle>
+              <a:lvl1pPr>
+                <a:spcBef>
+                  <a:spcPct val="20000"/>
+                </a:spcBef>
+                <a:buClr>
+                  <a:schemeClr val="folHlink"/>
+                </a:buClr>
+                <a:buSzPct val="60000"/>
+                <a:buFont typeface="Wingdings" panose="05000000000000000000" pitchFamily="2" charset="2"/>
+                <a:buChar char="n"/>
+                <a:defRPr sz="3200">
+                  <a:solidFill>
+                    <a:schemeClr val="tx1"/>
+                  </a:solidFill>
+                  <a:latin typeface="Times New Roman" panose="02020603050405020304" pitchFamily="18" charset="0"/>
+                  <a:ea typeface="华文新魏" panose="02010800040101010101" pitchFamily="2" charset="-122"/>
+                </a:defRPr>
+              </a:lvl1pPr>
+              <a:lvl2pPr marL="742950" indent="-285750">
+                <a:spcBef>
+                  <a:spcPct val="20000"/>
+                </a:spcBef>
+                <a:buClr>
+                  <a:schemeClr val="hlink"/>
+                </a:buClr>
+                <a:buSzPct val="55000"/>
+                <a:buFont typeface="Wingdings" panose="05000000000000000000" pitchFamily="2" charset="2"/>
+                <a:buChar char="n"/>
+                <a:defRPr sz="2800">
+                  <a:solidFill>
+                    <a:schemeClr val="tx2"/>
+                  </a:solidFill>
+                  <a:latin typeface="Times New Roman" panose="02020603050405020304" pitchFamily="18" charset="0"/>
+                  <a:ea typeface="华文新魏" panose="02010800040101010101" pitchFamily="2" charset="-122"/>
+                </a:defRPr>
+              </a:lvl2pPr>
+              <a:lvl3pPr marL="1143000" indent="-228600">
+                <a:spcBef>
+                  <a:spcPct val="20000"/>
+                </a:spcBef>
+                <a:buClr>
+                  <a:schemeClr val="folHlink"/>
+                </a:buClr>
+                <a:buSzPct val="50000"/>
+                <a:buFont typeface="Wingdings" panose="05000000000000000000" pitchFamily="2" charset="2"/>
+                <a:buChar char="n"/>
+                <a:defRPr sz="2400">
+                  <a:solidFill>
+                    <a:schemeClr val="tx1"/>
+                  </a:solidFill>
+                  <a:latin typeface="Times New Roman" panose="02020603050405020304" pitchFamily="18" charset="0"/>
+                  <a:ea typeface="华文新魏" panose="02010800040101010101" pitchFamily="2" charset="-122"/>
+                </a:defRPr>
+              </a:lvl3pPr>
+              <a:lvl4pPr marL="1600200" indent="-228600">
+                <a:spcBef>
+                  <a:spcPct val="20000"/>
+                </a:spcBef>
+                <a:buClr>
+                  <a:schemeClr val="accent2"/>
+                </a:buClr>
+                <a:buSzPct val="55000"/>
+                <a:buFont typeface="Wingdings" panose="05000000000000000000" pitchFamily="2" charset="2"/>
+                <a:buChar char="n"/>
+                <a:defRPr sz="2000">
+                  <a:solidFill>
+                    <a:schemeClr val="tx1"/>
+                  </a:solidFill>
+                  <a:latin typeface="Times New Roman" panose="02020603050405020304" pitchFamily="18" charset="0"/>
+                  <a:ea typeface="华文新魏" panose="02010800040101010101" pitchFamily="2" charset="-122"/>
+                </a:defRPr>
+              </a:lvl4pPr>
+              <a:lvl5pPr marL="2057400" indent="-228600">
+                <a:spcBef>
+                  <a:spcPct val="20000"/>
+                </a:spcBef>
+                <a:buClr>
+                  <a:schemeClr val="accent1"/>
+                </a:buClr>
+                <a:buSzPct val="50000"/>
+                <a:buFont typeface="Wingdings" panose="05000000000000000000" pitchFamily="2" charset="2"/>
+                <a:buChar char="n"/>
+                <a:defRPr sz="2000">
+                  <a:solidFill>
+                    <a:schemeClr val="tx1"/>
+                  </a:solidFill>
+                  <a:latin typeface="Times New Roman" panose="02020603050405020304" pitchFamily="18" charset="0"/>
+                  <a:ea typeface="华文新魏" panose="02010800040101010101" pitchFamily="2" charset="-122"/>
+                </a:defRPr>
+              </a:lvl5pPr>
+              <a:lvl6pPr marL="2514600" indent="-228600" eaLnBrk="0" fontAlgn="base" hangingPunct="0">
+                <a:spcBef>
+                  <a:spcPct val="20000"/>
+                </a:spcBef>
+                <a:spcAft>
+                  <a:spcPct val="0"/>
+                </a:spcAft>
+                <a:buClr>
+                  <a:schemeClr val="accent1"/>
+                </a:buClr>
+                <a:buSzPct val="50000"/>
+                <a:buFont typeface="Wingdings" panose="05000000000000000000" pitchFamily="2" charset="2"/>
+                <a:buChar char="n"/>
+                <a:defRPr sz="2000">
+                  <a:solidFill>
+                    <a:schemeClr val="tx1"/>
+                  </a:solidFill>
+                  <a:latin typeface="Times New Roman" panose="02020603050405020304" pitchFamily="18" charset="0"/>
+                  <a:ea typeface="华文新魏" panose="02010800040101010101" pitchFamily="2" charset="-122"/>
+                </a:defRPr>
+              </a:lvl6pPr>
+              <a:lvl7pPr marL="2971800" indent="-228600" eaLnBrk="0" fontAlgn="base" hangingPunct="0">
+                <a:spcBef>
+                  <a:spcPct val="20000"/>
+                </a:spcBef>
+                <a:spcAft>
+                  <a:spcPct val="0"/>
+                </a:spcAft>
+                <a:buClr>
+                  <a:schemeClr val="accent1"/>
+                </a:buClr>
+                <a:buSzPct val="50000"/>
+                <a:buFont typeface="Wingdings" panose="05000000000000000000" pitchFamily="2" charset="2"/>
+                <a:buChar char="n"/>
+                <a:defRPr sz="2000">
+                  <a:solidFill>
+                    <a:schemeClr val="tx1"/>
+                  </a:solidFill>
+                  <a:latin typeface="Times New Roman" panose="02020603050405020304" pitchFamily="18" charset="0"/>
+                  <a:ea typeface="华文新魏" panose="02010800040101010101" pitchFamily="2" charset="-122"/>
+                </a:defRPr>
+              </a:lvl7pPr>
+              <a:lvl8pPr marL="3429000" indent="-228600" eaLnBrk="0" fontAlgn="base" hangingPunct="0">
+                <a:spcBef>
+                  <a:spcPct val="20000"/>
+                </a:spcBef>
+                <a:spcAft>
+                  <a:spcPct val="0"/>
+                </a:spcAft>
+                <a:buClr>
+                  <a:schemeClr val="accent1"/>
+                </a:buClr>
+                <a:buSzPct val="50000"/>
+                <a:buFont typeface="Wingdings" panose="05000000000000000000" pitchFamily="2" charset="2"/>
+                <a:buChar char="n"/>
+                <a:defRPr sz="2000">
+                  <a:solidFill>
+                    <a:schemeClr val="tx1"/>
+                  </a:solidFill>
+                  <a:latin typeface="Times New Roman" panose="02020603050405020304" pitchFamily="18" charset="0"/>
+                  <a:ea typeface="华文新魏" panose="02010800040101010101" pitchFamily="2" charset="-122"/>
+                </a:defRPr>
+              </a:lvl8pPr>
+              <a:lvl9pPr marL="3886200" indent="-228600" eaLnBrk="0" fontAlgn="base" hangingPunct="0">
+                <a:spcBef>
+                  <a:spcPct val="20000"/>
+                </a:spcBef>
+                <a:spcAft>
+                  <a:spcPct val="0"/>
+                </a:spcAft>
+                <a:buClr>
+                  <a:schemeClr val="accent1"/>
+                </a:buClr>
+                <a:buSzPct val="50000"/>
+                <a:buFont typeface="Wingdings" panose="05000000000000000000" pitchFamily="2" charset="2"/>
+                <a:buChar char="n"/>
+                <a:defRPr sz="2000">
+                  <a:solidFill>
+                    <a:schemeClr val="tx1"/>
+                  </a:solidFill>
+                  <a:latin typeface="Times New Roman" panose="02020603050405020304" pitchFamily="18" charset="0"/>
+                  <a:ea typeface="华文新魏" panose="02010800040101010101" pitchFamily="2" charset="-122"/>
+                </a:defRPr>
+              </a:lvl9pPr>
+            </a:lstStyle>
+            <a:p>
+              <a:pPr algn="ctr">
+                <a:spcBef>
+                  <a:spcPct val="50000"/>
+                </a:spcBef>
+                <a:buClrTx/>
+                <a:buSzTx/>
+                <a:buFontTx/>
+                <a:buNone/>
+              </a:pPr>
+              <a:r>
+                <a:rPr lang="zh-CN" altLang="en-US" dirty="0">
+                  <a:latin typeface="Tahoma" panose="020B0604030504040204" pitchFamily="34" charset="0"/>
+                </a:rPr>
+                <a:t>输入码</a:t>
+              </a:r>
+            </a:p>
+          </p:txBody>
+        </p:sp>
+        <p:sp>
+          <p:nvSpPr>
+            <p:cNvPr id="7" name="Text Box 8">
+              <a:extLst>
+                <a:ext uri="{FF2B5EF4-FFF2-40B4-BE49-F238E27FC236}">
+                  <a16:creationId xmlns="" xmlns:a16="http://schemas.microsoft.com/office/drawing/2014/main" id="{CC80FAD2-1B9A-4C3E-A029-D375E77D0838}"/>
+                </a:ext>
+              </a:extLst>
+            </p:cNvPr>
+            <p:cNvSpPr txBox="1">
+              <a:spLocks noChangeArrowheads="1"/>
+            </p:cNvSpPr>
+            <p:nvPr/>
+          </p:nvSpPr>
+          <p:spPr bwMode="auto">
+            <a:xfrm>
+              <a:off x="1565" y="614"/>
+              <a:ext cx="816" cy="249"/>
+            </a:xfrm>
+            <a:prstGeom prst="rect">
+              <a:avLst/>
+            </a:prstGeom>
+            <a:noFill/>
+            <a:ln w="12700" cap="sq" algn="ctr">
+              <a:solidFill>
+                <a:schemeClr val="tx1"/>
+              </a:solidFill>
+              <a:miter lim="800000"/>
+              <a:headEnd type="none" w="sm" len="sm"/>
+              <a:tailEnd type="none" w="sm" len="sm"/>
+            </a:ln>
+            <a:extLst>
+              <a:ext uri="{909E8E84-426E-40DD-AFC4-6F175D3DCCD1}">
+                <a14:hiddenFill xmlns:a14="http://schemas.microsoft.com/office/drawing/2010/main">
+                  <a:solidFill>
+                    <a:srgbClr val="FFFFFF"/>
+                  </a:solidFill>
+                </a14:hiddenFill>
+              </a:ext>
+            </a:extLst>
+          </p:spPr>
+          <p:txBody>
+            <a:bodyPr>
+              <a:spAutoFit/>
+            </a:bodyPr>
+            <a:lstStyle>
+              <a:lvl1pPr>
+                <a:spcBef>
+                  <a:spcPct val="20000"/>
+                </a:spcBef>
+                <a:buClr>
+                  <a:schemeClr val="folHlink"/>
+                </a:buClr>
+                <a:buSzPct val="60000"/>
+                <a:buFont typeface="Wingdings" panose="05000000000000000000" pitchFamily="2" charset="2"/>
+                <a:buChar char="n"/>
+                <a:defRPr sz="3200">
+                  <a:solidFill>
+                    <a:schemeClr val="tx1"/>
+                  </a:solidFill>
+                  <a:latin typeface="Times New Roman" panose="02020603050405020304" pitchFamily="18" charset="0"/>
+                  <a:ea typeface="华文新魏" panose="02010800040101010101" pitchFamily="2" charset="-122"/>
+                </a:defRPr>
+              </a:lvl1pPr>
+              <a:lvl2pPr marL="742950" indent="-285750">
+                <a:spcBef>
+                  <a:spcPct val="20000"/>
+                </a:spcBef>
+                <a:buClr>
+                  <a:schemeClr val="hlink"/>
+                </a:buClr>
+                <a:buSzPct val="55000"/>
+                <a:buFont typeface="Wingdings" panose="05000000000000000000" pitchFamily="2" charset="2"/>
+                <a:buChar char="n"/>
+                <a:defRPr sz="2800">
+                  <a:solidFill>
+                    <a:schemeClr val="tx2"/>
+                  </a:solidFill>
+                  <a:latin typeface="Times New Roman" panose="02020603050405020304" pitchFamily="18" charset="0"/>
+                  <a:ea typeface="华文新魏" panose="02010800040101010101" pitchFamily="2" charset="-122"/>
+                </a:defRPr>
+              </a:lvl2pPr>
+              <a:lvl3pPr marL="1143000" indent="-228600">
+                <a:spcBef>
+                  <a:spcPct val="20000"/>
+                </a:spcBef>
+                <a:buClr>
+                  <a:schemeClr val="folHlink"/>
+                </a:buClr>
+                <a:buSzPct val="50000"/>
+                <a:buFont typeface="Wingdings" panose="05000000000000000000" pitchFamily="2" charset="2"/>
+                <a:buChar char="n"/>
+                <a:defRPr sz="2400">
+                  <a:solidFill>
+                    <a:schemeClr val="tx1"/>
+                  </a:solidFill>
+                  <a:latin typeface="Times New Roman" panose="02020603050405020304" pitchFamily="18" charset="0"/>
+                  <a:ea typeface="华文新魏" panose="02010800040101010101" pitchFamily="2" charset="-122"/>
+                </a:defRPr>
+              </a:lvl3pPr>
+              <a:lvl4pPr marL="1600200" indent="-228600">
+                <a:spcBef>
+                  <a:spcPct val="20000"/>
+                </a:spcBef>
+                <a:buClr>
+                  <a:schemeClr val="accent2"/>
+                </a:buClr>
+                <a:buSzPct val="55000"/>
+                <a:buFont typeface="Wingdings" panose="05000000000000000000" pitchFamily="2" charset="2"/>
+                <a:buChar char="n"/>
+                <a:defRPr sz="2000">
+                  <a:solidFill>
+                    <a:schemeClr val="tx1"/>
+                  </a:solidFill>
+                  <a:latin typeface="Times New Roman" panose="02020603050405020304" pitchFamily="18" charset="0"/>
+                  <a:ea typeface="华文新魏" panose="02010800040101010101" pitchFamily="2" charset="-122"/>
+                </a:defRPr>
+              </a:lvl4pPr>
+              <a:lvl5pPr marL="2057400" indent="-228600">
+                <a:spcBef>
+                  <a:spcPct val="20000"/>
+                </a:spcBef>
+                <a:buClr>
+                  <a:schemeClr val="accent1"/>
+                </a:buClr>
+                <a:buSzPct val="50000"/>
+                <a:buFont typeface="Wingdings" panose="05000000000000000000" pitchFamily="2" charset="2"/>
+                <a:buChar char="n"/>
+                <a:defRPr sz="2000">
+                  <a:solidFill>
+                    <a:schemeClr val="tx1"/>
+                  </a:solidFill>
+                  <a:latin typeface="Times New Roman" panose="02020603050405020304" pitchFamily="18" charset="0"/>
+                  <a:ea typeface="华文新魏" panose="02010800040101010101" pitchFamily="2" charset="-122"/>
+                </a:defRPr>
+              </a:lvl5pPr>
+              <a:lvl6pPr marL="2514600" indent="-228600" eaLnBrk="0" fontAlgn="base" hangingPunct="0">
+                <a:spcBef>
+                  <a:spcPct val="20000"/>
+                </a:spcBef>
+                <a:spcAft>
+                  <a:spcPct val="0"/>
+                </a:spcAft>
+                <a:buClr>
+                  <a:schemeClr val="accent1"/>
+                </a:buClr>
+                <a:buSzPct val="50000"/>
+                <a:buFont typeface="Wingdings" panose="05000000000000000000" pitchFamily="2" charset="2"/>
+                <a:buChar char="n"/>
+                <a:defRPr sz="2000">
+                  <a:solidFill>
+                    <a:schemeClr val="tx1"/>
+                  </a:solidFill>
+                  <a:latin typeface="Times New Roman" panose="02020603050405020304" pitchFamily="18" charset="0"/>
+                  <a:ea typeface="华文新魏" panose="02010800040101010101" pitchFamily="2" charset="-122"/>
+                </a:defRPr>
+              </a:lvl6pPr>
+              <a:lvl7pPr marL="2971800" indent="-228600" eaLnBrk="0" fontAlgn="base" hangingPunct="0">
+                <a:spcBef>
+                  <a:spcPct val="20000"/>
+                </a:spcBef>
+                <a:spcAft>
+                  <a:spcPct val="0"/>
+                </a:spcAft>
+                <a:buClr>
+                  <a:schemeClr val="accent1"/>
+                </a:buClr>
+                <a:buSzPct val="50000"/>
+                <a:buFont typeface="Wingdings" panose="05000000000000000000" pitchFamily="2" charset="2"/>
+                <a:buChar char="n"/>
+                <a:defRPr sz="2000">
+                  <a:solidFill>
+                    <a:schemeClr val="tx1"/>
+                  </a:solidFill>
+                  <a:latin typeface="Times New Roman" panose="02020603050405020304" pitchFamily="18" charset="0"/>
+                  <a:ea typeface="华文新魏" panose="02010800040101010101" pitchFamily="2" charset="-122"/>
+                </a:defRPr>
+              </a:lvl7pPr>
+              <a:lvl8pPr marL="3429000" indent="-228600" eaLnBrk="0" fontAlgn="base" hangingPunct="0">
+                <a:spcBef>
+                  <a:spcPct val="20000"/>
+                </a:spcBef>
+                <a:spcAft>
+                  <a:spcPct val="0"/>
+                </a:spcAft>
+                <a:buClr>
+                  <a:schemeClr val="accent1"/>
+                </a:buClr>
+                <a:buSzPct val="50000"/>
+                <a:buFont typeface="Wingdings" panose="05000000000000000000" pitchFamily="2" charset="2"/>
+                <a:buChar char="n"/>
+                <a:defRPr sz="2000">
+                  <a:solidFill>
+                    <a:schemeClr val="tx1"/>
+                  </a:solidFill>
+                  <a:latin typeface="Times New Roman" panose="02020603050405020304" pitchFamily="18" charset="0"/>
+                  <a:ea typeface="华文新魏" panose="02010800040101010101" pitchFamily="2" charset="-122"/>
+                </a:defRPr>
+              </a:lvl8pPr>
+              <a:lvl9pPr marL="3886200" indent="-228600" eaLnBrk="0" fontAlgn="base" hangingPunct="0">
+                <a:spcBef>
+                  <a:spcPct val="20000"/>
+                </a:spcBef>
+                <a:spcAft>
+                  <a:spcPct val="0"/>
+                </a:spcAft>
+                <a:buClr>
+                  <a:schemeClr val="accent1"/>
+                </a:buClr>
+                <a:buSzPct val="50000"/>
+                <a:buFont typeface="Wingdings" panose="05000000000000000000" pitchFamily="2" charset="2"/>
+                <a:buChar char="n"/>
+                <a:defRPr sz="2000">
+                  <a:solidFill>
+                    <a:schemeClr val="tx1"/>
+                  </a:solidFill>
+                  <a:latin typeface="Times New Roman" panose="02020603050405020304" pitchFamily="18" charset="0"/>
+                  <a:ea typeface="华文新魏" panose="02010800040101010101" pitchFamily="2" charset="-122"/>
+                </a:defRPr>
+              </a:lvl9pPr>
+            </a:lstStyle>
+            <a:p>
+              <a:pPr algn="ctr">
+                <a:spcBef>
+                  <a:spcPct val="50000"/>
+                </a:spcBef>
+                <a:buClrTx/>
+                <a:buSzTx/>
+                <a:buFontTx/>
+                <a:buNone/>
+              </a:pPr>
+              <a:r>
+                <a:rPr lang="zh-CN" altLang="en-US" dirty="0">
+                  <a:latin typeface="Tahoma" panose="020B0604030504040204" pitchFamily="34" charset="0"/>
+                </a:rPr>
+                <a:t>国标码</a:t>
+              </a:r>
+            </a:p>
+          </p:txBody>
+        </p:sp>
+        <p:sp>
+          <p:nvSpPr>
+            <p:cNvPr id="8" name="Line 9">
+              <a:extLst>
+                <a:ext uri="{FF2B5EF4-FFF2-40B4-BE49-F238E27FC236}">
+                  <a16:creationId xmlns="" xmlns:a16="http://schemas.microsoft.com/office/drawing/2014/main" id="{0CD6D307-1F9E-4539-9F5E-FE9932F17CA2}"/>
+                </a:ext>
+              </a:extLst>
+            </p:cNvPr>
+            <p:cNvSpPr>
+              <a:spLocks noChangeShapeType="1"/>
+            </p:cNvSpPr>
+            <p:nvPr/>
+          </p:nvSpPr>
+          <p:spPr bwMode="auto">
+            <a:xfrm>
+              <a:off x="1247" y="737"/>
+              <a:ext cx="318" cy="0"/>
+            </a:xfrm>
+            <a:prstGeom prst="line">
+              <a:avLst/>
+            </a:prstGeom>
+            <a:noFill/>
+            <a:ln w="28575" cap="sq">
+              <a:solidFill>
+                <a:schemeClr val="tx1"/>
+              </a:solidFill>
+              <a:round/>
+              <a:headEnd type="none" w="sm" len="sm"/>
+              <a:tailEnd type="triangle" w="sm" len="sm"/>
+            </a:ln>
+            <a:extLst>
+              <a:ext uri="{909E8E84-426E-40DD-AFC4-6F175D3DCCD1}">
+                <a14:hiddenFill xmlns:a14="http://schemas.microsoft.com/office/drawing/2010/main">
+                  <a:noFill/>
+                </a14:hiddenFill>
+              </a:ext>
+            </a:extLst>
+          </p:spPr>
+          <p:txBody>
+            <a:bodyPr/>
+            <a:lstStyle/>
+            <a:p>
+              <a:endParaRPr lang="zh-CN" altLang="en-US"/>
+            </a:p>
+          </p:txBody>
+        </p:sp>
+        <p:sp>
+          <p:nvSpPr>
+            <p:cNvPr id="9" name="Text Box 10">
+              <a:extLst>
+                <a:ext uri="{FF2B5EF4-FFF2-40B4-BE49-F238E27FC236}">
+                  <a16:creationId xmlns="" xmlns:a16="http://schemas.microsoft.com/office/drawing/2014/main" id="{29AF9101-C446-427D-9B38-A6744187BD9E}"/>
+                </a:ext>
+              </a:extLst>
+            </p:cNvPr>
+            <p:cNvSpPr txBox="1">
+              <a:spLocks noChangeArrowheads="1"/>
+            </p:cNvSpPr>
+            <p:nvPr/>
+          </p:nvSpPr>
+          <p:spPr bwMode="auto">
+            <a:xfrm>
+              <a:off x="2737" y="614"/>
+              <a:ext cx="856" cy="252"/>
+            </a:xfrm>
+            <a:prstGeom prst="rect">
+              <a:avLst/>
+            </a:prstGeom>
+            <a:noFill/>
+            <a:ln w="12700" cap="sq" algn="ctr">
+              <a:solidFill>
+                <a:schemeClr val="tx1"/>
+              </a:solidFill>
+              <a:miter lim="800000"/>
+              <a:headEnd type="none" w="sm" len="sm"/>
+              <a:tailEnd type="none" w="sm" len="sm"/>
+            </a:ln>
+            <a:extLst>
+              <a:ext uri="{909E8E84-426E-40DD-AFC4-6F175D3DCCD1}">
+                <a14:hiddenFill xmlns:a14="http://schemas.microsoft.com/office/drawing/2010/main">
+                  <a:solidFill>
+                    <a:srgbClr val="FFFFFF"/>
+                  </a:solidFill>
+                </a14:hiddenFill>
+              </a:ext>
+            </a:extLst>
+          </p:spPr>
+          <p:txBody>
+            <a:bodyPr>
+              <a:spAutoFit/>
+            </a:bodyPr>
+            <a:lstStyle>
+              <a:lvl1pPr>
+                <a:spcBef>
+                  <a:spcPct val="20000"/>
+                </a:spcBef>
+                <a:buClr>
+                  <a:schemeClr val="folHlink"/>
+                </a:buClr>
+                <a:buSzPct val="60000"/>
+                <a:buFont typeface="Wingdings" panose="05000000000000000000" pitchFamily="2" charset="2"/>
+                <a:buChar char="n"/>
+                <a:defRPr sz="3200">
+                  <a:solidFill>
+                    <a:schemeClr val="tx1"/>
+                  </a:solidFill>
+                  <a:latin typeface="Times New Roman" panose="02020603050405020304" pitchFamily="18" charset="0"/>
+                  <a:ea typeface="华文新魏" panose="02010800040101010101" pitchFamily="2" charset="-122"/>
+                </a:defRPr>
+              </a:lvl1pPr>
+              <a:lvl2pPr marL="742950" indent="-285750">
+                <a:spcBef>
+                  <a:spcPct val="20000"/>
+                </a:spcBef>
+                <a:buClr>
+                  <a:schemeClr val="hlink"/>
+                </a:buClr>
+                <a:buSzPct val="55000"/>
+                <a:buFont typeface="Wingdings" panose="05000000000000000000" pitchFamily="2" charset="2"/>
+                <a:buChar char="n"/>
+                <a:defRPr sz="2800">
+                  <a:solidFill>
+                    <a:schemeClr val="tx2"/>
+                  </a:solidFill>
+                  <a:latin typeface="Times New Roman" panose="02020603050405020304" pitchFamily="18" charset="0"/>
+                  <a:ea typeface="华文新魏" panose="02010800040101010101" pitchFamily="2" charset="-122"/>
+                </a:defRPr>
+              </a:lvl2pPr>
+              <a:lvl3pPr marL="1143000" indent="-228600">
+                <a:spcBef>
+                  <a:spcPct val="20000"/>
+                </a:spcBef>
+                <a:buClr>
+                  <a:schemeClr val="folHlink"/>
+                </a:buClr>
+                <a:buSzPct val="50000"/>
+                <a:buFont typeface="Wingdings" panose="05000000000000000000" pitchFamily="2" charset="2"/>
+                <a:buChar char="n"/>
+                <a:defRPr sz="2400">
+                  <a:solidFill>
+                    <a:schemeClr val="tx1"/>
+                  </a:solidFill>
+                  <a:latin typeface="Times New Roman" panose="02020603050405020304" pitchFamily="18" charset="0"/>
+                  <a:ea typeface="华文新魏" panose="02010800040101010101" pitchFamily="2" charset="-122"/>
+                </a:defRPr>
+              </a:lvl3pPr>
+              <a:lvl4pPr marL="1600200" indent="-228600">
+                <a:spcBef>
+                  <a:spcPct val="20000"/>
+                </a:spcBef>
+                <a:buClr>
+                  <a:schemeClr val="accent2"/>
+                </a:buClr>
+                <a:buSzPct val="55000"/>
+                <a:buFont typeface="Wingdings" panose="05000000000000000000" pitchFamily="2" charset="2"/>
+                <a:buChar char="n"/>
+                <a:defRPr sz="2000">
+                  <a:solidFill>
+                    <a:schemeClr val="tx1"/>
+                  </a:solidFill>
+                  <a:latin typeface="Times New Roman" panose="02020603050405020304" pitchFamily="18" charset="0"/>
+                  <a:ea typeface="华文新魏" panose="02010800040101010101" pitchFamily="2" charset="-122"/>
+                </a:defRPr>
+              </a:lvl4pPr>
+              <a:lvl5pPr marL="2057400" indent="-228600">
+                <a:spcBef>
+                  <a:spcPct val="20000"/>
+                </a:spcBef>
+                <a:buClr>
+                  <a:schemeClr val="accent1"/>
+                </a:buClr>
+                <a:buSzPct val="50000"/>
+                <a:buFont typeface="Wingdings" panose="05000000000000000000" pitchFamily="2" charset="2"/>
+                <a:buChar char="n"/>
+                <a:defRPr sz="2000">
+                  <a:solidFill>
+                    <a:schemeClr val="tx1"/>
+                  </a:solidFill>
+                  <a:latin typeface="Times New Roman" panose="02020603050405020304" pitchFamily="18" charset="0"/>
+                  <a:ea typeface="华文新魏" panose="02010800040101010101" pitchFamily="2" charset="-122"/>
+                </a:defRPr>
+              </a:lvl5pPr>
+              <a:lvl6pPr marL="2514600" indent="-228600" eaLnBrk="0" fontAlgn="base" hangingPunct="0">
+                <a:spcBef>
+                  <a:spcPct val="20000"/>
+                </a:spcBef>
+                <a:spcAft>
+                  <a:spcPct val="0"/>
+                </a:spcAft>
+                <a:buClr>
+                  <a:schemeClr val="accent1"/>
+                </a:buClr>
+                <a:buSzPct val="50000"/>
+                <a:buFont typeface="Wingdings" panose="05000000000000000000" pitchFamily="2" charset="2"/>
+                <a:buChar char="n"/>
+                <a:defRPr sz="2000">
+                  <a:solidFill>
+                    <a:schemeClr val="tx1"/>
+                  </a:solidFill>
+                  <a:latin typeface="Times New Roman" panose="02020603050405020304" pitchFamily="18" charset="0"/>
+                  <a:ea typeface="华文新魏" panose="02010800040101010101" pitchFamily="2" charset="-122"/>
+                </a:defRPr>
+              </a:lvl6pPr>
+              <a:lvl7pPr marL="2971800" indent="-228600" eaLnBrk="0" fontAlgn="base" hangingPunct="0">
+                <a:spcBef>
+                  <a:spcPct val="20000"/>
+                </a:spcBef>
+                <a:spcAft>
+                  <a:spcPct val="0"/>
+                </a:spcAft>
+                <a:buClr>
+                  <a:schemeClr val="accent1"/>
+                </a:buClr>
+                <a:buSzPct val="50000"/>
+                <a:buFont typeface="Wingdings" panose="05000000000000000000" pitchFamily="2" charset="2"/>
+                <a:buChar char="n"/>
+                <a:defRPr sz="2000">
+                  <a:solidFill>
+                    <a:schemeClr val="tx1"/>
+                  </a:solidFill>
+                  <a:latin typeface="Times New Roman" panose="02020603050405020304" pitchFamily="18" charset="0"/>
+                  <a:ea typeface="华文新魏" panose="02010800040101010101" pitchFamily="2" charset="-122"/>
+                </a:defRPr>
+              </a:lvl7pPr>
+              <a:lvl8pPr marL="3429000" indent="-228600" eaLnBrk="0" fontAlgn="base" hangingPunct="0">
+                <a:spcBef>
+                  <a:spcPct val="20000"/>
+                </a:spcBef>
+                <a:spcAft>
+                  <a:spcPct val="0"/>
+                </a:spcAft>
+                <a:buClr>
+                  <a:schemeClr val="accent1"/>
+                </a:buClr>
+                <a:buSzPct val="50000"/>
+                <a:buFont typeface="Wingdings" panose="05000000000000000000" pitchFamily="2" charset="2"/>
+                <a:buChar char="n"/>
+                <a:defRPr sz="2000">
+                  <a:solidFill>
+                    <a:schemeClr val="tx1"/>
+                  </a:solidFill>
+                  <a:latin typeface="Times New Roman" panose="02020603050405020304" pitchFamily="18" charset="0"/>
+                  <a:ea typeface="华文新魏" panose="02010800040101010101" pitchFamily="2" charset="-122"/>
+                </a:defRPr>
+              </a:lvl8pPr>
+              <a:lvl9pPr marL="3886200" indent="-228600" eaLnBrk="0" fontAlgn="base" hangingPunct="0">
+                <a:spcBef>
+                  <a:spcPct val="20000"/>
+                </a:spcBef>
+                <a:spcAft>
+                  <a:spcPct val="0"/>
+                </a:spcAft>
+                <a:buClr>
+                  <a:schemeClr val="accent1"/>
+                </a:buClr>
+                <a:buSzPct val="50000"/>
+                <a:buFont typeface="Wingdings" panose="05000000000000000000" pitchFamily="2" charset="2"/>
+                <a:buChar char="n"/>
+                <a:defRPr sz="2000">
+                  <a:solidFill>
+                    <a:schemeClr val="tx1"/>
+                  </a:solidFill>
+                  <a:latin typeface="Times New Roman" panose="02020603050405020304" pitchFamily="18" charset="0"/>
+                  <a:ea typeface="华文新魏" panose="02010800040101010101" pitchFamily="2" charset="-122"/>
+                </a:defRPr>
+              </a:lvl9pPr>
+            </a:lstStyle>
+            <a:p>
+              <a:pPr algn="ctr">
+                <a:spcBef>
+                  <a:spcPct val="50000"/>
+                </a:spcBef>
+                <a:buClrTx/>
+                <a:buSzTx/>
+                <a:buFontTx/>
+                <a:buNone/>
+              </a:pPr>
+              <a:r>
+                <a:rPr lang="zh-CN" altLang="en-US" dirty="0">
+                  <a:latin typeface="Tahoma" panose="020B0604030504040204" pitchFamily="34" charset="0"/>
+                </a:rPr>
+                <a:t>机内码</a:t>
+              </a:r>
+            </a:p>
+          </p:txBody>
+        </p:sp>
+        <p:sp>
+          <p:nvSpPr>
+            <p:cNvPr id="10" name="Line 12">
+              <a:extLst>
+                <a:ext uri="{FF2B5EF4-FFF2-40B4-BE49-F238E27FC236}">
+                  <a16:creationId xmlns="" xmlns:a16="http://schemas.microsoft.com/office/drawing/2014/main" id="{F42390F3-B267-4BAA-91AE-A2F160A2765F}"/>
+                </a:ext>
+              </a:extLst>
+            </p:cNvPr>
+            <p:cNvSpPr>
+              <a:spLocks noChangeShapeType="1"/>
+            </p:cNvSpPr>
+            <p:nvPr/>
+          </p:nvSpPr>
+          <p:spPr bwMode="auto">
+            <a:xfrm>
+              <a:off x="3608" y="759"/>
+              <a:ext cx="272" cy="0"/>
+            </a:xfrm>
+            <a:prstGeom prst="line">
+              <a:avLst/>
+            </a:prstGeom>
+            <a:noFill/>
+            <a:ln w="28575" cap="sq">
+              <a:solidFill>
+                <a:schemeClr val="tx1"/>
+              </a:solidFill>
+              <a:round/>
+              <a:headEnd type="none" w="sm" len="sm"/>
+              <a:tailEnd type="triangle" w="sm" len="sm"/>
+            </a:ln>
+            <a:extLst>
+              <a:ext uri="{909E8E84-426E-40DD-AFC4-6F175D3DCCD1}">
+                <a14:hiddenFill xmlns:a14="http://schemas.microsoft.com/office/drawing/2010/main">
+                  <a:noFill/>
+                </a14:hiddenFill>
+              </a:ext>
+            </a:extLst>
+          </p:spPr>
+          <p:txBody>
+            <a:bodyPr/>
+            <a:lstStyle/>
+            <a:p>
+              <a:endParaRPr lang="zh-CN" altLang="en-US"/>
+            </a:p>
+          </p:txBody>
+        </p:sp>
+        <p:sp>
+          <p:nvSpPr>
+            <p:cNvPr id="11" name="Text Box 13">
+              <a:extLst>
+                <a:ext uri="{FF2B5EF4-FFF2-40B4-BE49-F238E27FC236}">
+                  <a16:creationId xmlns="" xmlns:a16="http://schemas.microsoft.com/office/drawing/2014/main" id="{7014F9A0-6C14-4702-B421-322575E1B1AE}"/>
+                </a:ext>
+              </a:extLst>
+            </p:cNvPr>
+            <p:cNvSpPr txBox="1">
+              <a:spLocks noChangeArrowheads="1"/>
+            </p:cNvSpPr>
+            <p:nvPr/>
+          </p:nvSpPr>
+          <p:spPr bwMode="auto">
+            <a:xfrm>
+              <a:off x="3840" y="618"/>
+              <a:ext cx="817" cy="252"/>
+            </a:xfrm>
+            <a:prstGeom prst="rect">
+              <a:avLst/>
+            </a:prstGeom>
+            <a:noFill/>
+            <a:ln w="12700" cap="sq" algn="ctr">
+              <a:solidFill>
+                <a:schemeClr val="tx1"/>
+              </a:solidFill>
+              <a:miter lim="800000"/>
+              <a:headEnd type="none" w="sm" len="sm"/>
+              <a:tailEnd type="none" w="sm" len="sm"/>
+            </a:ln>
+            <a:extLst>
+              <a:ext uri="{909E8E84-426E-40DD-AFC4-6F175D3DCCD1}">
+                <a14:hiddenFill xmlns:a14="http://schemas.microsoft.com/office/drawing/2010/main">
+                  <a:solidFill>
+                    <a:srgbClr val="FFFFFF"/>
+                  </a:solidFill>
+                </a14:hiddenFill>
+              </a:ext>
+            </a:extLst>
+          </p:spPr>
+          <p:txBody>
+            <a:bodyPr>
+              <a:spAutoFit/>
+            </a:bodyPr>
+            <a:lstStyle>
+              <a:lvl1pPr>
+                <a:spcBef>
+                  <a:spcPct val="20000"/>
+                </a:spcBef>
+                <a:buClr>
+                  <a:schemeClr val="folHlink"/>
+                </a:buClr>
+                <a:buSzPct val="60000"/>
+                <a:buFont typeface="Wingdings" panose="05000000000000000000" pitchFamily="2" charset="2"/>
+                <a:buChar char="n"/>
+                <a:defRPr sz="3200">
+                  <a:solidFill>
+                    <a:schemeClr val="tx1"/>
+                  </a:solidFill>
+                  <a:latin typeface="Times New Roman" panose="02020603050405020304" pitchFamily="18" charset="0"/>
+                  <a:ea typeface="华文新魏" panose="02010800040101010101" pitchFamily="2" charset="-122"/>
+                </a:defRPr>
+              </a:lvl1pPr>
+              <a:lvl2pPr marL="742950" indent="-285750">
+                <a:spcBef>
+                  <a:spcPct val="20000"/>
+                </a:spcBef>
+                <a:buClr>
+                  <a:schemeClr val="hlink"/>
+                </a:buClr>
+                <a:buSzPct val="55000"/>
+                <a:buFont typeface="Wingdings" panose="05000000000000000000" pitchFamily="2" charset="2"/>
+                <a:buChar char="n"/>
+                <a:defRPr sz="2800">
+                  <a:solidFill>
+                    <a:schemeClr val="tx2"/>
+                  </a:solidFill>
+                  <a:latin typeface="Times New Roman" panose="02020603050405020304" pitchFamily="18" charset="0"/>
+                  <a:ea typeface="华文新魏" panose="02010800040101010101" pitchFamily="2" charset="-122"/>
+                </a:defRPr>
+              </a:lvl2pPr>
+              <a:lvl3pPr marL="1143000" indent="-228600">
+                <a:spcBef>
+                  <a:spcPct val="20000"/>
+                </a:spcBef>
+                <a:buClr>
+                  <a:schemeClr val="folHlink"/>
+                </a:buClr>
+                <a:buSzPct val="50000"/>
+                <a:buFont typeface="Wingdings" panose="05000000000000000000" pitchFamily="2" charset="2"/>
+                <a:buChar char="n"/>
+                <a:defRPr sz="2400">
+                  <a:solidFill>
+                    <a:schemeClr val="tx1"/>
+                  </a:solidFill>
+                  <a:latin typeface="Times New Roman" panose="02020603050405020304" pitchFamily="18" charset="0"/>
+                  <a:ea typeface="华文新魏" panose="02010800040101010101" pitchFamily="2" charset="-122"/>
+                </a:defRPr>
+              </a:lvl3pPr>
+              <a:lvl4pPr marL="1600200" indent="-228600">
+                <a:spcBef>
+                  <a:spcPct val="20000"/>
+                </a:spcBef>
+                <a:buClr>
+                  <a:schemeClr val="accent2"/>
+                </a:buClr>
+                <a:buSzPct val="55000"/>
+                <a:buFont typeface="Wingdings" panose="05000000000000000000" pitchFamily="2" charset="2"/>
+                <a:buChar char="n"/>
+                <a:defRPr sz="2000">
+                  <a:solidFill>
+                    <a:schemeClr val="tx1"/>
+                  </a:solidFill>
+                  <a:latin typeface="Times New Roman" panose="02020603050405020304" pitchFamily="18" charset="0"/>
+                  <a:ea typeface="华文新魏" panose="02010800040101010101" pitchFamily="2" charset="-122"/>
+                </a:defRPr>
+              </a:lvl4pPr>
+              <a:lvl5pPr marL="2057400" indent="-228600">
+                <a:spcBef>
+                  <a:spcPct val="20000"/>
+                </a:spcBef>
+                <a:buClr>
+                  <a:schemeClr val="accent1"/>
+                </a:buClr>
+                <a:buSzPct val="50000"/>
+                <a:buFont typeface="Wingdings" panose="05000000000000000000" pitchFamily="2" charset="2"/>
+                <a:buChar char="n"/>
+                <a:defRPr sz="2000">
+                  <a:solidFill>
+                    <a:schemeClr val="tx1"/>
+                  </a:solidFill>
+                  <a:latin typeface="Times New Roman" panose="02020603050405020304" pitchFamily="18" charset="0"/>
+                  <a:ea typeface="华文新魏" panose="02010800040101010101" pitchFamily="2" charset="-122"/>
+                </a:defRPr>
+              </a:lvl5pPr>
+              <a:lvl6pPr marL="2514600" indent="-228600" eaLnBrk="0" fontAlgn="base" hangingPunct="0">
+                <a:spcBef>
+                  <a:spcPct val="20000"/>
+                </a:spcBef>
+                <a:spcAft>
+                  <a:spcPct val="0"/>
+                </a:spcAft>
+                <a:buClr>
+                  <a:schemeClr val="accent1"/>
+                </a:buClr>
+                <a:buSzPct val="50000"/>
+                <a:buFont typeface="Wingdings" panose="05000000000000000000" pitchFamily="2" charset="2"/>
+                <a:buChar char="n"/>
+                <a:defRPr sz="2000">
+                  <a:solidFill>
+                    <a:schemeClr val="tx1"/>
+                  </a:solidFill>
+                  <a:latin typeface="Times New Roman" panose="02020603050405020304" pitchFamily="18" charset="0"/>
+                  <a:ea typeface="华文新魏" panose="02010800040101010101" pitchFamily="2" charset="-122"/>
+                </a:defRPr>
+              </a:lvl6pPr>
+              <a:lvl7pPr marL="2971800" indent="-228600" eaLnBrk="0" fontAlgn="base" hangingPunct="0">
+                <a:spcBef>
+                  <a:spcPct val="20000"/>
+                </a:spcBef>
+                <a:spcAft>
+                  <a:spcPct val="0"/>
+                </a:spcAft>
+                <a:buClr>
+                  <a:schemeClr val="accent1"/>
+                </a:buClr>
+                <a:buSzPct val="50000"/>
+                <a:buFont typeface="Wingdings" panose="05000000000000000000" pitchFamily="2" charset="2"/>
+                <a:buChar char="n"/>
+                <a:defRPr sz="2000">
+                  <a:solidFill>
+                    <a:schemeClr val="tx1"/>
+                  </a:solidFill>
+                  <a:latin typeface="Times New Roman" panose="02020603050405020304" pitchFamily="18" charset="0"/>
+                  <a:ea typeface="华文新魏" panose="02010800040101010101" pitchFamily="2" charset="-122"/>
+                </a:defRPr>
+              </a:lvl7pPr>
+              <a:lvl8pPr marL="3429000" indent="-228600" eaLnBrk="0" fontAlgn="base" hangingPunct="0">
+                <a:spcBef>
+                  <a:spcPct val="20000"/>
+                </a:spcBef>
+                <a:spcAft>
+                  <a:spcPct val="0"/>
+                </a:spcAft>
+                <a:buClr>
+                  <a:schemeClr val="accent1"/>
+                </a:buClr>
+                <a:buSzPct val="50000"/>
+                <a:buFont typeface="Wingdings" panose="05000000000000000000" pitchFamily="2" charset="2"/>
+                <a:buChar char="n"/>
+                <a:defRPr sz="2000">
+                  <a:solidFill>
+                    <a:schemeClr val="tx1"/>
+                  </a:solidFill>
+                  <a:latin typeface="Times New Roman" panose="02020603050405020304" pitchFamily="18" charset="0"/>
+                  <a:ea typeface="华文新魏" panose="02010800040101010101" pitchFamily="2" charset="-122"/>
+                </a:defRPr>
+              </a:lvl8pPr>
+              <a:lvl9pPr marL="3886200" indent="-228600" eaLnBrk="0" fontAlgn="base" hangingPunct="0">
+                <a:spcBef>
+                  <a:spcPct val="20000"/>
+                </a:spcBef>
+                <a:spcAft>
+                  <a:spcPct val="0"/>
+                </a:spcAft>
+                <a:buClr>
+                  <a:schemeClr val="accent1"/>
+                </a:buClr>
+                <a:buSzPct val="50000"/>
+                <a:buFont typeface="Wingdings" panose="05000000000000000000" pitchFamily="2" charset="2"/>
+                <a:buChar char="n"/>
+                <a:defRPr sz="2000">
+                  <a:solidFill>
+                    <a:schemeClr val="tx1"/>
+                  </a:solidFill>
+                  <a:latin typeface="Times New Roman" panose="02020603050405020304" pitchFamily="18" charset="0"/>
+                  <a:ea typeface="华文新魏" panose="02010800040101010101" pitchFamily="2" charset="-122"/>
+                </a:defRPr>
+              </a:lvl9pPr>
+            </a:lstStyle>
+            <a:p>
+              <a:pPr algn="ctr">
+                <a:spcBef>
+                  <a:spcPct val="50000"/>
+                </a:spcBef>
+                <a:buClrTx/>
+                <a:buSzTx/>
+                <a:buFontTx/>
+                <a:buNone/>
+              </a:pPr>
+              <a:r>
+                <a:rPr lang="zh-CN" altLang="en-US">
+                  <a:latin typeface="Tahoma" panose="020B0604030504040204" pitchFamily="34" charset="0"/>
+                </a:rPr>
+                <a:t>字形码</a:t>
+              </a:r>
+            </a:p>
+          </p:txBody>
+        </p:sp>
+        <p:sp>
+          <p:nvSpPr>
+            <p:cNvPr id="12" name="Line 14">
+              <a:extLst>
+                <a:ext uri="{FF2B5EF4-FFF2-40B4-BE49-F238E27FC236}">
+                  <a16:creationId xmlns="" xmlns:a16="http://schemas.microsoft.com/office/drawing/2014/main" id="{D2183757-00B7-4F61-BD65-793E61CF622C}"/>
+                </a:ext>
+              </a:extLst>
+            </p:cNvPr>
+            <p:cNvSpPr>
+              <a:spLocks noChangeShapeType="1"/>
+            </p:cNvSpPr>
+            <p:nvPr/>
+          </p:nvSpPr>
+          <p:spPr bwMode="auto">
+            <a:xfrm>
+              <a:off x="2419" y="737"/>
+              <a:ext cx="318" cy="0"/>
+            </a:xfrm>
+            <a:prstGeom prst="line">
+              <a:avLst/>
+            </a:prstGeom>
+            <a:noFill/>
+            <a:ln w="28575" cap="sq">
+              <a:solidFill>
+                <a:schemeClr val="tx1"/>
+              </a:solidFill>
+              <a:round/>
+              <a:headEnd type="none" w="sm" len="sm"/>
+              <a:tailEnd type="triangle" w="sm" len="sm"/>
+            </a:ln>
+            <a:extLst>
+              <a:ext uri="{909E8E84-426E-40DD-AFC4-6F175D3DCCD1}">
+                <a14:hiddenFill xmlns:a14="http://schemas.microsoft.com/office/drawing/2010/main">
+                  <a:noFill/>
+                </a14:hiddenFill>
+              </a:ext>
+            </a:extLst>
+          </p:spPr>
+          <p:txBody>
+            <a:bodyPr/>
+            <a:lstStyle/>
+            <a:p>
+              <a:endParaRPr lang="zh-CN" altLang="en-US"/>
+            </a:p>
+          </p:txBody>
+        </p:sp>
+        <p:sp>
+          <p:nvSpPr>
+            <p:cNvPr id="13" name="Text Box 16">
+              <a:extLst>
+                <a:ext uri="{FF2B5EF4-FFF2-40B4-BE49-F238E27FC236}">
+                  <a16:creationId xmlns="" xmlns:a16="http://schemas.microsoft.com/office/drawing/2014/main" id="{A21A4B42-4268-4DA1-9739-DEEBAA6DD064}"/>
+                </a:ext>
+              </a:extLst>
+            </p:cNvPr>
+            <p:cNvSpPr txBox="1">
+              <a:spLocks noChangeArrowheads="1"/>
+            </p:cNvSpPr>
+            <p:nvPr/>
+          </p:nvSpPr>
+          <p:spPr bwMode="auto">
+            <a:xfrm>
+              <a:off x="-163" y="567"/>
+              <a:ext cx="613" cy="365"/>
+            </a:xfrm>
+            <a:prstGeom prst="rect">
+              <a:avLst/>
+            </a:prstGeom>
+            <a:noFill/>
+            <a:ln>
+              <a:noFill/>
+            </a:ln>
+            <a:extLst>
+              <a:ext uri="{909E8E84-426E-40DD-AFC4-6F175D3DCCD1}">
+                <a14:hiddenFill xmlns:a14="http://schemas.microsoft.com/office/drawing/2010/main">
+                  <a:solidFill>
+                    <a:srgbClr val="FFFFFF"/>
+                  </a:solidFill>
+                </a14:hiddenFill>
+              </a:ext>
+              <a:ext uri="{91240B29-F687-4F45-9708-019B960494DF}">
+                <a14:hiddenLine xmlns:a14="http://schemas.microsoft.com/office/drawing/2010/main" w="12700" cap="sq">
+                  <a:solidFill>
+                    <a:srgbClr val="000000"/>
+                  </a:solidFill>
+                  <a:miter lim="800000"/>
+                  <a:headEnd type="none" w="sm" len="sm"/>
+                  <a:tailEnd type="none" w="sm" len="sm"/>
+                </a14:hiddenLine>
+              </a:ext>
+            </a:extLst>
+          </p:spPr>
+          <p:txBody>
+            <a:bodyPr>
+              <a:spAutoFit/>
+            </a:bodyPr>
+            <a:lstStyle>
+              <a:lvl1pPr>
+                <a:spcBef>
+                  <a:spcPct val="20000"/>
+                </a:spcBef>
+                <a:buClr>
+                  <a:schemeClr val="folHlink"/>
+                </a:buClr>
+                <a:buSzPct val="60000"/>
+                <a:buFont typeface="Wingdings" panose="05000000000000000000" pitchFamily="2" charset="2"/>
+                <a:buChar char="n"/>
+                <a:defRPr sz="3200">
+                  <a:solidFill>
+                    <a:schemeClr val="tx1"/>
+                  </a:solidFill>
+                  <a:latin typeface="Times New Roman" panose="02020603050405020304" pitchFamily="18" charset="0"/>
+                  <a:ea typeface="华文新魏" panose="02010800040101010101" pitchFamily="2" charset="-122"/>
+                </a:defRPr>
+              </a:lvl1pPr>
+              <a:lvl2pPr marL="742950" indent="-285750">
+                <a:spcBef>
+                  <a:spcPct val="20000"/>
+                </a:spcBef>
+                <a:buClr>
+                  <a:schemeClr val="hlink"/>
+                </a:buClr>
+                <a:buSzPct val="55000"/>
+                <a:buFont typeface="Wingdings" panose="05000000000000000000" pitchFamily="2" charset="2"/>
+                <a:buChar char="n"/>
+                <a:defRPr sz="2800">
+                  <a:solidFill>
+                    <a:schemeClr val="tx2"/>
+                  </a:solidFill>
+                  <a:latin typeface="Times New Roman" panose="02020603050405020304" pitchFamily="18" charset="0"/>
+                  <a:ea typeface="华文新魏" panose="02010800040101010101" pitchFamily="2" charset="-122"/>
+                </a:defRPr>
+              </a:lvl2pPr>
+              <a:lvl3pPr marL="1143000" indent="-228600">
+                <a:spcBef>
+                  <a:spcPct val="20000"/>
+                </a:spcBef>
+                <a:buClr>
+                  <a:schemeClr val="folHlink"/>
+                </a:buClr>
+                <a:buSzPct val="50000"/>
+                <a:buFont typeface="Wingdings" panose="05000000000000000000" pitchFamily="2" charset="2"/>
+                <a:buChar char="n"/>
+                <a:defRPr sz="2400">
+                  <a:solidFill>
+                    <a:schemeClr val="tx1"/>
+                  </a:solidFill>
+                  <a:latin typeface="Times New Roman" panose="02020603050405020304" pitchFamily="18" charset="0"/>
+                  <a:ea typeface="华文新魏" panose="02010800040101010101" pitchFamily="2" charset="-122"/>
+                </a:defRPr>
+              </a:lvl3pPr>
+              <a:lvl4pPr marL="1600200" indent="-228600">
+                <a:spcBef>
+                  <a:spcPct val="20000"/>
+                </a:spcBef>
+                <a:buClr>
+                  <a:schemeClr val="accent2"/>
+                </a:buClr>
+                <a:buSzPct val="55000"/>
+                <a:buFont typeface="Wingdings" panose="05000000000000000000" pitchFamily="2" charset="2"/>
+                <a:buChar char="n"/>
+                <a:defRPr sz="2000">
+                  <a:solidFill>
+                    <a:schemeClr val="tx1"/>
+                  </a:solidFill>
+                  <a:latin typeface="Times New Roman" panose="02020603050405020304" pitchFamily="18" charset="0"/>
+                  <a:ea typeface="华文新魏" panose="02010800040101010101" pitchFamily="2" charset="-122"/>
+                </a:defRPr>
+              </a:lvl4pPr>
+              <a:lvl5pPr marL="2057400" indent="-228600">
+                <a:spcBef>
+                  <a:spcPct val="20000"/>
+                </a:spcBef>
+                <a:buClr>
+                  <a:schemeClr val="accent1"/>
+                </a:buClr>
+                <a:buSzPct val="50000"/>
+                <a:buFont typeface="Wingdings" panose="05000000000000000000" pitchFamily="2" charset="2"/>
+                <a:buChar char="n"/>
+                <a:defRPr sz="2000">
+                  <a:solidFill>
+                    <a:schemeClr val="tx1"/>
+                  </a:solidFill>
+                  <a:latin typeface="Times New Roman" panose="02020603050405020304" pitchFamily="18" charset="0"/>
+                  <a:ea typeface="华文新魏" panose="02010800040101010101" pitchFamily="2" charset="-122"/>
+                </a:defRPr>
+              </a:lvl5pPr>
+              <a:lvl6pPr marL="2514600" indent="-228600" eaLnBrk="0" fontAlgn="base" hangingPunct="0">
+                <a:spcBef>
+                  <a:spcPct val="20000"/>
+                </a:spcBef>
+                <a:spcAft>
+                  <a:spcPct val="0"/>
+                </a:spcAft>
+                <a:buClr>
+                  <a:schemeClr val="accent1"/>
+                </a:buClr>
+                <a:buSzPct val="50000"/>
+                <a:buFont typeface="Wingdings" panose="05000000000000000000" pitchFamily="2" charset="2"/>
+                <a:buChar char="n"/>
+                <a:defRPr sz="2000">
+                  <a:solidFill>
+                    <a:schemeClr val="tx1"/>
+                  </a:solidFill>
+                  <a:latin typeface="Times New Roman" panose="02020603050405020304" pitchFamily="18" charset="0"/>
+                  <a:ea typeface="华文新魏" panose="02010800040101010101" pitchFamily="2" charset="-122"/>
+                </a:defRPr>
+              </a:lvl6pPr>
+              <a:lvl7pPr marL="2971800" indent="-228600" eaLnBrk="0" fontAlgn="base" hangingPunct="0">
+                <a:spcBef>
+                  <a:spcPct val="20000"/>
+                </a:spcBef>
+                <a:spcAft>
+                  <a:spcPct val="0"/>
+                </a:spcAft>
+                <a:buClr>
+                  <a:schemeClr val="accent1"/>
+                </a:buClr>
+                <a:buSzPct val="50000"/>
+                <a:buFont typeface="Wingdings" panose="05000000000000000000" pitchFamily="2" charset="2"/>
+                <a:buChar char="n"/>
+                <a:defRPr sz="2000">
+                  <a:solidFill>
+                    <a:schemeClr val="tx1"/>
+                  </a:solidFill>
+                  <a:latin typeface="Times New Roman" panose="02020603050405020304" pitchFamily="18" charset="0"/>
+                  <a:ea typeface="华文新魏" panose="02010800040101010101" pitchFamily="2" charset="-122"/>
+                </a:defRPr>
+              </a:lvl7pPr>
+              <a:lvl8pPr marL="3429000" indent="-228600" eaLnBrk="0" fontAlgn="base" hangingPunct="0">
+                <a:spcBef>
+                  <a:spcPct val="20000"/>
+                </a:spcBef>
+                <a:spcAft>
+                  <a:spcPct val="0"/>
+                </a:spcAft>
+                <a:buClr>
+                  <a:schemeClr val="accent1"/>
+                </a:buClr>
+                <a:buSzPct val="50000"/>
+                <a:buFont typeface="Wingdings" panose="05000000000000000000" pitchFamily="2" charset="2"/>
+                <a:buChar char="n"/>
+                <a:defRPr sz="2000">
+                  <a:solidFill>
+                    <a:schemeClr val="tx1"/>
+                  </a:solidFill>
+                  <a:latin typeface="Times New Roman" panose="02020603050405020304" pitchFamily="18" charset="0"/>
+                  <a:ea typeface="华文新魏" panose="02010800040101010101" pitchFamily="2" charset="-122"/>
+                </a:defRPr>
+              </a:lvl8pPr>
+              <a:lvl9pPr marL="3886200" indent="-228600" eaLnBrk="0" fontAlgn="base" hangingPunct="0">
+                <a:spcBef>
+                  <a:spcPct val="20000"/>
+                </a:spcBef>
+                <a:spcAft>
+                  <a:spcPct val="0"/>
+                </a:spcAft>
+                <a:buClr>
+                  <a:schemeClr val="accent1"/>
+                </a:buClr>
+                <a:buSzPct val="50000"/>
+                <a:buFont typeface="Wingdings" panose="05000000000000000000" pitchFamily="2" charset="2"/>
+                <a:buChar char="n"/>
+                <a:defRPr sz="2000">
+                  <a:solidFill>
+                    <a:schemeClr val="tx1"/>
+                  </a:solidFill>
+                  <a:latin typeface="Times New Roman" panose="02020603050405020304" pitchFamily="18" charset="0"/>
+                  <a:ea typeface="华文新魏" panose="02010800040101010101" pitchFamily="2" charset="-122"/>
+                </a:defRPr>
+              </a:lvl9pPr>
+            </a:lstStyle>
+            <a:p>
+              <a:pPr algn="ctr">
+                <a:spcBef>
+                  <a:spcPct val="50000"/>
+                </a:spcBef>
+                <a:buClrTx/>
+                <a:buSzTx/>
+                <a:buFontTx/>
+                <a:buNone/>
+              </a:pPr>
+              <a:r>
+                <a:rPr lang="zh-CN" altLang="en-US" sz="2000" b="1" dirty="0">
+                  <a:solidFill>
+                    <a:srgbClr val="FF3300"/>
+                  </a:solidFill>
+                  <a:latin typeface="Tahoma" panose="020B0604030504040204" pitchFamily="34" charset="0"/>
+                </a:rPr>
+                <a:t>汉字</a:t>
+              </a:r>
+              <a:endParaRPr lang="en-US" altLang="zh-CN" sz="2000" b="1" dirty="0">
+                <a:solidFill>
+                  <a:srgbClr val="FF3300"/>
+                </a:solidFill>
+                <a:latin typeface="Tahoma" panose="020B0604030504040204" pitchFamily="34" charset="0"/>
+              </a:endParaRPr>
+            </a:p>
+            <a:p>
+              <a:pPr algn="ctr">
+                <a:spcBef>
+                  <a:spcPct val="50000"/>
+                </a:spcBef>
+                <a:buClrTx/>
+                <a:buSzTx/>
+                <a:buFontTx/>
+                <a:buNone/>
+              </a:pPr>
+              <a:r>
+                <a:rPr lang="zh-CN" altLang="en-US" sz="2000" b="1" dirty="0">
+                  <a:solidFill>
+                    <a:srgbClr val="FF3300"/>
+                  </a:solidFill>
+                  <a:latin typeface="Tahoma" panose="020B0604030504040204" pitchFamily="34" charset="0"/>
+                </a:rPr>
+                <a:t>输入</a:t>
+              </a:r>
+            </a:p>
+          </p:txBody>
+        </p:sp>
+        <p:sp>
+          <p:nvSpPr>
+            <p:cNvPr id="14" name="Text Box 17">
+              <a:extLst>
+                <a:ext uri="{FF2B5EF4-FFF2-40B4-BE49-F238E27FC236}">
+                  <a16:creationId xmlns="" xmlns:a16="http://schemas.microsoft.com/office/drawing/2014/main" id="{491278D7-47DA-4D5F-8AB2-88BFDA326982}"/>
+                </a:ext>
+              </a:extLst>
+            </p:cNvPr>
+            <p:cNvSpPr txBox="1">
+              <a:spLocks noChangeArrowheads="1"/>
+            </p:cNvSpPr>
+            <p:nvPr/>
+          </p:nvSpPr>
+          <p:spPr bwMode="auto">
+            <a:xfrm>
+              <a:off x="4655" y="614"/>
+              <a:ext cx="533" cy="300"/>
+            </a:xfrm>
+            <a:prstGeom prst="rect">
+              <a:avLst/>
+            </a:prstGeom>
+            <a:noFill/>
+            <a:ln>
+              <a:noFill/>
+            </a:ln>
+            <a:extLst>
+              <a:ext uri="{909E8E84-426E-40DD-AFC4-6F175D3DCCD1}">
+                <a14:hiddenFill xmlns:a14="http://schemas.microsoft.com/office/drawing/2010/main">
+                  <a:solidFill>
+                    <a:srgbClr val="FFFFFF"/>
+                  </a:solidFill>
+                </a14:hiddenFill>
+              </a:ext>
+              <a:ext uri="{91240B29-F687-4F45-9708-019B960494DF}">
+                <a14:hiddenLine xmlns:a14="http://schemas.microsoft.com/office/drawing/2010/main" w="12700" cap="sq">
+                  <a:solidFill>
+                    <a:srgbClr val="000000"/>
+                  </a:solidFill>
+                  <a:miter lim="800000"/>
+                  <a:headEnd type="none" w="sm" len="sm"/>
+                  <a:tailEnd type="none" w="sm" len="sm"/>
+                </a14:hiddenLine>
+              </a:ext>
+            </a:extLst>
+          </p:spPr>
+          <p:txBody>
+            <a:bodyPr>
+              <a:spAutoFit/>
+            </a:bodyPr>
+            <a:lstStyle>
+              <a:lvl1pPr>
+                <a:spcBef>
+                  <a:spcPct val="20000"/>
+                </a:spcBef>
+                <a:buClr>
+                  <a:schemeClr val="folHlink"/>
+                </a:buClr>
+                <a:buSzPct val="60000"/>
+                <a:buFont typeface="Wingdings" panose="05000000000000000000" pitchFamily="2" charset="2"/>
+                <a:buChar char="n"/>
+                <a:defRPr sz="3200">
+                  <a:solidFill>
+                    <a:schemeClr val="tx1"/>
+                  </a:solidFill>
+                  <a:latin typeface="Times New Roman" panose="02020603050405020304" pitchFamily="18" charset="0"/>
+                  <a:ea typeface="华文新魏" panose="02010800040101010101" pitchFamily="2" charset="-122"/>
+                </a:defRPr>
+              </a:lvl1pPr>
+              <a:lvl2pPr marL="742950" indent="-285750">
+                <a:spcBef>
+                  <a:spcPct val="20000"/>
+                </a:spcBef>
+                <a:buClr>
+                  <a:schemeClr val="hlink"/>
+                </a:buClr>
+                <a:buSzPct val="55000"/>
+                <a:buFont typeface="Wingdings" panose="05000000000000000000" pitchFamily="2" charset="2"/>
+                <a:buChar char="n"/>
+                <a:defRPr sz="2800">
+                  <a:solidFill>
+                    <a:schemeClr val="tx2"/>
+                  </a:solidFill>
+                  <a:latin typeface="Times New Roman" panose="02020603050405020304" pitchFamily="18" charset="0"/>
+                  <a:ea typeface="华文新魏" panose="02010800040101010101" pitchFamily="2" charset="-122"/>
+                </a:defRPr>
+              </a:lvl2pPr>
+              <a:lvl3pPr marL="1143000" indent="-228600">
+                <a:spcBef>
+                  <a:spcPct val="20000"/>
+                </a:spcBef>
+                <a:buClr>
+                  <a:schemeClr val="folHlink"/>
+                </a:buClr>
+                <a:buSzPct val="50000"/>
+                <a:buFont typeface="Wingdings" panose="05000000000000000000" pitchFamily="2" charset="2"/>
+                <a:buChar char="n"/>
+                <a:defRPr sz="2400">
+                  <a:solidFill>
+                    <a:schemeClr val="tx1"/>
+                  </a:solidFill>
+                  <a:latin typeface="Times New Roman" panose="02020603050405020304" pitchFamily="18" charset="0"/>
+                  <a:ea typeface="华文新魏" panose="02010800040101010101" pitchFamily="2" charset="-122"/>
+                </a:defRPr>
+              </a:lvl3pPr>
+              <a:lvl4pPr marL="1600200" indent="-228600">
+                <a:spcBef>
+                  <a:spcPct val="20000"/>
+                </a:spcBef>
+                <a:buClr>
+                  <a:schemeClr val="accent2"/>
+                </a:buClr>
+                <a:buSzPct val="55000"/>
+                <a:buFont typeface="Wingdings" panose="05000000000000000000" pitchFamily="2" charset="2"/>
+                <a:buChar char="n"/>
+                <a:defRPr sz="2000">
+                  <a:solidFill>
+                    <a:schemeClr val="tx1"/>
+                  </a:solidFill>
+                  <a:latin typeface="Times New Roman" panose="02020603050405020304" pitchFamily="18" charset="0"/>
+                  <a:ea typeface="华文新魏" panose="02010800040101010101" pitchFamily="2" charset="-122"/>
+                </a:defRPr>
+              </a:lvl4pPr>
+              <a:lvl5pPr marL="2057400" indent="-228600">
+                <a:spcBef>
+                  <a:spcPct val="20000"/>
+                </a:spcBef>
+                <a:buClr>
+                  <a:schemeClr val="accent1"/>
+                </a:buClr>
+                <a:buSzPct val="50000"/>
+                <a:buFont typeface="Wingdings" panose="05000000000000000000" pitchFamily="2" charset="2"/>
+                <a:buChar char="n"/>
+                <a:defRPr sz="2000">
+                  <a:solidFill>
+                    <a:schemeClr val="tx1"/>
+                  </a:solidFill>
+                  <a:latin typeface="Times New Roman" panose="02020603050405020304" pitchFamily="18" charset="0"/>
+                  <a:ea typeface="华文新魏" panose="02010800040101010101" pitchFamily="2" charset="-122"/>
+                </a:defRPr>
+              </a:lvl5pPr>
+              <a:lvl6pPr marL="2514600" indent="-228600" eaLnBrk="0" fontAlgn="base" hangingPunct="0">
+                <a:spcBef>
+                  <a:spcPct val="20000"/>
+                </a:spcBef>
+                <a:spcAft>
+                  <a:spcPct val="0"/>
+                </a:spcAft>
+                <a:buClr>
+                  <a:schemeClr val="accent1"/>
+                </a:buClr>
+                <a:buSzPct val="50000"/>
+                <a:buFont typeface="Wingdings" panose="05000000000000000000" pitchFamily="2" charset="2"/>
+                <a:buChar char="n"/>
+                <a:defRPr sz="2000">
+                  <a:solidFill>
+                    <a:schemeClr val="tx1"/>
+                  </a:solidFill>
+                  <a:latin typeface="Times New Roman" panose="02020603050405020304" pitchFamily="18" charset="0"/>
+                  <a:ea typeface="华文新魏" panose="02010800040101010101" pitchFamily="2" charset="-122"/>
+                </a:defRPr>
+              </a:lvl6pPr>
+              <a:lvl7pPr marL="2971800" indent="-228600" eaLnBrk="0" fontAlgn="base" hangingPunct="0">
+                <a:spcBef>
+                  <a:spcPct val="20000"/>
+                </a:spcBef>
+                <a:spcAft>
+                  <a:spcPct val="0"/>
+                </a:spcAft>
+                <a:buClr>
+                  <a:schemeClr val="accent1"/>
+                </a:buClr>
+                <a:buSzPct val="50000"/>
+                <a:buFont typeface="Wingdings" panose="05000000000000000000" pitchFamily="2" charset="2"/>
+                <a:buChar char="n"/>
+                <a:defRPr sz="2000">
+                  <a:solidFill>
+                    <a:schemeClr val="tx1"/>
+                  </a:solidFill>
+                  <a:latin typeface="Times New Roman" panose="02020603050405020304" pitchFamily="18" charset="0"/>
+                  <a:ea typeface="华文新魏" panose="02010800040101010101" pitchFamily="2" charset="-122"/>
+                </a:defRPr>
+              </a:lvl7pPr>
+              <a:lvl8pPr marL="3429000" indent="-228600" eaLnBrk="0" fontAlgn="base" hangingPunct="0">
+                <a:spcBef>
+                  <a:spcPct val="20000"/>
+                </a:spcBef>
+                <a:spcAft>
+                  <a:spcPct val="0"/>
+                </a:spcAft>
+                <a:buClr>
+                  <a:schemeClr val="accent1"/>
+                </a:buClr>
+                <a:buSzPct val="50000"/>
+                <a:buFont typeface="Wingdings" panose="05000000000000000000" pitchFamily="2" charset="2"/>
+                <a:buChar char="n"/>
+                <a:defRPr sz="2000">
+                  <a:solidFill>
+                    <a:schemeClr val="tx1"/>
+                  </a:solidFill>
+                  <a:latin typeface="Times New Roman" panose="02020603050405020304" pitchFamily="18" charset="0"/>
+                  <a:ea typeface="华文新魏" panose="02010800040101010101" pitchFamily="2" charset="-122"/>
+                </a:defRPr>
+              </a:lvl8pPr>
+              <a:lvl9pPr marL="3886200" indent="-228600" eaLnBrk="0" fontAlgn="base" hangingPunct="0">
+                <a:spcBef>
+                  <a:spcPct val="20000"/>
+                </a:spcBef>
+                <a:spcAft>
+                  <a:spcPct val="0"/>
+                </a:spcAft>
+                <a:buClr>
+                  <a:schemeClr val="accent1"/>
+                </a:buClr>
+                <a:buSzPct val="50000"/>
+                <a:buFont typeface="Wingdings" panose="05000000000000000000" pitchFamily="2" charset="2"/>
+                <a:buChar char="n"/>
+                <a:defRPr sz="2000">
+                  <a:solidFill>
+                    <a:schemeClr val="tx1"/>
+                  </a:solidFill>
+                  <a:latin typeface="Times New Roman" panose="02020603050405020304" pitchFamily="18" charset="0"/>
+                  <a:ea typeface="华文新魏" panose="02010800040101010101" pitchFamily="2" charset="-122"/>
+                </a:defRPr>
+              </a:lvl9pPr>
+            </a:lstStyle>
+            <a:p>
+              <a:pPr algn="ctr">
+                <a:spcBef>
+                  <a:spcPct val="50000"/>
+                </a:spcBef>
+                <a:buClrTx/>
+                <a:buSzTx/>
+                <a:buFontTx/>
+                <a:buNone/>
+              </a:pPr>
+              <a:r>
+                <a:rPr lang="zh-CN" altLang="en-US" sz="1600" b="1">
+                  <a:solidFill>
+                    <a:srgbClr val="FF3300"/>
+                  </a:solidFill>
+                  <a:latin typeface="Tahoma" panose="020B0604030504040204" pitchFamily="34" charset="0"/>
+                </a:rPr>
+                <a:t>汉字</a:t>
+              </a:r>
+              <a:endParaRPr lang="en-US" altLang="zh-CN" sz="1600" b="1">
+                <a:solidFill>
+                  <a:srgbClr val="FF3300"/>
+                </a:solidFill>
+                <a:latin typeface="Tahoma" panose="020B0604030504040204" pitchFamily="34" charset="0"/>
+              </a:endParaRPr>
+            </a:p>
+            <a:p>
+              <a:pPr algn="ctr">
+                <a:spcBef>
+                  <a:spcPct val="50000"/>
+                </a:spcBef>
+                <a:buClrTx/>
+                <a:buSzTx/>
+                <a:buFontTx/>
+                <a:buNone/>
+              </a:pPr>
+              <a:r>
+                <a:rPr lang="zh-CN" altLang="en-US" sz="1600" b="1">
+                  <a:solidFill>
+                    <a:srgbClr val="FF3300"/>
+                  </a:solidFill>
+                  <a:latin typeface="Tahoma" panose="020B0604030504040204" pitchFamily="34" charset="0"/>
+                </a:rPr>
+                <a:t>输出</a:t>
+              </a:r>
+            </a:p>
+          </p:txBody>
+        </p:sp>
+        <p:sp>
+          <p:nvSpPr>
+            <p:cNvPr id="15" name="Line 18">
+              <a:extLst>
+                <a:ext uri="{FF2B5EF4-FFF2-40B4-BE49-F238E27FC236}">
+                  <a16:creationId xmlns="" xmlns:a16="http://schemas.microsoft.com/office/drawing/2014/main" id="{A368C857-F84E-4B25-88D6-01F14CDBDC10}"/>
+                </a:ext>
+              </a:extLst>
+            </p:cNvPr>
+            <p:cNvSpPr>
+              <a:spLocks noChangeShapeType="1"/>
+            </p:cNvSpPr>
+            <p:nvPr/>
+          </p:nvSpPr>
+          <p:spPr bwMode="auto">
+            <a:xfrm>
+              <a:off x="4657" y="759"/>
+              <a:ext cx="454" cy="0"/>
+            </a:xfrm>
+            <a:prstGeom prst="line">
+              <a:avLst/>
+            </a:prstGeom>
+            <a:noFill/>
+            <a:ln w="28575" cap="sq">
+              <a:solidFill>
+                <a:schemeClr val="tx1"/>
+              </a:solidFill>
+              <a:round/>
+              <a:headEnd type="none" w="sm" len="sm"/>
+              <a:tailEnd type="triangle" w="sm" len="sm"/>
+            </a:ln>
+            <a:extLst>
+              <a:ext uri="{909E8E84-426E-40DD-AFC4-6F175D3DCCD1}">
+                <a14:hiddenFill xmlns:a14="http://schemas.microsoft.com/office/drawing/2010/main">
+                  <a:noFill/>
+                </a14:hiddenFill>
+              </a:ext>
+            </a:extLst>
+          </p:spPr>
+          <p:txBody>
+            <a:bodyPr/>
+            <a:lstStyle/>
+            <a:p>
+              <a:endParaRPr lang="zh-CN" altLang="en-US"/>
+            </a:p>
+          </p:txBody>
+        </p:sp>
+      </p:grpSp>
+      <p:sp>
+        <p:nvSpPr>
+          <p:cNvPr id="17" name="TextBox 16"/>
+          <p:cNvSpPr txBox="1"/>
+          <p:nvPr/>
+        </p:nvSpPr>
+        <p:spPr>
+          <a:xfrm>
+            <a:off x="872142" y="3140968"/>
+            <a:ext cx="6292146" cy="1200329"/>
+          </a:xfrm>
+          <a:prstGeom prst="rect">
+            <a:avLst/>
+          </a:prstGeom>
+          <a:noFill/>
+        </p:spPr>
+        <p:txBody>
+          <a:bodyPr wrap="square" rtlCol="0">
+            <a:spAutoFit/>
+          </a:bodyPr>
+          <a:lstStyle/>
+          <a:p>
+            <a:r>
+              <a:rPr lang="zh-CN" altLang="en-US" dirty="0" smtClean="0"/>
+              <a:t>输入码：</a:t>
+            </a:r>
+            <a:endParaRPr lang="en-US" altLang="zh-CN" dirty="0" smtClean="0"/>
+          </a:p>
+          <a:p>
+            <a:pPr marL="342900" indent="-342900">
+              <a:buFont typeface="+mj-lt"/>
+              <a:buAutoNum type="arabicPeriod"/>
+            </a:pPr>
+            <a:r>
+              <a:rPr lang="zh-CN" altLang="en-US" dirty="0" smtClean="0"/>
+              <a:t>数码</a:t>
+            </a:r>
+            <a:endParaRPr lang="en-US" altLang="zh-CN" dirty="0" smtClean="0"/>
+          </a:p>
+          <a:p>
+            <a:pPr marL="342900" indent="-342900">
+              <a:buFont typeface="+mj-lt"/>
+              <a:buAutoNum type="arabicPeriod"/>
+            </a:pPr>
+            <a:r>
+              <a:rPr lang="zh-CN" altLang="en-US" dirty="0" smtClean="0"/>
+              <a:t>音码</a:t>
+            </a:r>
+            <a:endParaRPr lang="en-US" altLang="zh-CN" dirty="0" smtClean="0"/>
+          </a:p>
+          <a:p>
+            <a:pPr marL="342900" indent="-342900">
+              <a:buFont typeface="+mj-lt"/>
+              <a:buAutoNum type="arabicPeriod"/>
+            </a:pPr>
+            <a:r>
+              <a:rPr lang="zh-CN" altLang="en-US" dirty="0"/>
+              <a:t>形码</a:t>
+            </a:r>
+          </a:p>
+        </p:txBody>
+      </p:sp>
+    </p:spTree>
+    <p:extLst>
+      <p:ext uri="{BB962C8B-B14F-4D97-AF65-F5344CB8AC3E}">
+        <p14:creationId xmlns:p14="http://schemas.microsoft.com/office/powerpoint/2010/main" val="859471283"/>
+      </p:ext>
+    </p:extLst>
+  </p:cSld>
+  <p:clrMapOvr>
+    <a:masterClrMapping/>
+  </p:clrMapOvr>
+</p:sld>
+</file>
+
 <file path=ppt/slides/slide2.xml><?xml version="1.0" encoding="utf-8"?>
 <p:sld xmlns:a="http://schemas.openxmlformats.org/drawingml/2006/main" xmlns:r="http://schemas.openxmlformats.org/officeDocument/2006/relationships" xmlns:p="http://schemas.openxmlformats.org/presentationml/2006/main">
   <p:cSld>
@@ -3835,6 +6366,559 @@
     <p:extLst>
       <p:ext uri="{BB962C8B-B14F-4D97-AF65-F5344CB8AC3E}">
         <p14:creationId xmlns:p14="http://schemas.microsoft.com/office/powerpoint/2010/main" val="3555840130"/>
+      </p:ext>
+    </p:extLst>
+  </p:cSld>
+  <p:clrMapOvr>
+    <a:masterClrMapping/>
+  </p:clrMapOvr>
+</p:sld>
+</file>
+
+<file path=ppt/slides/slide20.xml><?xml version="1.0" encoding="utf-8"?>
+<p:sld xmlns:a="http://schemas.openxmlformats.org/drawingml/2006/main" xmlns:r="http://schemas.openxmlformats.org/officeDocument/2006/relationships" xmlns:p="http://schemas.openxmlformats.org/presentationml/2006/main">
+  <p:cSld>
+    <p:spTree>
+      <p:nvGrpSpPr>
+        <p:cNvPr id="1" name=""/>
+        <p:cNvGrpSpPr/>
+        <p:nvPr/>
+      </p:nvGrpSpPr>
+      <p:grpSpPr>
+        <a:xfrm>
+          <a:off x="0" y="0"/>
+          <a:ext cx="0" cy="0"/>
+          <a:chOff x="0" y="0"/>
+          <a:chExt cx="0" cy="0"/>
+        </a:xfrm>
+      </p:grpSpPr>
+      <p:sp>
+        <p:nvSpPr>
+          <p:cNvPr id="2" name="标题 1"/>
+          <p:cNvSpPr>
+            <a:spLocks noGrp="1"/>
+          </p:cNvSpPr>
+          <p:nvPr>
+            <p:ph type="title"/>
+          </p:nvPr>
+        </p:nvSpPr>
+        <p:spPr/>
+        <p:txBody>
+          <a:bodyPr/>
+          <a:lstStyle/>
+          <a:p>
+            <a:r>
+              <a:rPr lang="zh-CN" altLang="en-US" dirty="0" smtClean="0"/>
+              <a:t>区位码</a:t>
+            </a:r>
+            <a:endParaRPr lang="zh-CN" altLang="en-US" dirty="0"/>
+          </a:p>
+        </p:txBody>
+      </p:sp>
+      <p:sp>
+        <p:nvSpPr>
+          <p:cNvPr id="3" name="内容占位符 2"/>
+          <p:cNvSpPr>
+            <a:spLocks noGrp="1"/>
+          </p:cNvSpPr>
+          <p:nvPr>
+            <p:ph idx="1"/>
+          </p:nvPr>
+        </p:nvSpPr>
+        <p:spPr/>
+        <p:txBody>
+          <a:bodyPr/>
+          <a:lstStyle/>
+          <a:p>
+            <a:r>
+              <a:rPr lang="zh-CN" altLang="en-US" dirty="0">
+                <a:latin typeface="华文新魏" panose="02010800040101010101" pitchFamily="2" charset="-122"/>
+                <a:cs typeface="Times New Roman" panose="02020603050405020304" pitchFamily="18" charset="0"/>
+              </a:rPr>
+              <a:t>以数字作为汉字输入编码，如区位码、电报码等。 </a:t>
+            </a:r>
+            <a:r>
+              <a:rPr lang="en-US" altLang="zh-CN" dirty="0">
+                <a:latin typeface="华文新魏" panose="02010800040101010101" pitchFamily="2" charset="-122"/>
+                <a:cs typeface="Times New Roman" panose="02020603050405020304" pitchFamily="18" charset="0"/>
+              </a:rPr>
+              <a:t>GB2312-80</a:t>
+            </a:r>
+            <a:r>
+              <a:rPr lang="zh-CN" altLang="en-US" dirty="0">
+                <a:latin typeface="华文新魏" panose="02010800040101010101" pitchFamily="2" charset="-122"/>
+                <a:cs typeface="Times New Roman" panose="02020603050405020304" pitchFamily="18" charset="0"/>
+              </a:rPr>
+              <a:t>字符集构成了一个二维表，分成</a:t>
+            </a:r>
+            <a:r>
+              <a:rPr lang="en-US" altLang="zh-CN" dirty="0">
+                <a:latin typeface="华文新魏" panose="02010800040101010101" pitchFamily="2" charset="-122"/>
+                <a:cs typeface="Times New Roman" panose="02020603050405020304" pitchFamily="18" charset="0"/>
+              </a:rPr>
+              <a:t>94</a:t>
+            </a:r>
+            <a:r>
+              <a:rPr lang="zh-CN" altLang="en-US" dirty="0">
+                <a:latin typeface="华文新魏" panose="02010800040101010101" pitchFamily="2" charset="-122"/>
+                <a:cs typeface="Times New Roman" panose="02020603050405020304" pitchFamily="18" charset="0"/>
+              </a:rPr>
+              <a:t>行，</a:t>
+            </a:r>
+            <a:r>
+              <a:rPr lang="en-US" altLang="zh-CN" dirty="0">
+                <a:latin typeface="华文新魏" panose="02010800040101010101" pitchFamily="2" charset="-122"/>
+                <a:cs typeface="Times New Roman" panose="02020603050405020304" pitchFamily="18" charset="0"/>
+              </a:rPr>
+              <a:t>94</a:t>
+            </a:r>
+            <a:r>
+              <a:rPr lang="zh-CN" altLang="en-US" dirty="0">
+                <a:latin typeface="华文新魏" panose="02010800040101010101" pitchFamily="2" charset="-122"/>
+                <a:cs typeface="Times New Roman" panose="02020603050405020304" pitchFamily="18" charset="0"/>
+              </a:rPr>
+              <a:t>列，每一个汉字用行号和列号组合编码，称为区位码。其中，区号、位号分别对应一个字节</a:t>
+            </a:r>
+            <a:r>
+              <a:rPr lang="en-US" altLang="zh-CN" dirty="0">
+                <a:latin typeface="华文新魏" panose="02010800040101010101" pitchFamily="2" charset="-122"/>
+                <a:cs typeface="Times New Roman" panose="02020603050405020304" pitchFamily="18" charset="0"/>
+              </a:rPr>
+              <a:t>(</a:t>
+            </a:r>
+            <a:r>
+              <a:rPr lang="zh-CN" altLang="en-US" dirty="0">
+                <a:latin typeface="华文新魏" panose="02010800040101010101" pitchFamily="2" charset="-122"/>
+                <a:cs typeface="Times New Roman" panose="02020603050405020304" pitchFamily="18" charset="0"/>
+              </a:rPr>
+              <a:t>每个字节仅用</a:t>
+            </a:r>
+            <a:r>
+              <a:rPr lang="en-US" altLang="zh-CN" dirty="0">
+                <a:latin typeface="华文新魏" panose="02010800040101010101" pitchFamily="2" charset="-122"/>
+                <a:cs typeface="Times New Roman" panose="02020603050405020304" pitchFamily="18" charset="0"/>
+              </a:rPr>
+              <a:t>7</a:t>
+            </a:r>
+            <a:r>
+              <a:rPr lang="zh-CN" altLang="en-US" dirty="0">
+                <a:latin typeface="华文新魏" panose="02010800040101010101" pitchFamily="2" charset="-122"/>
+                <a:cs typeface="Times New Roman" panose="02020603050405020304" pitchFamily="18" charset="0"/>
+              </a:rPr>
+              <a:t>位，最高位为</a:t>
+            </a:r>
+            <a:r>
+              <a:rPr lang="en-US" altLang="zh-CN" dirty="0">
+                <a:latin typeface="华文新魏" panose="02010800040101010101" pitchFamily="2" charset="-122"/>
+                <a:cs typeface="Times New Roman" panose="02020603050405020304" pitchFamily="18" charset="0"/>
+              </a:rPr>
+              <a:t>0</a:t>
+            </a:r>
+            <a:r>
+              <a:rPr lang="zh-CN" altLang="en-US" dirty="0">
+                <a:latin typeface="华文新魏" panose="02010800040101010101" pitchFamily="2" charset="-122"/>
+                <a:cs typeface="Times New Roman" panose="02020603050405020304" pitchFamily="18" charset="0"/>
+              </a:rPr>
+              <a:t>，习惯上称第一个字节为“高字节”，第二个字节为“低字节”</a:t>
+            </a:r>
+            <a:r>
+              <a:rPr lang="en-US" altLang="zh-CN" dirty="0">
+                <a:latin typeface="华文新魏" panose="02010800040101010101" pitchFamily="2" charset="-122"/>
+                <a:cs typeface="Times New Roman" panose="02020603050405020304" pitchFamily="18" charset="0"/>
+              </a:rPr>
+              <a:t>)</a:t>
+            </a:r>
+            <a:endParaRPr lang="zh-CN" altLang="en-US" dirty="0">
+              <a:latin typeface="华文新魏" panose="02010800040101010101" pitchFamily="2" charset="-122"/>
+              <a:cs typeface="Times New Roman" panose="02020603050405020304" pitchFamily="18" charset="0"/>
+            </a:endParaRPr>
+          </a:p>
+          <a:p>
+            <a:endParaRPr lang="zh-CN" altLang="en-US" dirty="0"/>
+          </a:p>
+        </p:txBody>
+      </p:sp>
+    </p:spTree>
+    <p:extLst>
+      <p:ext uri="{BB962C8B-B14F-4D97-AF65-F5344CB8AC3E}">
+        <p14:creationId xmlns:p14="http://schemas.microsoft.com/office/powerpoint/2010/main" val="2378062275"/>
+      </p:ext>
+    </p:extLst>
+  </p:cSld>
+  <p:clrMapOvr>
+    <a:masterClrMapping/>
+  </p:clrMapOvr>
+</p:sld>
+</file>
+
+<file path=ppt/slides/slide21.xml><?xml version="1.0" encoding="utf-8"?>
+<p:sld xmlns:a="http://schemas.openxmlformats.org/drawingml/2006/main" xmlns:r="http://schemas.openxmlformats.org/officeDocument/2006/relationships" xmlns:p="http://schemas.openxmlformats.org/presentationml/2006/main">
+  <p:cSld>
+    <p:spTree>
+      <p:nvGrpSpPr>
+        <p:cNvPr id="1" name=""/>
+        <p:cNvGrpSpPr/>
+        <p:nvPr/>
+      </p:nvGrpSpPr>
+      <p:grpSpPr>
+        <a:xfrm>
+          <a:off x="0" y="0"/>
+          <a:ext cx="0" cy="0"/>
+          <a:chOff x="0" y="0"/>
+          <a:chExt cx="0" cy="0"/>
+        </a:xfrm>
+      </p:grpSpPr>
+      <p:sp>
+        <p:nvSpPr>
+          <p:cNvPr id="2" name="标题 1"/>
+          <p:cNvSpPr>
+            <a:spLocks noGrp="1"/>
+          </p:cNvSpPr>
+          <p:nvPr>
+            <p:ph type="title"/>
+          </p:nvPr>
+        </p:nvSpPr>
+        <p:spPr/>
+        <p:txBody>
+          <a:bodyPr/>
+          <a:lstStyle/>
+          <a:p>
+            <a:endParaRPr lang="zh-CN" altLang="en-US"/>
+          </a:p>
+        </p:txBody>
+      </p:sp>
+      <p:sp>
+        <p:nvSpPr>
+          <p:cNvPr id="3" name="内容占位符 2"/>
+          <p:cNvSpPr>
+            <a:spLocks noGrp="1"/>
+          </p:cNvSpPr>
+          <p:nvPr>
+            <p:ph idx="1"/>
+          </p:nvPr>
+        </p:nvSpPr>
+        <p:spPr/>
+        <p:txBody>
+          <a:bodyPr/>
+          <a:lstStyle/>
+          <a:p>
+            <a:pPr algn="just">
+              <a:spcBef>
+                <a:spcPct val="50000"/>
+              </a:spcBef>
+              <a:buFont typeface="Wingdings" panose="05000000000000000000" pitchFamily="2" charset="2"/>
+              <a:buNone/>
+            </a:pPr>
+            <a:r>
+              <a:rPr lang="zh-CN" altLang="en-US" dirty="0">
+                <a:latin typeface="华文新魏" panose="02010800040101010101" pitchFamily="2" charset="-122"/>
+                <a:cs typeface="Times New Roman" panose="02020603050405020304" pitchFamily="18" charset="0"/>
+              </a:rPr>
+              <a:t>例如，“大”字区号</a:t>
+            </a:r>
+            <a:r>
+              <a:rPr lang="en-US" altLang="zh-CN" dirty="0">
+                <a:latin typeface="华文新魏" panose="02010800040101010101" pitchFamily="2" charset="-122"/>
+                <a:cs typeface="Times New Roman" panose="02020603050405020304" pitchFamily="18" charset="0"/>
+              </a:rPr>
+              <a:t>20</a:t>
+            </a:r>
+            <a:r>
+              <a:rPr lang="zh-CN" altLang="en-US" dirty="0">
+                <a:latin typeface="华文新魏" panose="02010800040101010101" pitchFamily="2" charset="-122"/>
+                <a:cs typeface="Times New Roman" panose="02020603050405020304" pitchFamily="18" charset="0"/>
+              </a:rPr>
+              <a:t>，位号</a:t>
+            </a:r>
+            <a:r>
+              <a:rPr lang="en-US" altLang="zh-CN" dirty="0">
+                <a:latin typeface="华文新魏" panose="02010800040101010101" pitchFamily="2" charset="-122"/>
+                <a:cs typeface="Times New Roman" panose="02020603050405020304" pitchFamily="18" charset="0"/>
+              </a:rPr>
+              <a:t>83</a:t>
+            </a:r>
+            <a:r>
+              <a:rPr lang="zh-CN" altLang="en-US" dirty="0">
+                <a:latin typeface="华文新魏" panose="02010800040101010101" pitchFamily="2" charset="-122"/>
+                <a:cs typeface="Times New Roman" panose="02020603050405020304" pitchFamily="18" charset="0"/>
+              </a:rPr>
+              <a:t>，区位码为</a:t>
+            </a:r>
+            <a:r>
+              <a:rPr lang="en-US" altLang="zh-CN" dirty="0">
+                <a:latin typeface="华文新魏" panose="02010800040101010101" pitchFamily="2" charset="-122"/>
+                <a:cs typeface="Times New Roman" panose="02020603050405020304" pitchFamily="18" charset="0"/>
+              </a:rPr>
+              <a:t>2083</a:t>
+            </a:r>
+            <a:r>
+              <a:rPr lang="zh-CN" altLang="en-US" dirty="0">
+                <a:latin typeface="华文新魏" panose="02010800040101010101" pitchFamily="2" charset="-122"/>
+                <a:cs typeface="Times New Roman" panose="02020603050405020304" pitchFamily="18" charset="0"/>
+              </a:rPr>
+              <a:t>。</a:t>
+            </a:r>
+            <a:endParaRPr lang="en-US" altLang="zh-CN" dirty="0">
+              <a:latin typeface="华文新魏" panose="02010800040101010101" pitchFamily="2" charset="-122"/>
+              <a:cs typeface="Times New Roman" panose="02020603050405020304" pitchFamily="18" charset="0"/>
+            </a:endParaRPr>
+          </a:p>
+          <a:p>
+            <a:pPr algn="just">
+              <a:spcBef>
+                <a:spcPct val="50000"/>
+              </a:spcBef>
+              <a:buFont typeface="Wingdings" panose="05000000000000000000" pitchFamily="2" charset="2"/>
+              <a:buNone/>
+            </a:pPr>
+            <a:r>
+              <a:rPr lang="zh-CN" altLang="en-US" dirty="0">
+                <a:latin typeface="华文新魏" panose="02010800040101010101" pitchFamily="2" charset="-122"/>
+                <a:cs typeface="Times New Roman" panose="02020603050405020304" pitchFamily="18" charset="0"/>
+              </a:rPr>
+              <a:t>用</a:t>
+            </a:r>
+            <a:r>
+              <a:rPr lang="en-US" altLang="zh-CN" dirty="0">
+                <a:latin typeface="华文新魏" panose="02010800040101010101" pitchFamily="2" charset="-122"/>
+                <a:cs typeface="Times New Roman" panose="02020603050405020304" pitchFamily="18" charset="0"/>
+              </a:rPr>
+              <a:t>2</a:t>
+            </a:r>
+            <a:r>
+              <a:rPr lang="zh-CN" altLang="en-US" dirty="0">
+                <a:latin typeface="华文新魏" panose="02010800040101010101" pitchFamily="2" charset="-122"/>
+                <a:cs typeface="Times New Roman" panose="02020603050405020304" pitchFamily="18" charset="0"/>
+              </a:rPr>
+              <a:t>个字节表示为：</a:t>
+            </a:r>
+            <a:r>
+              <a:rPr lang="en-US" altLang="zh-CN" dirty="0">
+                <a:latin typeface="华文新魏" panose="02010800040101010101" pitchFamily="2" charset="-122"/>
+                <a:cs typeface="Times New Roman" panose="02020603050405020304" pitchFamily="18" charset="0"/>
+              </a:rPr>
+              <a:t>00010100 01010011</a:t>
+            </a:r>
+            <a:endParaRPr lang="zh-CN" altLang="en-US" dirty="0">
+              <a:latin typeface="华文新魏" panose="02010800040101010101" pitchFamily="2" charset="-122"/>
+              <a:cs typeface="Times New Roman" panose="02020603050405020304" pitchFamily="18" charset="0"/>
+            </a:endParaRPr>
+          </a:p>
+          <a:p>
+            <a:pPr algn="just">
+              <a:spcBef>
+                <a:spcPct val="50000"/>
+              </a:spcBef>
+              <a:buFont typeface="Wingdings" panose="05000000000000000000" pitchFamily="2" charset="2"/>
+              <a:buNone/>
+            </a:pPr>
+            <a:r>
+              <a:rPr lang="zh-CN" altLang="en-US" dirty="0">
+                <a:latin typeface="华文新魏" panose="02010800040101010101" pitchFamily="2" charset="-122"/>
+                <a:cs typeface="Times New Roman" panose="02020603050405020304" pitchFamily="18" charset="0"/>
+              </a:rPr>
+              <a:t>优点：无重码，且输入码与内部编码的转换比较方便</a:t>
+            </a:r>
+            <a:endParaRPr lang="en-US" altLang="zh-CN" dirty="0">
+              <a:latin typeface="华文新魏" panose="02010800040101010101" pitchFamily="2" charset="-122"/>
+              <a:cs typeface="Times New Roman" panose="02020603050405020304" pitchFamily="18" charset="0"/>
+            </a:endParaRPr>
+          </a:p>
+          <a:p>
+            <a:pPr algn="just">
+              <a:spcBef>
+                <a:spcPct val="50000"/>
+              </a:spcBef>
+              <a:buFont typeface="Wingdings" panose="05000000000000000000" pitchFamily="2" charset="2"/>
+              <a:buNone/>
+            </a:pPr>
+            <a:r>
+              <a:rPr lang="zh-CN" altLang="en-US" dirty="0">
+                <a:latin typeface="华文新魏" panose="02010800040101010101" pitchFamily="2" charset="-122"/>
+                <a:cs typeface="Times New Roman" panose="02020603050405020304" pitchFamily="18" charset="0"/>
+              </a:rPr>
+              <a:t>缺点：难以记忆</a:t>
+            </a:r>
+          </a:p>
+          <a:p>
+            <a:endParaRPr lang="zh-CN" altLang="en-US" dirty="0"/>
+          </a:p>
+        </p:txBody>
+      </p:sp>
+    </p:spTree>
+    <p:extLst>
+      <p:ext uri="{BB962C8B-B14F-4D97-AF65-F5344CB8AC3E}">
+        <p14:creationId xmlns:p14="http://schemas.microsoft.com/office/powerpoint/2010/main" val="2716502612"/>
+      </p:ext>
+    </p:extLst>
+  </p:cSld>
+  <p:clrMapOvr>
+    <a:masterClrMapping/>
+  </p:clrMapOvr>
+</p:sld>
+</file>
+
+<file path=ppt/slides/slide22.xml><?xml version="1.0" encoding="utf-8"?>
+<p:sld xmlns:a="http://schemas.openxmlformats.org/drawingml/2006/main" xmlns:r="http://schemas.openxmlformats.org/officeDocument/2006/relationships" xmlns:p="http://schemas.openxmlformats.org/presentationml/2006/main">
+  <p:cSld>
+    <p:spTree>
+      <p:nvGrpSpPr>
+        <p:cNvPr id="1" name=""/>
+        <p:cNvGrpSpPr/>
+        <p:nvPr/>
+      </p:nvGrpSpPr>
+      <p:grpSpPr>
+        <a:xfrm>
+          <a:off x="0" y="0"/>
+          <a:ext cx="0" cy="0"/>
+          <a:chOff x="0" y="0"/>
+          <a:chExt cx="0" cy="0"/>
+        </a:xfrm>
+      </p:grpSpPr>
+      <p:sp>
+        <p:nvSpPr>
+          <p:cNvPr id="2" name="标题 1"/>
+          <p:cNvSpPr>
+            <a:spLocks noGrp="1"/>
+          </p:cNvSpPr>
+          <p:nvPr>
+            <p:ph type="title"/>
+          </p:nvPr>
+        </p:nvSpPr>
+        <p:spPr/>
+        <p:txBody>
+          <a:bodyPr/>
+          <a:lstStyle/>
+          <a:p>
+            <a:endParaRPr lang="zh-CN" altLang="en-US"/>
+          </a:p>
+        </p:txBody>
+      </p:sp>
+      <p:sp>
+        <p:nvSpPr>
+          <p:cNvPr id="3" name="内容占位符 2"/>
+          <p:cNvSpPr>
+            <a:spLocks noGrp="1"/>
+          </p:cNvSpPr>
+          <p:nvPr>
+            <p:ph idx="1"/>
+          </p:nvPr>
+        </p:nvSpPr>
+        <p:spPr/>
+        <p:txBody>
+          <a:bodyPr/>
+          <a:lstStyle/>
+          <a:p>
+            <a:r>
+              <a:rPr lang="zh-CN" altLang="en-US" dirty="0">
+                <a:solidFill>
+                  <a:srgbClr val="FF0000"/>
+                </a:solidFill>
+                <a:latin typeface="华文新魏" panose="02010800040101010101" pitchFamily="2" charset="-122"/>
+                <a:cs typeface="Times New Roman" panose="02020603050405020304" pitchFamily="18" charset="0"/>
+              </a:rPr>
+              <a:t>国标码 </a:t>
+            </a:r>
+            <a:r>
+              <a:rPr lang="en-US" altLang="zh-CN" dirty="0">
+                <a:solidFill>
+                  <a:srgbClr val="FF0000"/>
+                </a:solidFill>
+                <a:latin typeface="华文新魏" panose="02010800040101010101" pitchFamily="2" charset="-122"/>
+                <a:cs typeface="Times New Roman" panose="02020603050405020304" pitchFamily="18" charset="0"/>
+              </a:rPr>
+              <a:t>= </a:t>
+            </a:r>
+            <a:r>
+              <a:rPr lang="zh-CN" altLang="en-US" dirty="0">
+                <a:solidFill>
+                  <a:srgbClr val="FF0000"/>
+                </a:solidFill>
+                <a:latin typeface="华文新魏" panose="02010800040101010101" pitchFamily="2" charset="-122"/>
+                <a:cs typeface="Times New Roman" panose="02020603050405020304" pitchFamily="18" charset="0"/>
+              </a:rPr>
+              <a:t>区位码</a:t>
+            </a:r>
+            <a:r>
+              <a:rPr lang="en-US" altLang="zh-CN" dirty="0">
+                <a:solidFill>
+                  <a:srgbClr val="0000FF"/>
+                </a:solidFill>
+                <a:latin typeface="华文新魏" panose="02010800040101010101" pitchFamily="2" charset="-122"/>
+                <a:cs typeface="Times New Roman" panose="02020603050405020304" pitchFamily="18" charset="0"/>
+              </a:rPr>
+              <a:t>D</a:t>
+            </a:r>
+            <a:r>
+              <a:rPr lang="en-US" altLang="zh-CN" dirty="0">
+                <a:solidFill>
+                  <a:srgbClr val="FF0000"/>
+                </a:solidFill>
+                <a:latin typeface="华文新魏" panose="02010800040101010101" pitchFamily="2" charset="-122"/>
+                <a:cs typeface="Times New Roman" panose="02020603050405020304" pitchFamily="18" charset="0"/>
+              </a:rPr>
+              <a:t> + 2020</a:t>
+            </a:r>
+            <a:r>
+              <a:rPr lang="en-US" altLang="zh-CN" dirty="0">
+                <a:solidFill>
+                  <a:srgbClr val="0000FF"/>
+                </a:solidFill>
+                <a:latin typeface="华文新魏" panose="02010800040101010101" pitchFamily="2" charset="-122"/>
+                <a:cs typeface="Times New Roman" panose="02020603050405020304" pitchFamily="18" charset="0"/>
+              </a:rPr>
+              <a:t>H</a:t>
+            </a:r>
+          </a:p>
+          <a:p>
+            <a:r>
+              <a:rPr lang="zh-CN" altLang="en-US" dirty="0">
+                <a:solidFill>
+                  <a:srgbClr val="FF0000"/>
+                </a:solidFill>
+              </a:rPr>
+              <a:t>机内码</a:t>
+            </a:r>
+            <a:r>
+              <a:rPr lang="en-US" altLang="zh-CN" dirty="0">
+                <a:solidFill>
+                  <a:srgbClr val="FF0000"/>
+                </a:solidFill>
+              </a:rPr>
+              <a:t>=</a:t>
+            </a:r>
+            <a:r>
+              <a:rPr lang="zh-CN" altLang="en-US" dirty="0">
+                <a:solidFill>
+                  <a:srgbClr val="FF0000"/>
+                </a:solidFill>
+              </a:rPr>
+              <a:t>国标码</a:t>
+            </a:r>
+            <a:r>
+              <a:rPr lang="en-US" altLang="zh-CN" dirty="0">
+                <a:solidFill>
+                  <a:srgbClr val="FF0000"/>
+                </a:solidFill>
+              </a:rPr>
+              <a:t> + 8080</a:t>
+            </a:r>
+            <a:r>
+              <a:rPr lang="en-US" altLang="zh-CN" dirty="0">
+                <a:solidFill>
+                  <a:srgbClr val="0000FF"/>
+                </a:solidFill>
+              </a:rPr>
+              <a:t>H</a:t>
+            </a:r>
+            <a:endParaRPr lang="zh-CN" altLang="en-US" dirty="0"/>
+          </a:p>
+        </p:txBody>
+      </p:sp>
+    </p:spTree>
+    <p:extLst>
+      <p:ext uri="{BB962C8B-B14F-4D97-AF65-F5344CB8AC3E}">
+        <p14:creationId xmlns:p14="http://schemas.microsoft.com/office/powerpoint/2010/main" val="745698146"/>
       </p:ext>
     </p:extLst>
   </p:cSld>
@@ -4251,7 +7335,7 @@
             <p:cNvPr id="4" name="AutoShape 60">
               <a:extLst>
                 <a:ext uri="{FF2B5EF4-FFF2-40B4-BE49-F238E27FC236}">
-                  <a16:creationId xmlns:a16="http://schemas.microsoft.com/office/drawing/2014/main" xmlns="" id="{19546C91-2EB3-4AB6-A960-3F0C7A2B3B01}"/>
+                  <a16:creationId xmlns="" xmlns:a16="http://schemas.microsoft.com/office/drawing/2014/main" id="{19546C91-2EB3-4AB6-A960-3F0C7A2B3B01}"/>
                 </a:ext>
               </a:extLst>
             </p:cNvPr>
@@ -4492,7 +7576,7 @@
             <p:cNvPr id="5" name="Text Box 61">
               <a:extLst>
                 <a:ext uri="{FF2B5EF4-FFF2-40B4-BE49-F238E27FC236}">
-                  <a16:creationId xmlns:a16="http://schemas.microsoft.com/office/drawing/2014/main" xmlns="" id="{4F3459EC-325A-43AF-9868-5834E586BD63}"/>
+                  <a16:creationId xmlns="" xmlns:a16="http://schemas.microsoft.com/office/drawing/2014/main" id="{4F3459EC-325A-43AF-9868-5834E586BD63}"/>
                 </a:ext>
               </a:extLst>
             </p:cNvPr>
@@ -4848,7 +7932,7 @@
             <p:cNvPr id="6" name="Text Box 63">
               <a:extLst>
                 <a:ext uri="{FF2B5EF4-FFF2-40B4-BE49-F238E27FC236}">
-                  <a16:creationId xmlns:a16="http://schemas.microsoft.com/office/drawing/2014/main" xmlns="" id="{094D6771-BEAD-4A1B-981A-507C2D2AB817}"/>
+                  <a16:creationId xmlns="" xmlns:a16="http://schemas.microsoft.com/office/drawing/2014/main" id="{094D6771-BEAD-4A1B-981A-507C2D2AB817}"/>
                 </a:ext>
               </a:extLst>
             </p:cNvPr>
@@ -5130,7 +8214,7 @@
             <p:cNvPr id="7" name="Text Box 64">
               <a:extLst>
                 <a:ext uri="{FF2B5EF4-FFF2-40B4-BE49-F238E27FC236}">
-                  <a16:creationId xmlns:a16="http://schemas.microsoft.com/office/drawing/2014/main" xmlns="" id="{6F0418FF-B310-4FA1-8EF7-D0FD24C35136}"/>
+                  <a16:creationId xmlns="" xmlns:a16="http://schemas.microsoft.com/office/drawing/2014/main" id="{6F0418FF-B310-4FA1-8EF7-D0FD24C35136}"/>
                 </a:ext>
               </a:extLst>
             </p:cNvPr>
@@ -5404,7 +8488,7 @@
             <p:cNvPr id="8" name="Text Box 65">
               <a:extLst>
                 <a:ext uri="{FF2B5EF4-FFF2-40B4-BE49-F238E27FC236}">
-                  <a16:creationId xmlns:a16="http://schemas.microsoft.com/office/drawing/2014/main" xmlns="" id="{B1ED17E3-4401-4E52-8F73-25DDD18EE8F5}"/>
+                  <a16:creationId xmlns="" xmlns:a16="http://schemas.microsoft.com/office/drawing/2014/main" id="{B1ED17E3-4401-4E52-8F73-25DDD18EE8F5}"/>
                 </a:ext>
               </a:extLst>
             </p:cNvPr>
@@ -5732,7 +8816,7 @@
             <p:cNvPr id="9" name="AutoShape 67">
               <a:extLst>
                 <a:ext uri="{FF2B5EF4-FFF2-40B4-BE49-F238E27FC236}">
-                  <a16:creationId xmlns:a16="http://schemas.microsoft.com/office/drawing/2014/main" xmlns="" id="{36C17486-F428-4C2D-8DA9-B125A193E0AA}"/>
+                  <a16:creationId xmlns="" xmlns:a16="http://schemas.microsoft.com/office/drawing/2014/main" id="{36C17486-F428-4C2D-8DA9-B125A193E0AA}"/>
                 </a:ext>
               </a:extLst>
             </p:cNvPr>
@@ -5973,7 +9057,7 @@
             <p:cNvPr id="10" name="AutoShape 68">
               <a:extLst>
                 <a:ext uri="{FF2B5EF4-FFF2-40B4-BE49-F238E27FC236}">
-                  <a16:creationId xmlns:a16="http://schemas.microsoft.com/office/drawing/2014/main" xmlns="" id="{7EFD9DD7-BF84-4706-8D9E-F101CDB4CC5B}"/>
+                  <a16:creationId xmlns="" xmlns:a16="http://schemas.microsoft.com/office/drawing/2014/main" id="{7EFD9DD7-BF84-4706-8D9E-F101CDB4CC5B}"/>
                 </a:ext>
               </a:extLst>
             </p:cNvPr>
@@ -6214,7 +9298,7 @@
             <p:cNvPr id="11" name="AutoShape 69">
               <a:extLst>
                 <a:ext uri="{FF2B5EF4-FFF2-40B4-BE49-F238E27FC236}">
-                  <a16:creationId xmlns:a16="http://schemas.microsoft.com/office/drawing/2014/main" xmlns="" id="{08FE12AE-550C-45F1-92E0-A14CFE8EA0FF}"/>
+                  <a16:creationId xmlns="" xmlns:a16="http://schemas.microsoft.com/office/drawing/2014/main" id="{08FE12AE-550C-45F1-92E0-A14CFE8EA0FF}"/>
                 </a:ext>
               </a:extLst>
             </p:cNvPr>

--- a/计算机应用基础/第1章计算机基础/第1章复习.pptx
+++ b/计算机应用基础/第1章计算机基础/第1章复习.pptx
@@ -27,6 +27,20 @@
     <p:sldId id="275" r:id="rId21"/>
     <p:sldId id="276" r:id="rId22"/>
     <p:sldId id="277" r:id="rId23"/>
+    <p:sldId id="278" r:id="rId24"/>
+    <p:sldId id="279" r:id="rId25"/>
+    <p:sldId id="280" r:id="rId26"/>
+    <p:sldId id="281" r:id="rId27"/>
+    <p:sldId id="282" r:id="rId28"/>
+    <p:sldId id="283" r:id="rId29"/>
+    <p:sldId id="284" r:id="rId30"/>
+    <p:sldId id="291" r:id="rId31"/>
+    <p:sldId id="289" r:id="rId32"/>
+    <p:sldId id="290" r:id="rId33"/>
+    <p:sldId id="285" r:id="rId34"/>
+    <p:sldId id="286" r:id="rId35"/>
+    <p:sldId id="287" r:id="rId36"/>
+    <p:sldId id="288" r:id="rId37"/>
   </p:sldIdLst>
   <p:sldSz cx="9144000" cy="6858000" type="screen4x3"/>
   <p:notesSz cx="6858000" cy="9144000"/>
@@ -309,7 +323,7 @@
           <a:p>
             <a:fld id="{530820CF-B880-4189-942D-D702A7CBA730}" type="datetimeFigureOut">
               <a:rPr lang="zh-CN" altLang="en-US" smtClean="0"/>
-              <a:t>2020/9/8</a:t>
+              <a:t>2020/9/9</a:t>
             </a:fld>
             <a:endParaRPr lang="zh-CN" altLang="en-US"/>
           </a:p>
@@ -474,7 +488,7 @@
           <a:p>
             <a:fld id="{530820CF-B880-4189-942D-D702A7CBA730}" type="datetimeFigureOut">
               <a:rPr lang="zh-CN" altLang="en-US" smtClean="0"/>
-              <a:t>2020/9/8</a:t>
+              <a:t>2020/9/9</a:t>
             </a:fld>
             <a:endParaRPr lang="zh-CN" altLang="en-US"/>
           </a:p>
@@ -649,7 +663,7 @@
           <a:p>
             <a:fld id="{530820CF-B880-4189-942D-D702A7CBA730}" type="datetimeFigureOut">
               <a:rPr lang="zh-CN" altLang="en-US" smtClean="0"/>
-              <a:t>2020/9/8</a:t>
+              <a:t>2020/9/9</a:t>
             </a:fld>
             <a:endParaRPr lang="zh-CN" altLang="en-US"/>
           </a:p>
@@ -814,7 +828,7 @@
           <a:p>
             <a:fld id="{530820CF-B880-4189-942D-D702A7CBA730}" type="datetimeFigureOut">
               <a:rPr lang="zh-CN" altLang="en-US" smtClean="0"/>
-              <a:t>2020/9/8</a:t>
+              <a:t>2020/9/9</a:t>
             </a:fld>
             <a:endParaRPr lang="zh-CN" altLang="en-US"/>
           </a:p>
@@ -1055,7 +1069,7 @@
           <a:p>
             <a:fld id="{530820CF-B880-4189-942D-D702A7CBA730}" type="datetimeFigureOut">
               <a:rPr lang="zh-CN" altLang="en-US" smtClean="0"/>
-              <a:t>2020/9/8</a:t>
+              <a:t>2020/9/9</a:t>
             </a:fld>
             <a:endParaRPr lang="zh-CN" altLang="en-US"/>
           </a:p>
@@ -1338,7 +1352,7 @@
           <a:p>
             <a:fld id="{530820CF-B880-4189-942D-D702A7CBA730}" type="datetimeFigureOut">
               <a:rPr lang="zh-CN" altLang="en-US" smtClean="0"/>
-              <a:t>2020/9/8</a:t>
+              <a:t>2020/9/9</a:t>
             </a:fld>
             <a:endParaRPr lang="zh-CN" altLang="en-US"/>
           </a:p>
@@ -1755,7 +1769,7 @@
           <a:p>
             <a:fld id="{530820CF-B880-4189-942D-D702A7CBA730}" type="datetimeFigureOut">
               <a:rPr lang="zh-CN" altLang="en-US" smtClean="0"/>
-              <a:t>2020/9/8</a:t>
+              <a:t>2020/9/9</a:t>
             </a:fld>
             <a:endParaRPr lang="zh-CN" altLang="en-US"/>
           </a:p>
@@ -1868,7 +1882,7 @@
           <a:p>
             <a:fld id="{530820CF-B880-4189-942D-D702A7CBA730}" type="datetimeFigureOut">
               <a:rPr lang="zh-CN" altLang="en-US" smtClean="0"/>
-              <a:t>2020/9/8</a:t>
+              <a:t>2020/9/9</a:t>
             </a:fld>
             <a:endParaRPr lang="zh-CN" altLang="en-US"/>
           </a:p>
@@ -1958,7 +1972,7 @@
           <a:p>
             <a:fld id="{530820CF-B880-4189-942D-D702A7CBA730}" type="datetimeFigureOut">
               <a:rPr lang="zh-CN" altLang="en-US" smtClean="0"/>
-              <a:t>2020/9/8</a:t>
+              <a:t>2020/9/9</a:t>
             </a:fld>
             <a:endParaRPr lang="zh-CN" altLang="en-US"/>
           </a:p>
@@ -2230,7 +2244,7 @@
           <a:p>
             <a:fld id="{530820CF-B880-4189-942D-D702A7CBA730}" type="datetimeFigureOut">
               <a:rPr lang="zh-CN" altLang="en-US" smtClean="0"/>
-              <a:t>2020/9/8</a:t>
+              <a:t>2020/9/9</a:t>
             </a:fld>
             <a:endParaRPr lang="zh-CN" altLang="en-US"/>
           </a:p>
@@ -2478,7 +2492,7 @@
           <a:p>
             <a:fld id="{530820CF-B880-4189-942D-D702A7CBA730}" type="datetimeFigureOut">
               <a:rPr lang="zh-CN" altLang="en-US" smtClean="0"/>
-              <a:t>2020/9/8</a:t>
+              <a:t>2020/9/9</a:t>
             </a:fld>
             <a:endParaRPr lang="zh-CN" altLang="en-US"/>
           </a:p>
@@ -2686,7 +2700,7 @@
           <a:p>
             <a:fld id="{530820CF-B880-4189-942D-D702A7CBA730}" type="datetimeFigureOut">
               <a:rPr lang="zh-CN" altLang="en-US" smtClean="0"/>
-              <a:t>2020/9/8</a:t>
+              <a:t>2020/9/9</a:t>
             </a:fld>
             <a:endParaRPr lang="zh-CN" altLang="en-US"/>
           </a:p>
@@ -3283,7 +3297,7 @@
           <p:cNvPr id="4" name="内容占位符 7">
             <a:extLst>
               <a:ext uri="{FF2B5EF4-FFF2-40B4-BE49-F238E27FC236}">
-                <a16:creationId xmlns:a16="http://schemas.microsoft.com/office/drawing/2014/main" xmlns="" id="{54C860BA-CE2F-4454-8F88-8AE6B0929094}"/>
+                <a16:creationId xmlns="" xmlns:a16="http://schemas.microsoft.com/office/drawing/2014/main" id="{54C860BA-CE2F-4454-8F88-8AE6B0929094}"/>
               </a:ext>
             </a:extLst>
           </p:cNvPr>
@@ -3367,7 +3381,7 @@
           <p:cNvPr id="4" name="内容占位符 4">
             <a:extLst>
               <a:ext uri="{FF2B5EF4-FFF2-40B4-BE49-F238E27FC236}">
-                <a16:creationId xmlns:a16="http://schemas.microsoft.com/office/drawing/2014/main" xmlns="" id="{F3A85E42-EFBC-427E-B3F7-F24EE72C83C9}"/>
+                <a16:creationId xmlns="" xmlns:a16="http://schemas.microsoft.com/office/drawing/2014/main" id="{F3A85E42-EFBC-427E-B3F7-F24EE72C83C9}"/>
               </a:ext>
             </a:extLst>
           </p:cNvPr>
@@ -3806,7 +3820,7 @@
           <p:cNvPr id="4" name="Picture 33">
             <a:extLst>
               <a:ext uri="{FF2B5EF4-FFF2-40B4-BE49-F238E27FC236}">
-                <a16:creationId xmlns="" xmlns:a16="http://schemas.microsoft.com/office/drawing/2014/main" id="{73EAD7A3-722B-4CD8-AE1B-C322BFB8DFA4}"/>
+                <a16:creationId xmlns:a16="http://schemas.microsoft.com/office/drawing/2014/main" xmlns="" id="{73EAD7A3-722B-4CD8-AE1B-C322BFB8DFA4}"/>
               </a:ext>
             </a:extLst>
           </p:cNvPr>
@@ -4378,7 +4392,7 @@
           <p:cNvPr id="4" name="Group 5">
             <a:extLst>
               <a:ext uri="{FF2B5EF4-FFF2-40B4-BE49-F238E27FC236}">
-                <a16:creationId xmlns="" xmlns:a16="http://schemas.microsoft.com/office/drawing/2014/main" id="{5C75D3A6-45C5-4F1F-945D-FF2500AFC52A}"/>
+                <a16:creationId xmlns:a16="http://schemas.microsoft.com/office/drawing/2014/main" xmlns="" id="{5C75D3A6-45C5-4F1F-945D-FF2500AFC52A}"/>
               </a:ext>
             </a:extLst>
           </p:cNvPr>
@@ -4400,7 +4414,7 @@
             <p:cNvPr id="5" name="Line 6">
               <a:extLst>
                 <a:ext uri="{FF2B5EF4-FFF2-40B4-BE49-F238E27FC236}">
-                  <a16:creationId xmlns="" xmlns:a16="http://schemas.microsoft.com/office/drawing/2014/main" id="{7003542E-68DB-4541-9CA7-30F9F1295005}"/>
+                  <a16:creationId xmlns:a16="http://schemas.microsoft.com/office/drawing/2014/main" xmlns="" id="{7003542E-68DB-4541-9CA7-30F9F1295005}"/>
                 </a:ext>
               </a:extLst>
             </p:cNvPr>
@@ -4447,7 +4461,7 @@
             <p:cNvPr id="6" name="Text Box 7">
               <a:extLst>
                 <a:ext uri="{FF2B5EF4-FFF2-40B4-BE49-F238E27FC236}">
-                  <a16:creationId xmlns="" xmlns:a16="http://schemas.microsoft.com/office/drawing/2014/main" id="{567805A3-B1B5-4F6F-BB94-8527667FA5B8}"/>
+                  <a16:creationId xmlns:a16="http://schemas.microsoft.com/office/drawing/2014/main" xmlns="" id="{567805A3-B1B5-4F6F-BB94-8527667FA5B8}"/>
                 </a:ext>
               </a:extLst>
             </p:cNvPr>
@@ -4687,7 +4701,7 @@
             <p:cNvPr id="7" name="Text Box 8">
               <a:extLst>
                 <a:ext uri="{FF2B5EF4-FFF2-40B4-BE49-F238E27FC236}">
-                  <a16:creationId xmlns="" xmlns:a16="http://schemas.microsoft.com/office/drawing/2014/main" id="{CC80FAD2-1B9A-4C3E-A029-D375E77D0838}"/>
+                  <a16:creationId xmlns:a16="http://schemas.microsoft.com/office/drawing/2014/main" xmlns="" id="{CC80FAD2-1B9A-4C3E-A029-D375E77D0838}"/>
                 </a:ext>
               </a:extLst>
             </p:cNvPr>
@@ -4927,7 +4941,7 @@
             <p:cNvPr id="8" name="Line 9">
               <a:extLst>
                 <a:ext uri="{FF2B5EF4-FFF2-40B4-BE49-F238E27FC236}">
-                  <a16:creationId xmlns="" xmlns:a16="http://schemas.microsoft.com/office/drawing/2014/main" id="{0CD6D307-1F9E-4539-9F5E-FE9932F17CA2}"/>
+                  <a16:creationId xmlns:a16="http://schemas.microsoft.com/office/drawing/2014/main" xmlns="" id="{0CD6D307-1F9E-4539-9F5E-FE9932F17CA2}"/>
                 </a:ext>
               </a:extLst>
             </p:cNvPr>
@@ -4974,7 +4988,7 @@
             <p:cNvPr id="9" name="Text Box 10">
               <a:extLst>
                 <a:ext uri="{FF2B5EF4-FFF2-40B4-BE49-F238E27FC236}">
-                  <a16:creationId xmlns="" xmlns:a16="http://schemas.microsoft.com/office/drawing/2014/main" id="{29AF9101-C446-427D-9B38-A6744187BD9E}"/>
+                  <a16:creationId xmlns:a16="http://schemas.microsoft.com/office/drawing/2014/main" xmlns="" id="{29AF9101-C446-427D-9B38-A6744187BD9E}"/>
                 </a:ext>
               </a:extLst>
             </p:cNvPr>
@@ -5214,7 +5228,7 @@
             <p:cNvPr id="10" name="Line 12">
               <a:extLst>
                 <a:ext uri="{FF2B5EF4-FFF2-40B4-BE49-F238E27FC236}">
-                  <a16:creationId xmlns="" xmlns:a16="http://schemas.microsoft.com/office/drawing/2014/main" id="{F42390F3-B267-4BAA-91AE-A2F160A2765F}"/>
+                  <a16:creationId xmlns:a16="http://schemas.microsoft.com/office/drawing/2014/main" xmlns="" id="{F42390F3-B267-4BAA-91AE-A2F160A2765F}"/>
                 </a:ext>
               </a:extLst>
             </p:cNvPr>
@@ -5261,7 +5275,7 @@
             <p:cNvPr id="11" name="Text Box 13">
               <a:extLst>
                 <a:ext uri="{FF2B5EF4-FFF2-40B4-BE49-F238E27FC236}">
-                  <a16:creationId xmlns="" xmlns:a16="http://schemas.microsoft.com/office/drawing/2014/main" id="{7014F9A0-6C14-4702-B421-322575E1B1AE}"/>
+                  <a16:creationId xmlns:a16="http://schemas.microsoft.com/office/drawing/2014/main" xmlns="" id="{7014F9A0-6C14-4702-B421-322575E1B1AE}"/>
                 </a:ext>
               </a:extLst>
             </p:cNvPr>
@@ -5501,7 +5515,7 @@
             <p:cNvPr id="12" name="Line 14">
               <a:extLst>
                 <a:ext uri="{FF2B5EF4-FFF2-40B4-BE49-F238E27FC236}">
-                  <a16:creationId xmlns="" xmlns:a16="http://schemas.microsoft.com/office/drawing/2014/main" id="{D2183757-00B7-4F61-BD65-793E61CF622C}"/>
+                  <a16:creationId xmlns:a16="http://schemas.microsoft.com/office/drawing/2014/main" xmlns="" id="{D2183757-00B7-4F61-BD65-793E61CF622C}"/>
                 </a:ext>
               </a:extLst>
             </p:cNvPr>
@@ -5548,7 +5562,7 @@
             <p:cNvPr id="13" name="Text Box 16">
               <a:extLst>
                 <a:ext uri="{FF2B5EF4-FFF2-40B4-BE49-F238E27FC236}">
-                  <a16:creationId xmlns="" xmlns:a16="http://schemas.microsoft.com/office/drawing/2014/main" id="{A21A4B42-4268-4DA1-9739-DEEBAA6DD064}"/>
+                  <a16:creationId xmlns:a16="http://schemas.microsoft.com/office/drawing/2014/main" xmlns="" id="{A21A4B42-4268-4DA1-9739-DEEBAA6DD064}"/>
                 </a:ext>
               </a:extLst>
             </p:cNvPr>
@@ -5822,7 +5836,7 @@
             <p:cNvPr id="14" name="Text Box 17">
               <a:extLst>
                 <a:ext uri="{FF2B5EF4-FFF2-40B4-BE49-F238E27FC236}">
-                  <a16:creationId xmlns="" xmlns:a16="http://schemas.microsoft.com/office/drawing/2014/main" id="{491278D7-47DA-4D5F-8AB2-88BFDA326982}"/>
+                  <a16:creationId xmlns:a16="http://schemas.microsoft.com/office/drawing/2014/main" xmlns="" id="{491278D7-47DA-4D5F-8AB2-88BFDA326982}"/>
                 </a:ext>
               </a:extLst>
             </p:cNvPr>
@@ -6096,7 +6110,7 @@
             <p:cNvPr id="15" name="Line 18">
               <a:extLst>
                 <a:ext uri="{FF2B5EF4-FFF2-40B4-BE49-F238E27FC236}">
-                  <a16:creationId xmlns="" xmlns:a16="http://schemas.microsoft.com/office/drawing/2014/main" id="{A368C857-F84E-4B25-88D6-01F14CDBDC10}"/>
+                  <a16:creationId xmlns:a16="http://schemas.microsoft.com/office/drawing/2014/main" xmlns="" id="{A368C857-F84E-4B25-88D6-01F14CDBDC10}"/>
                 </a:ext>
               </a:extLst>
             </p:cNvPr>
@@ -6928,6 +6942,1562 @@
 </p:sld>
 </file>
 
+<file path=ppt/slides/slide23.xml><?xml version="1.0" encoding="utf-8"?>
+<p:sld xmlns:a="http://schemas.openxmlformats.org/drawingml/2006/main" xmlns:r="http://schemas.openxmlformats.org/officeDocument/2006/relationships" xmlns:p="http://schemas.openxmlformats.org/presentationml/2006/main">
+  <p:cSld>
+    <p:spTree>
+      <p:nvGrpSpPr>
+        <p:cNvPr id="1" name=""/>
+        <p:cNvGrpSpPr/>
+        <p:nvPr/>
+      </p:nvGrpSpPr>
+      <p:grpSpPr>
+        <a:xfrm>
+          <a:off x="0" y="0"/>
+          <a:ext cx="0" cy="0"/>
+          <a:chOff x="0" y="0"/>
+          <a:chExt cx="0" cy="0"/>
+        </a:xfrm>
+      </p:grpSpPr>
+      <p:sp>
+        <p:nvSpPr>
+          <p:cNvPr id="2" name="标题 1"/>
+          <p:cNvSpPr>
+            <a:spLocks noGrp="1"/>
+          </p:cNvSpPr>
+          <p:nvPr>
+            <p:ph type="title"/>
+          </p:nvPr>
+        </p:nvSpPr>
+        <p:spPr/>
+        <p:txBody>
+          <a:bodyPr/>
+          <a:lstStyle/>
+          <a:p>
+            <a:endParaRPr lang="zh-CN" altLang="en-US"/>
+          </a:p>
+        </p:txBody>
+      </p:sp>
+      <p:sp>
+        <p:nvSpPr>
+          <p:cNvPr id="3" name="内容占位符 2"/>
+          <p:cNvSpPr>
+            <a:spLocks noGrp="1"/>
+          </p:cNvSpPr>
+          <p:nvPr>
+            <p:ph idx="1"/>
+          </p:nvPr>
+        </p:nvSpPr>
+        <p:spPr/>
+        <p:txBody>
+          <a:bodyPr/>
+          <a:lstStyle/>
+          <a:p>
+            <a:r>
+              <a:rPr lang="zh-CN" altLang="en-US" dirty="0"/>
+              <a:t>练习：</a:t>
+            </a:r>
+            <a:endParaRPr lang="en-US" altLang="zh-CN" dirty="0"/>
+          </a:p>
+          <a:p>
+            <a:r>
+              <a:rPr lang="zh-CN" altLang="en-US" dirty="0"/>
+              <a:t>某一汉字的机内码为</a:t>
+            </a:r>
+            <a:r>
+              <a:rPr lang="en-US" altLang="zh-CN" dirty="0"/>
+              <a:t>B0A1H</a:t>
+            </a:r>
+            <a:r>
+              <a:rPr lang="zh-CN" altLang="en-US" dirty="0"/>
+              <a:t>，求其国标码和区位码</a:t>
+            </a:r>
+            <a:r>
+              <a:rPr lang="en-US" altLang="zh-CN" dirty="0"/>
+              <a:t>(</a:t>
+            </a:r>
+            <a:r>
+              <a:rPr lang="zh-CN" altLang="en-US" dirty="0"/>
+              <a:t>十进制</a:t>
+            </a:r>
+            <a:r>
+              <a:rPr lang="en-US" altLang="zh-CN" dirty="0"/>
+              <a:t>)</a:t>
+            </a:r>
+            <a:endParaRPr lang="zh-CN" altLang="en-US" dirty="0"/>
+          </a:p>
+          <a:p>
+            <a:endParaRPr lang="zh-CN" altLang="en-US" dirty="0"/>
+          </a:p>
+        </p:txBody>
+      </p:sp>
+    </p:spTree>
+    <p:extLst>
+      <p:ext uri="{BB962C8B-B14F-4D97-AF65-F5344CB8AC3E}">
+        <p14:creationId xmlns:p14="http://schemas.microsoft.com/office/powerpoint/2010/main" val="1966256239"/>
+      </p:ext>
+    </p:extLst>
+  </p:cSld>
+  <p:clrMapOvr>
+    <a:masterClrMapping/>
+  </p:clrMapOvr>
+</p:sld>
+</file>
+
+<file path=ppt/slides/slide24.xml><?xml version="1.0" encoding="utf-8"?>
+<p:sld xmlns:a="http://schemas.openxmlformats.org/drawingml/2006/main" xmlns:r="http://schemas.openxmlformats.org/officeDocument/2006/relationships" xmlns:p="http://schemas.openxmlformats.org/presentationml/2006/main">
+  <p:cSld>
+    <p:spTree>
+      <p:nvGrpSpPr>
+        <p:cNvPr id="1" name=""/>
+        <p:cNvGrpSpPr/>
+        <p:nvPr/>
+      </p:nvGrpSpPr>
+      <p:grpSpPr>
+        <a:xfrm>
+          <a:off x="0" y="0"/>
+          <a:ext cx="0" cy="0"/>
+          <a:chOff x="0" y="0"/>
+          <a:chExt cx="0" cy="0"/>
+        </a:xfrm>
+      </p:grpSpPr>
+      <p:sp>
+        <p:nvSpPr>
+          <p:cNvPr id="2" name="标题 1"/>
+          <p:cNvSpPr>
+            <a:spLocks noGrp="1"/>
+          </p:cNvSpPr>
+          <p:nvPr>
+            <p:ph type="title"/>
+          </p:nvPr>
+        </p:nvSpPr>
+        <p:spPr/>
+        <p:txBody>
+          <a:bodyPr/>
+          <a:lstStyle/>
+          <a:p>
+            <a:endParaRPr lang="zh-CN" altLang="en-US"/>
+          </a:p>
+        </p:txBody>
+      </p:sp>
+      <p:sp>
+        <p:nvSpPr>
+          <p:cNvPr id="3" name="内容占位符 2"/>
+          <p:cNvSpPr>
+            <a:spLocks noGrp="1"/>
+          </p:cNvSpPr>
+          <p:nvPr>
+            <p:ph idx="1"/>
+          </p:nvPr>
+        </p:nvSpPr>
+        <p:spPr/>
+        <p:txBody>
+          <a:bodyPr/>
+          <a:lstStyle/>
+          <a:p>
+            <a:r>
+              <a:rPr lang="zh-CN" altLang="en-US" dirty="0"/>
+              <a:t>“装”字和“大”字 的拼音输入码分别为“</a:t>
+            </a:r>
+            <a:r>
+              <a:rPr lang="en-US" altLang="zh-CN" dirty="0" err="1"/>
+              <a:t>zhuang</a:t>
+            </a:r>
+            <a:r>
+              <a:rPr lang="zh-CN" altLang="en-US" dirty="0"/>
+              <a:t>”、“</a:t>
+            </a:r>
+            <a:r>
+              <a:rPr lang="en-US" altLang="zh-CN" dirty="0"/>
+              <a:t>da</a:t>
+            </a:r>
+            <a:r>
+              <a:rPr lang="zh-CN" altLang="en-US" dirty="0"/>
+              <a:t>”</a:t>
+            </a:r>
+            <a:r>
+              <a:rPr lang="en-US" altLang="zh-CN" dirty="0"/>
+              <a:t>,</a:t>
+            </a:r>
+            <a:r>
+              <a:rPr lang="zh-CN" altLang="en-US" dirty="0"/>
+              <a:t>则它们的国标码字节数分别为</a:t>
+            </a:r>
+            <a:r>
+              <a:rPr lang="en-US" altLang="zh-CN" dirty="0"/>
+              <a:t>()</a:t>
+            </a:r>
+            <a:r>
+              <a:rPr lang="zh-CN" altLang="en-US" dirty="0"/>
+              <a:t>。</a:t>
+            </a:r>
+          </a:p>
+          <a:p>
+            <a:endParaRPr lang="zh-CN" altLang="en-US" dirty="0"/>
+          </a:p>
+        </p:txBody>
+      </p:sp>
+    </p:spTree>
+    <p:extLst>
+      <p:ext uri="{BB962C8B-B14F-4D97-AF65-F5344CB8AC3E}">
+        <p14:creationId xmlns:p14="http://schemas.microsoft.com/office/powerpoint/2010/main" val="1095679980"/>
+      </p:ext>
+    </p:extLst>
+  </p:cSld>
+  <p:clrMapOvr>
+    <a:masterClrMapping/>
+  </p:clrMapOvr>
+</p:sld>
+</file>
+
+<file path=ppt/slides/slide25.xml><?xml version="1.0" encoding="utf-8"?>
+<p:sld xmlns:a="http://schemas.openxmlformats.org/drawingml/2006/main" xmlns:r="http://schemas.openxmlformats.org/officeDocument/2006/relationships" xmlns:p="http://schemas.openxmlformats.org/presentationml/2006/main">
+  <p:cSld>
+    <p:spTree>
+      <p:nvGrpSpPr>
+        <p:cNvPr id="1" name=""/>
+        <p:cNvGrpSpPr/>
+        <p:nvPr/>
+      </p:nvGrpSpPr>
+      <p:grpSpPr>
+        <a:xfrm>
+          <a:off x="0" y="0"/>
+          <a:ext cx="0" cy="0"/>
+          <a:chOff x="0" y="0"/>
+          <a:chExt cx="0" cy="0"/>
+        </a:xfrm>
+      </p:grpSpPr>
+      <p:sp>
+        <p:nvSpPr>
+          <p:cNvPr id="2" name="标题 1"/>
+          <p:cNvSpPr>
+            <a:spLocks noGrp="1"/>
+          </p:cNvSpPr>
+          <p:nvPr>
+            <p:ph type="title"/>
+          </p:nvPr>
+        </p:nvSpPr>
+        <p:spPr/>
+        <p:txBody>
+          <a:bodyPr/>
+          <a:lstStyle/>
+          <a:p>
+            <a:endParaRPr lang="zh-CN" altLang="en-US"/>
+          </a:p>
+        </p:txBody>
+      </p:sp>
+      <p:sp>
+        <p:nvSpPr>
+          <p:cNvPr id="3" name="内容占位符 2"/>
+          <p:cNvSpPr>
+            <a:spLocks noGrp="1"/>
+          </p:cNvSpPr>
+          <p:nvPr>
+            <p:ph idx="1"/>
+          </p:nvPr>
+        </p:nvSpPr>
+        <p:spPr/>
+        <p:txBody>
+          <a:bodyPr/>
+          <a:lstStyle/>
+          <a:p>
+            <a:pPr marL="0" indent="0">
+              <a:lnSpc>
+                <a:spcPct val="110000"/>
+              </a:lnSpc>
+              <a:spcBef>
+                <a:spcPct val="0"/>
+              </a:spcBef>
+              <a:buFont typeface="Wingdings" panose="05000000000000000000" pitchFamily="2" charset="2"/>
+              <a:buNone/>
+            </a:pPr>
+            <a:r>
+              <a:rPr lang="zh-CN" altLang="en-US" dirty="0">
+                <a:latin typeface="华文新魏" panose="02010800040101010101" pitchFamily="2" charset="-122"/>
+              </a:rPr>
+              <a:t>汉字的字形码</a:t>
+            </a:r>
+            <a:r>
+              <a:rPr lang="zh-CN" altLang="en-US" dirty="0"/>
+              <a:t>　　</a:t>
+            </a:r>
+          </a:p>
+          <a:p>
+            <a:pPr marL="0" indent="0">
+              <a:lnSpc>
+                <a:spcPct val="130000"/>
+              </a:lnSpc>
+              <a:spcBef>
+                <a:spcPct val="0"/>
+              </a:spcBef>
+              <a:buFont typeface="Wingdings" panose="05000000000000000000" pitchFamily="2" charset="2"/>
+              <a:buNone/>
+            </a:pPr>
+            <a:r>
+              <a:rPr lang="zh-CN" altLang="en-US" dirty="0"/>
+              <a:t>汉字的显示和打印是根据事先设计好的字形点阵进行的。而计算机只识别二进制代码，因而对字形点阵需要编码。</a:t>
+            </a:r>
+            <a:endParaRPr lang="en-US" altLang="zh-CN" dirty="0"/>
+          </a:p>
+          <a:p>
+            <a:pPr marL="0" indent="0">
+              <a:lnSpc>
+                <a:spcPct val="130000"/>
+              </a:lnSpc>
+              <a:spcBef>
+                <a:spcPct val="0"/>
+              </a:spcBef>
+              <a:buFont typeface="Wingdings" panose="05000000000000000000" pitchFamily="2" charset="2"/>
+              <a:buNone/>
+            </a:pPr>
+            <a:r>
+              <a:rPr lang="zh-CN" altLang="en-US" dirty="0"/>
+              <a:t>对汉字字形点阵编码生成字形码。</a:t>
+            </a:r>
+          </a:p>
+        </p:txBody>
+      </p:sp>
+    </p:spTree>
+    <p:extLst>
+      <p:ext uri="{BB962C8B-B14F-4D97-AF65-F5344CB8AC3E}">
+        <p14:creationId xmlns:p14="http://schemas.microsoft.com/office/powerpoint/2010/main" val="3173060090"/>
+      </p:ext>
+    </p:extLst>
+  </p:cSld>
+  <p:clrMapOvr>
+    <a:masterClrMapping/>
+  </p:clrMapOvr>
+</p:sld>
+</file>
+
+<file path=ppt/slides/slide26.xml><?xml version="1.0" encoding="utf-8"?>
+<p:sld xmlns:a="http://schemas.openxmlformats.org/drawingml/2006/main" xmlns:r="http://schemas.openxmlformats.org/officeDocument/2006/relationships" xmlns:p="http://schemas.openxmlformats.org/presentationml/2006/main">
+  <p:cSld>
+    <p:spTree>
+      <p:nvGrpSpPr>
+        <p:cNvPr id="1" name=""/>
+        <p:cNvGrpSpPr/>
+        <p:nvPr/>
+      </p:nvGrpSpPr>
+      <p:grpSpPr>
+        <a:xfrm>
+          <a:off x="0" y="0"/>
+          <a:ext cx="0" cy="0"/>
+          <a:chOff x="0" y="0"/>
+          <a:chExt cx="0" cy="0"/>
+        </a:xfrm>
+      </p:grpSpPr>
+      <p:sp>
+        <p:nvSpPr>
+          <p:cNvPr id="2" name="标题 1"/>
+          <p:cNvSpPr>
+            <a:spLocks noGrp="1"/>
+          </p:cNvSpPr>
+          <p:nvPr>
+            <p:ph type="title"/>
+          </p:nvPr>
+        </p:nvSpPr>
+        <p:spPr/>
+        <p:txBody>
+          <a:bodyPr/>
+          <a:lstStyle/>
+          <a:p>
+            <a:endParaRPr lang="zh-CN" altLang="en-US"/>
+          </a:p>
+        </p:txBody>
+      </p:sp>
+      <p:grpSp>
+        <p:nvGrpSpPr>
+          <p:cNvPr id="4" name="Group 32">
+            <a:extLst>
+              <a:ext uri="{FF2B5EF4-FFF2-40B4-BE49-F238E27FC236}">
+                <a16:creationId xmlns="" xmlns:a16="http://schemas.microsoft.com/office/drawing/2014/main" id="{280E2A3D-D723-4D8A-A7F2-9C36BB381120}"/>
+              </a:ext>
+            </a:extLst>
+          </p:cNvPr>
+          <p:cNvGrpSpPr>
+            <a:grpSpLocks/>
+          </p:cNvGrpSpPr>
+          <p:nvPr/>
+        </p:nvGrpSpPr>
+        <p:grpSpPr bwMode="auto">
+          <a:xfrm>
+            <a:off x="755650" y="2636838"/>
+            <a:ext cx="8639175" cy="3384550"/>
+            <a:chOff x="16" y="912"/>
+            <a:chExt cx="6532" cy="2861"/>
+          </a:xfrm>
+        </p:grpSpPr>
+        <p:grpSp>
+          <p:nvGrpSpPr>
+            <p:cNvPr id="5" name="Group 31">
+              <a:extLst>
+                <a:ext uri="{FF2B5EF4-FFF2-40B4-BE49-F238E27FC236}">
+                  <a16:creationId xmlns="" xmlns:a16="http://schemas.microsoft.com/office/drawing/2014/main" id="{866F6DF0-7BC8-414D-998F-2CB3BC598B84}"/>
+                </a:ext>
+              </a:extLst>
+            </p:cNvPr>
+            <p:cNvGrpSpPr>
+              <a:grpSpLocks/>
+            </p:cNvGrpSpPr>
+            <p:nvPr/>
+          </p:nvGrpSpPr>
+          <p:grpSpPr bwMode="auto">
+            <a:xfrm>
+              <a:off x="16" y="912"/>
+              <a:ext cx="5825" cy="2352"/>
+              <a:chOff x="494" y="1008"/>
+              <a:chExt cx="4964" cy="2168"/>
+            </a:xfrm>
+          </p:grpSpPr>
+          <p:graphicFrame>
+            <p:nvGraphicFramePr>
+              <p:cNvPr id="8" name="Object 2">
+                <a:extLst>
+                  <a:ext uri="{FF2B5EF4-FFF2-40B4-BE49-F238E27FC236}">
+                    <a16:creationId xmlns="" xmlns:a16="http://schemas.microsoft.com/office/drawing/2014/main" id="{8FB4EF44-6498-46B4-B86F-76F937AB1A26}"/>
+                  </a:ext>
+                </a:extLst>
+              </p:cNvPr>
+              <p:cNvGraphicFramePr>
+                <a:graphicFrameLocks noChangeAspect="1"/>
+              </p:cNvGraphicFramePr>
+              <p:nvPr/>
+            </p:nvGraphicFramePr>
+            <p:xfrm>
+              <a:off x="494" y="1008"/>
+              <a:ext cx="2162" cy="2166"/>
+            </p:xfrm>
+            <a:graphic>
+              <a:graphicData uri="http://schemas.openxmlformats.org/presentationml/2006/ole">
+                <mc:AlternateContent xmlns:mc="http://schemas.openxmlformats.org/markup-compatibility/2006">
+                  <mc:Choice xmlns:v="urn:schemas-microsoft-com:vml" Requires="v">
+                    <p:oleObj spid="_x0000_s1036" name="位图图像" r:id="rId3" imgW="2238687" imgH="3076190" progId="PBrush">
+                      <p:embed/>
+                    </p:oleObj>
+                  </mc:Choice>
+                  <mc:Fallback>
+                    <p:oleObj name="位图图像" r:id="rId3" imgW="2238687" imgH="3076190" progId="PBrush">
+                      <p:embed/>
+                      <p:pic>
+                        <p:nvPicPr>
+                          <p:cNvPr id="0" name=""/>
+                          <p:cNvPicPr>
+                            <a:picLocks noChangeAspect="1" noChangeArrowheads="1"/>
+                          </p:cNvPicPr>
+                          <p:nvPr/>
+                        </p:nvPicPr>
+                        <p:blipFill>
+                          <a:blip r:embed="rId4">
+                            <a:extLst>
+                              <a:ext uri="{28A0092B-C50C-407E-A947-70E740481C1C}">
+                                <a14:useLocalDpi xmlns:a14="http://schemas.microsoft.com/office/drawing/2010/main" val="0"/>
+                              </a:ext>
+                            </a:extLst>
+                          </a:blip>
+                          <a:srcRect/>
+                          <a:stretch>
+                            <a:fillRect/>
+                          </a:stretch>
+                        </p:blipFill>
+                        <p:spPr bwMode="auto">
+                          <a:xfrm>
+                            <a:off x="494" y="1008"/>
+                            <a:ext cx="2162" cy="2166"/>
+                          </a:xfrm>
+                          <a:prstGeom prst="rect">
+                            <a:avLst/>
+                          </a:prstGeom>
+                          <a:noFill/>
+                          <a:ln>
+                            <a:noFill/>
+                          </a:ln>
+                          <a:extLst>
+                            <a:ext uri="{909E8E84-426E-40DD-AFC4-6F175D3DCCD1}">
+                              <a14:hiddenFill xmlns:a14="http://schemas.microsoft.com/office/drawing/2010/main">
+                                <a:solidFill>
+                                  <a:srgbClr val="FFFFFF"/>
+                                </a:solidFill>
+                              </a14:hiddenFill>
+                            </a:ext>
+                            <a:ext uri="{91240B29-F687-4F45-9708-019B960494DF}">
+                              <a14:hiddenLine xmlns:a14="http://schemas.microsoft.com/office/drawing/2010/main" w="9525">
+                                <a:solidFill>
+                                  <a:srgbClr val="000000"/>
+                                </a:solidFill>
+                                <a:miter lim="800000"/>
+                                <a:headEnd/>
+                                <a:tailEnd/>
+                              </a14:hiddenLine>
+                            </a:ext>
+                          </a:extLst>
+                        </p:spPr>
+                      </p:pic>
+                    </p:oleObj>
+                  </mc:Fallback>
+                </mc:AlternateContent>
+              </a:graphicData>
+            </a:graphic>
+          </p:graphicFrame>
+          <p:graphicFrame>
+            <p:nvGraphicFramePr>
+              <p:cNvPr id="9" name="Object 3">
+                <a:extLst>
+                  <a:ext uri="{FF2B5EF4-FFF2-40B4-BE49-F238E27FC236}">
+                    <a16:creationId xmlns="" xmlns:a16="http://schemas.microsoft.com/office/drawing/2014/main" id="{CF5FD9FC-0FBB-4F76-9E7C-E8BDCC9BF580}"/>
+                  </a:ext>
+                </a:extLst>
+              </p:cNvPr>
+              <p:cNvGraphicFramePr>
+                <a:graphicFrameLocks noChangeAspect="1"/>
+              </p:cNvGraphicFramePr>
+              <p:nvPr/>
+            </p:nvGraphicFramePr>
+            <p:xfrm>
+              <a:off x="3216" y="1008"/>
+              <a:ext cx="2242" cy="2168"/>
+            </p:xfrm>
+            <a:graphic>
+              <a:graphicData uri="http://schemas.openxmlformats.org/presentationml/2006/ole">
+                <mc:AlternateContent xmlns:mc="http://schemas.openxmlformats.org/markup-compatibility/2006">
+                  <mc:Choice xmlns:v="urn:schemas-microsoft-com:vml" Requires="v">
+                    <p:oleObj spid="_x0000_s1037" name="位图图像" r:id="rId5" imgW="1790476" imgH="3123810" progId="PBrush">
+                      <p:embed/>
+                    </p:oleObj>
+                  </mc:Choice>
+                  <mc:Fallback>
+                    <p:oleObj name="位图图像" r:id="rId5" imgW="1790476" imgH="3123810" progId="PBrush">
+                      <p:embed/>
+                      <p:pic>
+                        <p:nvPicPr>
+                          <p:cNvPr id="0" name=""/>
+                          <p:cNvPicPr>
+                            <a:picLocks noChangeAspect="1" noChangeArrowheads="1"/>
+                          </p:cNvPicPr>
+                          <p:nvPr/>
+                        </p:nvPicPr>
+                        <p:blipFill>
+                          <a:blip r:embed="rId6">
+                            <a:extLst>
+                              <a:ext uri="{28A0092B-C50C-407E-A947-70E740481C1C}">
+                                <a14:useLocalDpi xmlns:a14="http://schemas.microsoft.com/office/drawing/2010/main" val="0"/>
+                              </a:ext>
+                            </a:extLst>
+                          </a:blip>
+                          <a:srcRect/>
+                          <a:stretch>
+                            <a:fillRect/>
+                          </a:stretch>
+                        </p:blipFill>
+                        <p:spPr bwMode="auto">
+                          <a:xfrm>
+                            <a:off x="3216" y="1008"/>
+                            <a:ext cx="2242" cy="2168"/>
+                          </a:xfrm>
+                          <a:prstGeom prst="rect">
+                            <a:avLst/>
+                          </a:prstGeom>
+                          <a:noFill/>
+                          <a:ln>
+                            <a:noFill/>
+                          </a:ln>
+                          <a:extLst>
+                            <a:ext uri="{909E8E84-426E-40DD-AFC4-6F175D3DCCD1}">
+                              <a14:hiddenFill xmlns:a14="http://schemas.microsoft.com/office/drawing/2010/main">
+                                <a:solidFill>
+                                  <a:srgbClr val="FFFFFF"/>
+                                </a:solidFill>
+                              </a14:hiddenFill>
+                            </a:ext>
+                            <a:ext uri="{91240B29-F687-4F45-9708-019B960494DF}">
+                              <a14:hiddenLine xmlns:a14="http://schemas.microsoft.com/office/drawing/2010/main" w="9525">
+                                <a:solidFill>
+                                  <a:srgbClr val="000000"/>
+                                </a:solidFill>
+                                <a:miter lim="800000"/>
+                                <a:headEnd/>
+                                <a:tailEnd/>
+                              </a14:hiddenLine>
+                            </a:ext>
+                          </a:extLst>
+                        </p:spPr>
+                      </p:pic>
+                    </p:oleObj>
+                  </mc:Fallback>
+                </mc:AlternateContent>
+              </a:graphicData>
+            </a:graphic>
+          </p:graphicFrame>
+        </p:grpSp>
+        <p:sp>
+          <p:nvSpPr>
+            <p:cNvPr id="6" name="Text Box 28">
+              <a:extLst>
+                <a:ext uri="{FF2B5EF4-FFF2-40B4-BE49-F238E27FC236}">
+                  <a16:creationId xmlns="" xmlns:a16="http://schemas.microsoft.com/office/drawing/2014/main" id="{C1C5A5A3-6FD9-4A88-88AC-7AFA73230475}"/>
+                </a:ext>
+              </a:extLst>
+            </p:cNvPr>
+            <p:cNvSpPr txBox="1">
+              <a:spLocks noChangeArrowheads="1"/>
+            </p:cNvSpPr>
+            <p:nvPr/>
+          </p:nvSpPr>
+          <p:spPr bwMode="auto">
+            <a:xfrm>
+              <a:off x="124" y="3387"/>
+              <a:ext cx="2613" cy="326"/>
+            </a:xfrm>
+            <a:prstGeom prst="rect">
+              <a:avLst/>
+            </a:prstGeom>
+            <a:noFill/>
+            <a:ln w="9525">
+              <a:noFill/>
+              <a:miter lim="800000"/>
+              <a:headEnd/>
+              <a:tailEnd/>
+            </a:ln>
+          </p:spPr>
+          <p:txBody>
+            <a:bodyPr/>
+            <a:lstStyle/>
+            <a:p>
+              <a:pPr algn="just">
+                <a:defRPr/>
+              </a:pPr>
+              <a:r>
+                <a:rPr lang="en-US" altLang="zh-CN" sz="2400" dirty="0">
+                  <a:effectLst>
+                    <a:outerShdw blurRad="38100" dist="38100" dir="2700000" algn="tl">
+                      <a:srgbClr val="C0C0C0"/>
+                    </a:outerShdw>
+                  </a:effectLst>
+                  <a:ea typeface="隶书" pitchFamily="49" charset="-122"/>
+                </a:rPr>
+                <a:t>16×16</a:t>
+              </a:r>
+              <a:r>
+                <a:rPr lang="zh-CN" altLang="en-US" sz="2400" dirty="0">
+                  <a:effectLst>
+                    <a:outerShdw blurRad="38100" dist="38100" dir="2700000" algn="tl">
+                      <a:srgbClr val="C0C0C0"/>
+                    </a:outerShdw>
+                  </a:effectLst>
+                  <a:ea typeface="隶书" pitchFamily="49" charset="-122"/>
+                </a:rPr>
+                <a:t>点阵字形表示</a:t>
+              </a:r>
+            </a:p>
+          </p:txBody>
+        </p:sp>
+        <p:sp>
+          <p:nvSpPr>
+            <p:cNvPr id="7" name="Text Box 29">
+              <a:extLst>
+                <a:ext uri="{FF2B5EF4-FFF2-40B4-BE49-F238E27FC236}">
+                  <a16:creationId xmlns="" xmlns:a16="http://schemas.microsoft.com/office/drawing/2014/main" id="{58F4F486-17CB-4F66-ADC9-5A43748CBF62}"/>
+                </a:ext>
+              </a:extLst>
+            </p:cNvPr>
+            <p:cNvSpPr txBox="1">
+              <a:spLocks noChangeArrowheads="1"/>
+            </p:cNvSpPr>
+            <p:nvPr/>
+          </p:nvSpPr>
+          <p:spPr bwMode="auto">
+            <a:xfrm>
+              <a:off x="3281" y="3448"/>
+              <a:ext cx="3267" cy="325"/>
+            </a:xfrm>
+            <a:prstGeom prst="rect">
+              <a:avLst/>
+            </a:prstGeom>
+            <a:noFill/>
+            <a:ln w="9525">
+              <a:noFill/>
+              <a:miter lim="800000"/>
+              <a:headEnd/>
+              <a:tailEnd/>
+            </a:ln>
+          </p:spPr>
+          <p:txBody>
+            <a:bodyPr/>
+            <a:lstStyle/>
+            <a:p>
+              <a:pPr algn="just">
+                <a:defRPr/>
+              </a:pPr>
+              <a:r>
+                <a:rPr lang="en-US" altLang="zh-CN" sz="2400" dirty="0">
+                  <a:effectLst>
+                    <a:outerShdw blurRad="38100" dist="38100" dir="2700000" algn="tl">
+                      <a:srgbClr val="C0C0C0"/>
+                    </a:outerShdw>
+                  </a:effectLst>
+                  <a:ea typeface="楷体_GB2312" pitchFamily="49" charset="-122"/>
+                </a:rPr>
+                <a:t>16×16</a:t>
+              </a:r>
+              <a:r>
+                <a:rPr lang="zh-CN" altLang="en-US" sz="2400" dirty="0">
+                  <a:effectLst>
+                    <a:outerShdw blurRad="38100" dist="38100" dir="2700000" algn="tl">
+                      <a:srgbClr val="C0C0C0"/>
+                    </a:outerShdw>
+                  </a:effectLst>
+                  <a:ea typeface="楷体_GB2312" pitchFamily="49" charset="-122"/>
+                </a:rPr>
+                <a:t>点阵字形编码表示</a:t>
+              </a:r>
+            </a:p>
+          </p:txBody>
+        </p:sp>
+      </p:grpSp>
+      <p:sp>
+        <p:nvSpPr>
+          <p:cNvPr id="10" name="Rectangle 3">
+            <a:extLst>
+              <a:ext uri="{FF2B5EF4-FFF2-40B4-BE49-F238E27FC236}">
+                <a16:creationId xmlns="" xmlns:a16="http://schemas.microsoft.com/office/drawing/2014/main" id="{85D7FB22-5F68-4AFF-A77F-B04F2DB7EF1D}"/>
+              </a:ext>
+            </a:extLst>
+          </p:cNvPr>
+          <p:cNvSpPr>
+            <a:spLocks noGrp="1" noChangeArrowheads="1"/>
+          </p:cNvSpPr>
+          <p:nvPr>
+            <p:ph idx="1"/>
+          </p:nvPr>
+        </p:nvSpPr>
+        <p:spPr/>
+        <p:txBody>
+          <a:bodyPr lIns="92075" tIns="46038" rIns="92075" bIns="46038"/>
+          <a:lstStyle/>
+          <a:p>
+            <a:pPr marL="0" indent="0">
+              <a:lnSpc>
+                <a:spcPct val="90000"/>
+              </a:lnSpc>
+              <a:spcBef>
+                <a:spcPct val="0"/>
+              </a:spcBef>
+              <a:buFontTx/>
+              <a:buNone/>
+              <a:defRPr/>
+            </a:pPr>
+            <a:r>
+              <a:rPr lang="zh-CN" altLang="en-US" sz="2800" dirty="0">
+                <a:effectLst>
+                  <a:outerShdw blurRad="38100" dist="38100" dir="2700000" algn="tl">
+                    <a:srgbClr val="C0C0C0"/>
+                  </a:outerShdw>
+                </a:effectLst>
+                <a:latin typeface="华文新魏" pitchFamily="2" charset="-122"/>
+              </a:rPr>
+              <a:t>汉字</a:t>
+            </a:r>
+            <a:r>
+              <a:rPr lang="zh-CN" altLang="en-US" sz="2800" dirty="0">
+                <a:effectLst>
+                  <a:outerShdw blurRad="38100" dist="38100" dir="2700000" algn="tl">
+                    <a:srgbClr val="C0C0C0"/>
+                  </a:outerShdw>
+                </a:effectLst>
+                <a:latin typeface="华文中宋"/>
+              </a:rPr>
+              <a:t>“</a:t>
+            </a:r>
+            <a:r>
+              <a:rPr lang="zh-CN" altLang="en-US" sz="2800" dirty="0">
+                <a:effectLst>
+                  <a:outerShdw blurRad="38100" dist="38100" dir="2700000" algn="tl">
+                    <a:srgbClr val="C0C0C0"/>
+                  </a:outerShdw>
+                </a:effectLst>
+                <a:latin typeface="华文新魏" pitchFamily="2" charset="-122"/>
+              </a:rPr>
+              <a:t>中</a:t>
+            </a:r>
+            <a:r>
+              <a:rPr lang="zh-CN" altLang="en-US" sz="2800" dirty="0">
+                <a:effectLst>
+                  <a:outerShdw blurRad="38100" dist="38100" dir="2700000" algn="tl">
+                    <a:srgbClr val="C0C0C0"/>
+                  </a:outerShdw>
+                </a:effectLst>
+                <a:latin typeface="华文中宋"/>
+              </a:rPr>
+              <a:t>”</a:t>
+            </a:r>
+            <a:r>
+              <a:rPr lang="zh-CN" altLang="en-US" sz="2800" dirty="0">
+                <a:effectLst>
+                  <a:outerShdw blurRad="38100" dist="38100" dir="2700000" algn="tl">
+                    <a:srgbClr val="C0C0C0"/>
+                  </a:outerShdw>
+                </a:effectLst>
+                <a:latin typeface="华文新魏" pitchFamily="2" charset="-122"/>
+              </a:rPr>
+              <a:t>字的</a:t>
+            </a:r>
+            <a:r>
+              <a:rPr lang="en-US" altLang="zh-CN" sz="2800" dirty="0">
+                <a:effectLst>
+                  <a:outerShdw blurRad="38100" dist="38100" dir="2700000" algn="tl">
+                    <a:srgbClr val="C0C0C0"/>
+                  </a:outerShdw>
+                </a:effectLst>
+                <a:latin typeface="华文新魏" pitchFamily="2" charset="-122"/>
+              </a:rPr>
+              <a:t>16×16</a:t>
+            </a:r>
+            <a:r>
+              <a:rPr lang="zh-CN" altLang="en-US" sz="2800" dirty="0">
+                <a:effectLst>
+                  <a:outerShdw blurRad="38100" dist="38100" dir="2700000" algn="tl">
+                    <a:srgbClr val="C0C0C0"/>
+                  </a:outerShdw>
+                </a:effectLst>
+                <a:latin typeface="华文新魏" pitchFamily="2" charset="-122"/>
+              </a:rPr>
+              <a:t>点阵的字形及字形编码</a:t>
+            </a:r>
+          </a:p>
+        </p:txBody>
+      </p:sp>
+    </p:spTree>
+    <p:extLst>
+      <p:ext uri="{BB962C8B-B14F-4D97-AF65-F5344CB8AC3E}">
+        <p14:creationId xmlns:p14="http://schemas.microsoft.com/office/powerpoint/2010/main" val="4105112550"/>
+      </p:ext>
+    </p:extLst>
+  </p:cSld>
+  <p:clrMapOvr>
+    <a:masterClrMapping/>
+  </p:clrMapOvr>
+  <p:timing>
+    <p:tnLst>
+      <p:par>
+        <p:cTn id="1" dur="indefinite" restart="never" nodeType="tmRoot">
+          <p:childTnLst>
+            <p:seq concurrent="1" nextAc="seek">
+              <p:cTn id="2" dur="indefinite" nodeType="mainSeq">
+                <p:childTnLst>
+                  <p:par>
+                    <p:cTn id="3" fill="hold">
+                      <p:stCondLst>
+                        <p:cond delay="indefinite"/>
+                      </p:stCondLst>
+                      <p:childTnLst>
+                        <p:par>
+                          <p:cTn id="4" fill="hold">
+                            <p:stCondLst>
+                              <p:cond delay="0"/>
+                            </p:stCondLst>
+                            <p:childTnLst>
+                              <p:par>
+                                <p:cTn id="5" presetID="5" presetClass="entr" presetSubtype="10" fill="hold" nodeType="clickEffect">
+                                  <p:stCondLst>
+                                    <p:cond delay="0"/>
+                                  </p:stCondLst>
+                                  <p:childTnLst>
+                                    <p:set>
+                                      <p:cBhvr>
+                                        <p:cTn id="6" dur="1" fill="hold">
+                                          <p:stCondLst>
+                                            <p:cond delay="0"/>
+                                          </p:stCondLst>
+                                        </p:cTn>
+                                        <p:tgtEl>
+                                          <p:spTgt spid="4"/>
+                                        </p:tgtEl>
+                                        <p:attrNameLst>
+                                          <p:attrName>style.visibility</p:attrName>
+                                        </p:attrNameLst>
+                                      </p:cBhvr>
+                                      <p:to>
+                                        <p:strVal val="visible"/>
+                                      </p:to>
+                                    </p:set>
+                                    <p:animEffect transition="in" filter="checkerboard(across)">
+                                      <p:cBhvr>
+                                        <p:cTn id="7" dur="500"/>
+                                        <p:tgtEl>
+                                          <p:spTgt spid="4"/>
+                                        </p:tgtEl>
+                                      </p:cBhvr>
+                                    </p:animEffect>
+                                  </p:childTnLst>
+                                </p:cTn>
+                              </p:par>
+                            </p:childTnLst>
+                          </p:cTn>
+                        </p:par>
+                      </p:childTnLst>
+                    </p:cTn>
+                  </p:par>
+                  <p:par>
+                    <p:cTn id="8" fill="hold">
+                      <p:stCondLst>
+                        <p:cond delay="indefinite"/>
+                      </p:stCondLst>
+                      <p:childTnLst>
+                        <p:par>
+                          <p:cTn id="9" fill="hold">
+                            <p:stCondLst>
+                              <p:cond delay="0"/>
+                            </p:stCondLst>
+                            <p:childTnLst>
+                              <p:par>
+                                <p:cTn id="10" presetID="2" presetClass="entr" presetSubtype="1" fill="hold" nodeType="clickEffect">
+                                  <p:stCondLst>
+                                    <p:cond delay="0"/>
+                                  </p:stCondLst>
+                                  <p:childTnLst>
+                                    <p:set>
+                                      <p:cBhvr>
+                                        <p:cTn id="11" dur="1" fill="hold">
+                                          <p:stCondLst>
+                                            <p:cond delay="0"/>
+                                          </p:stCondLst>
+                                        </p:cTn>
+                                        <p:tgtEl>
+                                          <p:spTgt spid="10">
+                                            <p:txEl>
+                                              <p:pRg st="0" end="0"/>
+                                            </p:txEl>
+                                          </p:spTgt>
+                                        </p:tgtEl>
+                                        <p:attrNameLst>
+                                          <p:attrName>style.visibility</p:attrName>
+                                        </p:attrNameLst>
+                                      </p:cBhvr>
+                                      <p:to>
+                                        <p:strVal val="visible"/>
+                                      </p:to>
+                                    </p:set>
+                                    <p:anim calcmode="lin" valueType="num">
+                                      <p:cBhvr additive="base">
+                                        <p:cTn id="12" dur="500" fill="hold"/>
+                                        <p:tgtEl>
+                                          <p:spTgt spid="10">
+                                            <p:txEl>
+                                              <p:pRg st="0" end="0"/>
+                                            </p:txEl>
+                                          </p:spTgt>
+                                        </p:tgtEl>
+                                        <p:attrNameLst>
+                                          <p:attrName>ppt_x</p:attrName>
+                                        </p:attrNameLst>
+                                      </p:cBhvr>
+                                      <p:tavLst>
+                                        <p:tav tm="0">
+                                          <p:val>
+                                            <p:strVal val="#ppt_x"/>
+                                          </p:val>
+                                        </p:tav>
+                                        <p:tav tm="100000">
+                                          <p:val>
+                                            <p:strVal val="#ppt_x"/>
+                                          </p:val>
+                                        </p:tav>
+                                      </p:tavLst>
+                                    </p:anim>
+                                    <p:anim calcmode="lin" valueType="num">
+                                      <p:cBhvr additive="base">
+                                        <p:cTn id="13" dur="500" fill="hold"/>
+                                        <p:tgtEl>
+                                          <p:spTgt spid="10">
+                                            <p:txEl>
+                                              <p:pRg st="0" end="0"/>
+                                            </p:txEl>
+                                          </p:spTgt>
+                                        </p:tgtEl>
+                                        <p:attrNameLst>
+                                          <p:attrName>ppt_y</p:attrName>
+                                        </p:attrNameLst>
+                                      </p:cBhvr>
+                                      <p:tavLst>
+                                        <p:tav tm="0">
+                                          <p:val>
+                                            <p:strVal val="0-#ppt_h/2"/>
+                                          </p:val>
+                                        </p:tav>
+                                        <p:tav tm="100000">
+                                          <p:val>
+                                            <p:strVal val="#ppt_y"/>
+                                          </p:val>
+                                        </p:tav>
+                                      </p:tavLst>
+                                    </p:anim>
+                                  </p:childTnLst>
+                                </p:cTn>
+                              </p:par>
+                            </p:childTnLst>
+                          </p:cTn>
+                        </p:par>
+                      </p:childTnLst>
+                    </p:cTn>
+                  </p:par>
+                </p:childTnLst>
+              </p:cTn>
+              <p:prevCondLst>
+                <p:cond evt="onPrev" delay="0">
+                  <p:tgtEl>
+                    <p:sldTgt/>
+                  </p:tgtEl>
+                </p:cond>
+              </p:prevCondLst>
+              <p:nextCondLst>
+                <p:cond evt="onNext" delay="0">
+                  <p:tgtEl>
+                    <p:sldTgt/>
+                  </p:tgtEl>
+                </p:cond>
+              </p:nextCondLst>
+            </p:seq>
+          </p:childTnLst>
+        </p:cTn>
+      </p:par>
+    </p:tnLst>
+  </p:timing>
+</p:sld>
+</file>
+
+<file path=ppt/slides/slide27.xml><?xml version="1.0" encoding="utf-8"?>
+<p:sld xmlns:a="http://schemas.openxmlformats.org/drawingml/2006/main" xmlns:r="http://schemas.openxmlformats.org/officeDocument/2006/relationships" xmlns:p="http://schemas.openxmlformats.org/presentationml/2006/main">
+  <p:cSld>
+    <p:spTree>
+      <p:nvGrpSpPr>
+        <p:cNvPr id="1" name=""/>
+        <p:cNvGrpSpPr/>
+        <p:nvPr/>
+      </p:nvGrpSpPr>
+      <p:grpSpPr>
+        <a:xfrm>
+          <a:off x="0" y="0"/>
+          <a:ext cx="0" cy="0"/>
+          <a:chOff x="0" y="0"/>
+          <a:chExt cx="0" cy="0"/>
+        </a:xfrm>
+      </p:grpSpPr>
+      <p:sp>
+        <p:nvSpPr>
+          <p:cNvPr id="2" name="标题 1"/>
+          <p:cNvSpPr>
+            <a:spLocks noGrp="1"/>
+          </p:cNvSpPr>
+          <p:nvPr>
+            <p:ph type="title"/>
+          </p:nvPr>
+        </p:nvSpPr>
+        <p:spPr/>
+        <p:txBody>
+          <a:bodyPr/>
+          <a:lstStyle/>
+          <a:p>
+            <a:endParaRPr lang="zh-CN" altLang="en-US"/>
+          </a:p>
+        </p:txBody>
+      </p:sp>
+      <p:sp>
+        <p:nvSpPr>
+          <p:cNvPr id="3" name="内容占位符 2"/>
+          <p:cNvSpPr>
+            <a:spLocks noGrp="1"/>
+          </p:cNvSpPr>
+          <p:nvPr>
+            <p:ph idx="1"/>
+          </p:nvPr>
+        </p:nvSpPr>
+        <p:spPr/>
+        <p:txBody>
+          <a:bodyPr>
+            <a:normAutofit fontScale="92500" lnSpcReduction="20000"/>
+          </a:bodyPr>
+          <a:lstStyle/>
+          <a:p>
+            <a:pPr>
+              <a:lnSpc>
+                <a:spcPct val="130000"/>
+              </a:lnSpc>
+            </a:pPr>
+            <a:r>
+              <a:rPr lang="zh-CN" altLang="en-US" dirty="0"/>
+              <a:t>例：用</a:t>
+            </a:r>
+            <a:r>
+              <a:rPr lang="en-US" altLang="zh-CN" dirty="0"/>
+              <a:t>16×16</a:t>
+            </a:r>
+            <a:r>
+              <a:rPr lang="zh-CN" altLang="en-US" dirty="0"/>
+              <a:t>点阵表示一个汉字，就是将每个汉字用</a:t>
+            </a:r>
+            <a:r>
+              <a:rPr lang="en-US" altLang="zh-CN" dirty="0"/>
+              <a:t>16</a:t>
+            </a:r>
+            <a:r>
+              <a:rPr lang="zh-CN" altLang="en-US" dirty="0"/>
+              <a:t>行，每行</a:t>
+            </a:r>
+            <a:r>
+              <a:rPr lang="en-US" altLang="zh-CN" dirty="0"/>
+              <a:t>16</a:t>
+            </a:r>
+            <a:r>
+              <a:rPr lang="zh-CN" altLang="en-US" dirty="0"/>
+              <a:t>个点表示，</a:t>
+            </a:r>
+            <a:r>
+              <a:rPr lang="zh-CN" altLang="en-US" dirty="0">
+                <a:solidFill>
+                  <a:srgbClr val="FF0000"/>
+                </a:solidFill>
+              </a:rPr>
+              <a:t>一个点需要</a:t>
+            </a:r>
+            <a:r>
+              <a:rPr lang="en-US" altLang="zh-CN" dirty="0">
+                <a:solidFill>
+                  <a:srgbClr val="FF0000"/>
+                </a:solidFill>
+              </a:rPr>
+              <a:t>1</a:t>
+            </a:r>
+            <a:r>
+              <a:rPr lang="zh-CN" altLang="en-US" dirty="0">
+                <a:solidFill>
+                  <a:srgbClr val="FF0000"/>
+                </a:solidFill>
+              </a:rPr>
+              <a:t>位二进制代码</a:t>
+            </a:r>
+            <a:r>
+              <a:rPr lang="zh-CN" altLang="en-US" dirty="0"/>
+              <a:t>，</a:t>
+            </a:r>
+            <a:r>
+              <a:rPr lang="en-US" altLang="zh-CN" dirty="0"/>
+              <a:t>16</a:t>
+            </a:r>
+            <a:r>
+              <a:rPr lang="zh-CN" altLang="en-US" dirty="0"/>
+              <a:t>个点需用</a:t>
+            </a:r>
+            <a:r>
+              <a:rPr lang="en-US" altLang="zh-CN" dirty="0"/>
+              <a:t>16</a:t>
+            </a:r>
+            <a:r>
+              <a:rPr lang="zh-CN" altLang="en-US" dirty="0"/>
+              <a:t>位二进制代码（即</a:t>
+            </a:r>
+            <a:r>
+              <a:rPr lang="en-US" altLang="zh-CN" dirty="0"/>
+              <a:t>2</a:t>
+            </a:r>
+            <a:r>
+              <a:rPr lang="zh-CN" altLang="en-US" dirty="0"/>
+              <a:t>个字节），共</a:t>
+            </a:r>
+            <a:r>
+              <a:rPr lang="en-US" altLang="zh-CN" dirty="0"/>
+              <a:t>16</a:t>
+            </a:r>
+            <a:r>
+              <a:rPr lang="zh-CN" altLang="en-US" dirty="0"/>
+              <a:t>行，所以需要</a:t>
+            </a:r>
+            <a:r>
+              <a:rPr lang="en-US" altLang="zh-CN" dirty="0"/>
+              <a:t>16</a:t>
+            </a:r>
+            <a:r>
+              <a:rPr lang="zh-CN" altLang="en-US" dirty="0"/>
+              <a:t>行</a:t>
+            </a:r>
+            <a:r>
+              <a:rPr lang="en-US" altLang="zh-CN" dirty="0"/>
+              <a:t>×2</a:t>
+            </a:r>
+            <a:r>
+              <a:rPr lang="zh-CN" altLang="en-US" dirty="0"/>
+              <a:t>字节</a:t>
+            </a:r>
+            <a:r>
+              <a:rPr lang="en-US" altLang="zh-CN" dirty="0"/>
+              <a:t>/</a:t>
+            </a:r>
+            <a:r>
+              <a:rPr lang="zh-CN" altLang="en-US" dirty="0"/>
+              <a:t>行</a:t>
+            </a:r>
+            <a:r>
+              <a:rPr lang="en-US" altLang="zh-CN" dirty="0"/>
+              <a:t>=32</a:t>
+            </a:r>
+            <a:r>
+              <a:rPr lang="zh-CN" altLang="en-US" dirty="0"/>
+              <a:t>字节，即</a:t>
+            </a:r>
+            <a:r>
+              <a:rPr lang="en-US" altLang="zh-CN" dirty="0"/>
+              <a:t>16×16</a:t>
+            </a:r>
+            <a:r>
+              <a:rPr lang="zh-CN" altLang="en-US" dirty="0"/>
+              <a:t>点阵表示一个汉字，字形码需</a:t>
+            </a:r>
+            <a:r>
+              <a:rPr lang="en-US" altLang="zh-CN" dirty="0"/>
+              <a:t>32</a:t>
+            </a:r>
+            <a:r>
+              <a:rPr lang="zh-CN" altLang="en-US" dirty="0"/>
+              <a:t>字节存储空间</a:t>
+            </a:r>
+          </a:p>
+          <a:p>
+            <a:pPr>
+              <a:lnSpc>
+                <a:spcPct val="130000"/>
+              </a:lnSpc>
+            </a:pPr>
+            <a:r>
+              <a:rPr lang="zh-CN" altLang="en-US" dirty="0"/>
+              <a:t>            字节数</a:t>
+            </a:r>
+            <a:r>
+              <a:rPr lang="en-US" altLang="zh-CN" dirty="0"/>
+              <a:t>=</a:t>
+            </a:r>
+            <a:r>
+              <a:rPr lang="zh-CN" altLang="en-US" dirty="0"/>
+              <a:t>点阵行数</a:t>
+            </a:r>
+            <a:r>
+              <a:rPr lang="en-US" altLang="zh-CN" dirty="0"/>
+              <a:t>×</a:t>
+            </a:r>
+            <a:r>
+              <a:rPr lang="zh-CN" altLang="en-US" dirty="0"/>
+              <a:t>点阵列数</a:t>
+            </a:r>
+            <a:r>
+              <a:rPr lang="en-US" altLang="zh-CN" dirty="0"/>
+              <a:t>/8</a:t>
+            </a:r>
+            <a:br>
+              <a:rPr lang="en-US" altLang="zh-CN" dirty="0"/>
+            </a:br>
+            <a:endParaRPr lang="zh-CN" altLang="en-US" dirty="0"/>
+          </a:p>
+          <a:p>
+            <a:endParaRPr lang="zh-CN" altLang="en-US" dirty="0"/>
+          </a:p>
+        </p:txBody>
+      </p:sp>
+    </p:spTree>
+    <p:extLst>
+      <p:ext uri="{BB962C8B-B14F-4D97-AF65-F5344CB8AC3E}">
+        <p14:creationId xmlns:p14="http://schemas.microsoft.com/office/powerpoint/2010/main" val="3846406336"/>
+      </p:ext>
+    </p:extLst>
+  </p:cSld>
+  <p:clrMapOvr>
+    <a:masterClrMapping/>
+  </p:clrMapOvr>
+</p:sld>
+</file>
+
+<file path=ppt/slides/slide28.xml><?xml version="1.0" encoding="utf-8"?>
+<p:sld xmlns:a="http://schemas.openxmlformats.org/drawingml/2006/main" xmlns:r="http://schemas.openxmlformats.org/officeDocument/2006/relationships" xmlns:p="http://schemas.openxmlformats.org/presentationml/2006/main">
+  <p:cSld>
+    <p:spTree>
+      <p:nvGrpSpPr>
+        <p:cNvPr id="1" name=""/>
+        <p:cNvGrpSpPr/>
+        <p:nvPr/>
+      </p:nvGrpSpPr>
+      <p:grpSpPr>
+        <a:xfrm>
+          <a:off x="0" y="0"/>
+          <a:ext cx="0" cy="0"/>
+          <a:chOff x="0" y="0"/>
+          <a:chExt cx="0" cy="0"/>
+        </a:xfrm>
+      </p:grpSpPr>
+      <p:sp>
+        <p:nvSpPr>
+          <p:cNvPr id="2" name="标题 1"/>
+          <p:cNvSpPr>
+            <a:spLocks noGrp="1"/>
+          </p:cNvSpPr>
+          <p:nvPr>
+            <p:ph type="title"/>
+          </p:nvPr>
+        </p:nvSpPr>
+        <p:spPr/>
+        <p:txBody>
+          <a:bodyPr/>
+          <a:lstStyle/>
+          <a:p>
+            <a:endParaRPr lang="zh-CN" altLang="en-US"/>
+          </a:p>
+        </p:txBody>
+      </p:sp>
+      <p:sp>
+        <p:nvSpPr>
+          <p:cNvPr id="3" name="内容占位符 2"/>
+          <p:cNvSpPr>
+            <a:spLocks noGrp="1"/>
+          </p:cNvSpPr>
+          <p:nvPr>
+            <p:ph idx="1"/>
+          </p:nvPr>
+        </p:nvSpPr>
+        <p:spPr/>
+        <p:txBody>
+          <a:bodyPr/>
+          <a:lstStyle/>
+          <a:p>
+            <a:pPr marL="0" indent="0">
+              <a:lnSpc>
+                <a:spcPct val="110000"/>
+              </a:lnSpc>
+              <a:spcBef>
+                <a:spcPct val="0"/>
+              </a:spcBef>
+              <a:buFont typeface="Wingdings" panose="05000000000000000000" pitchFamily="2" charset="2"/>
+              <a:buNone/>
+            </a:pPr>
+            <a:r>
+              <a:rPr lang="zh-CN" altLang="en-US" dirty="0"/>
+              <a:t>例：用</a:t>
+            </a:r>
+            <a:r>
+              <a:rPr lang="en-US" altLang="zh-CN" dirty="0"/>
+              <a:t>24×24</a:t>
+            </a:r>
+            <a:r>
+              <a:rPr lang="zh-CN" altLang="en-US" dirty="0"/>
+              <a:t>点阵来表示一个汉字（一点为一个二进制位），则</a:t>
+            </a:r>
+            <a:r>
+              <a:rPr lang="en-US" altLang="zh-CN" dirty="0"/>
+              <a:t>2000</a:t>
+            </a:r>
+            <a:r>
+              <a:rPr lang="zh-CN" altLang="en-US" dirty="0"/>
+              <a:t>个汉字需要多少</a:t>
+            </a:r>
+            <a:r>
+              <a:rPr lang="en-US" altLang="zh-CN" dirty="0"/>
+              <a:t>KB</a:t>
+            </a:r>
+            <a:r>
+              <a:rPr lang="zh-CN" altLang="en-US" dirty="0"/>
+              <a:t>容量？</a:t>
+            </a:r>
+            <a:br>
+              <a:rPr lang="zh-CN" altLang="en-US" dirty="0"/>
+            </a:br>
+            <a:r>
+              <a:rPr lang="zh-CN" altLang="en-US" dirty="0"/>
+              <a:t>　　　　　</a:t>
+            </a:r>
+            <a:endParaRPr lang="en-US" altLang="zh-CN" dirty="0"/>
+          </a:p>
+          <a:p>
+            <a:pPr marL="0" indent="0">
+              <a:lnSpc>
+                <a:spcPct val="110000"/>
+              </a:lnSpc>
+              <a:spcBef>
+                <a:spcPct val="0"/>
+              </a:spcBef>
+              <a:buFont typeface="Wingdings" panose="05000000000000000000" pitchFamily="2" charset="2"/>
+              <a:buNone/>
+            </a:pPr>
+            <a:r>
+              <a:rPr lang="zh-CN" altLang="en-US" dirty="0"/>
+              <a:t>     </a:t>
+            </a:r>
+            <a:r>
+              <a:rPr lang="zh-CN" altLang="en-US" dirty="0" smtClean="0"/>
+              <a:t>（</a:t>
+            </a:r>
+            <a:r>
+              <a:rPr lang="en-US" altLang="zh-CN" dirty="0"/>
+              <a:t>24×24/ 8</a:t>
+            </a:r>
+            <a:r>
+              <a:rPr lang="zh-CN" altLang="en-US" dirty="0"/>
+              <a:t>）</a:t>
+            </a:r>
+            <a:r>
+              <a:rPr lang="en-US" altLang="zh-CN" dirty="0"/>
+              <a:t>×2000/1024=140.7KB≈141KB</a:t>
+            </a:r>
+            <a:endParaRPr lang="zh-CN" altLang="en-US" dirty="0"/>
+          </a:p>
+        </p:txBody>
+      </p:sp>
+    </p:spTree>
+    <p:extLst>
+      <p:ext uri="{BB962C8B-B14F-4D97-AF65-F5344CB8AC3E}">
+        <p14:creationId xmlns:p14="http://schemas.microsoft.com/office/powerpoint/2010/main" val="1018709840"/>
+      </p:ext>
+    </p:extLst>
+  </p:cSld>
+  <p:clrMapOvr>
+    <a:masterClrMapping/>
+  </p:clrMapOvr>
+</p:sld>
+</file>
+
+<file path=ppt/slides/slide29.xml><?xml version="1.0" encoding="utf-8"?>
+<p:sld xmlns:a="http://schemas.openxmlformats.org/drawingml/2006/main" xmlns:r="http://schemas.openxmlformats.org/officeDocument/2006/relationships" xmlns:p="http://schemas.openxmlformats.org/presentationml/2006/main">
+  <p:cSld>
+    <p:spTree>
+      <p:nvGrpSpPr>
+        <p:cNvPr id="1" name=""/>
+        <p:cNvGrpSpPr/>
+        <p:nvPr/>
+      </p:nvGrpSpPr>
+      <p:grpSpPr>
+        <a:xfrm>
+          <a:off x="0" y="0"/>
+          <a:ext cx="0" cy="0"/>
+          <a:chOff x="0" y="0"/>
+          <a:chExt cx="0" cy="0"/>
+        </a:xfrm>
+      </p:grpSpPr>
+      <p:sp>
+        <p:nvSpPr>
+          <p:cNvPr id="2" name="标题 1"/>
+          <p:cNvSpPr>
+            <a:spLocks noGrp="1"/>
+          </p:cNvSpPr>
+          <p:nvPr>
+            <p:ph type="title"/>
+          </p:nvPr>
+        </p:nvSpPr>
+        <p:spPr/>
+        <p:txBody>
+          <a:bodyPr>
+            <a:normAutofit/>
+          </a:bodyPr>
+          <a:lstStyle/>
+          <a:p>
+            <a:r>
+              <a:rPr lang="en-US" altLang="zh-CN" dirty="0"/>
+              <a:t>5</a:t>
+            </a:r>
+            <a:r>
+              <a:rPr lang="zh-CN" altLang="en-US" dirty="0"/>
+              <a:t>大部件 </a:t>
+            </a:r>
+            <a:r>
+              <a:rPr lang="zh-CN" altLang="en-US" dirty="0" smtClean="0"/>
+              <a:t>简述</a:t>
+            </a:r>
+            <a:endParaRPr lang="zh-CN" altLang="en-US" dirty="0"/>
+          </a:p>
+        </p:txBody>
+      </p:sp>
+      <p:sp>
+        <p:nvSpPr>
+          <p:cNvPr id="3" name="内容占位符 2"/>
+          <p:cNvSpPr>
+            <a:spLocks noGrp="1"/>
+          </p:cNvSpPr>
+          <p:nvPr>
+            <p:ph idx="1"/>
+          </p:nvPr>
+        </p:nvSpPr>
+        <p:spPr/>
+        <p:txBody>
+          <a:bodyPr/>
+          <a:lstStyle/>
+          <a:p>
+            <a:r>
+              <a:rPr lang="zh-CN" altLang="en-US" dirty="0"/>
+              <a:t>运算器：主要功能是对二进制数进行加减等算术运行和与、或、非等逻辑运算</a:t>
+            </a:r>
+            <a:endParaRPr lang="en-US" altLang="zh-CN" dirty="0"/>
+          </a:p>
+          <a:p>
+            <a:r>
+              <a:rPr lang="zh-CN" altLang="en-US" dirty="0"/>
+              <a:t>控制器：神经中枢和指挥中心</a:t>
+            </a:r>
+            <a:endParaRPr lang="en-US" altLang="zh-CN" dirty="0"/>
+          </a:p>
+          <a:p>
+            <a:r>
+              <a:rPr lang="zh-CN" altLang="en-US" dirty="0"/>
+              <a:t>存储器：存储数据和程序</a:t>
+            </a:r>
+            <a:endParaRPr lang="en-US" altLang="zh-CN" dirty="0"/>
+          </a:p>
+          <a:p>
+            <a:r>
+              <a:rPr lang="zh-CN" altLang="en-US" dirty="0"/>
+              <a:t>输入和输出设备</a:t>
+            </a:r>
+          </a:p>
+          <a:p>
+            <a:endParaRPr lang="zh-CN" altLang="en-US" dirty="0"/>
+          </a:p>
+        </p:txBody>
+      </p:sp>
+      <p:pic>
+        <p:nvPicPr>
+          <p:cNvPr id="4" name="内容占位符 7"/>
+          <p:cNvPicPr>
+            <a:picLocks noChangeAspect="1"/>
+          </p:cNvPicPr>
+          <p:nvPr/>
+        </p:nvPicPr>
+        <p:blipFill>
+          <a:blip r:embed="rId2">
+            <a:extLst>
+              <a:ext uri="{28A0092B-C50C-407E-A947-70E740481C1C}">
+                <a14:useLocalDpi xmlns:a14="http://schemas.microsoft.com/office/drawing/2010/main" val="0"/>
+              </a:ext>
+            </a:extLst>
+          </a:blip>
+          <a:stretch>
+            <a:fillRect/>
+          </a:stretch>
+        </p:blipFill>
+        <p:spPr>
+          <a:xfrm>
+            <a:off x="5580112" y="3140968"/>
+            <a:ext cx="3415772" cy="3356992"/>
+          </a:xfrm>
+          <a:prstGeom prst="rect">
+            <a:avLst/>
+          </a:prstGeom>
+        </p:spPr>
+      </p:pic>
+    </p:spTree>
+    <p:extLst>
+      <p:ext uri="{BB962C8B-B14F-4D97-AF65-F5344CB8AC3E}">
+        <p14:creationId xmlns:p14="http://schemas.microsoft.com/office/powerpoint/2010/main" val="3565655444"/>
+      </p:ext>
+    </p:extLst>
+  </p:cSld>
+  <p:clrMapOvr>
+    <a:masterClrMapping/>
+  </p:clrMapOvr>
+</p:sld>
+</file>
+
 <file path=ppt/slides/slide3.xml><?xml version="1.0" encoding="utf-8"?>
 <p:sld xmlns:a="http://schemas.openxmlformats.org/drawingml/2006/main" xmlns:r="http://schemas.openxmlformats.org/officeDocument/2006/relationships" xmlns:p="http://schemas.openxmlformats.org/presentationml/2006/main">
   <p:cSld>
@@ -7017,6 +8587,834 @@
     <p:extLst>
       <p:ext uri="{BB962C8B-B14F-4D97-AF65-F5344CB8AC3E}">
         <p14:creationId xmlns:p14="http://schemas.microsoft.com/office/powerpoint/2010/main" val="3645905827"/>
+      </p:ext>
+    </p:extLst>
+  </p:cSld>
+  <p:clrMapOvr>
+    <a:masterClrMapping/>
+  </p:clrMapOvr>
+</p:sld>
+</file>
+
+<file path=ppt/slides/slide30.xml><?xml version="1.0" encoding="utf-8"?>
+<p:sld xmlns:a="http://schemas.openxmlformats.org/drawingml/2006/main" xmlns:r="http://schemas.openxmlformats.org/officeDocument/2006/relationships" xmlns:p="http://schemas.openxmlformats.org/presentationml/2006/main">
+  <p:cSld>
+    <p:spTree>
+      <p:nvGrpSpPr>
+        <p:cNvPr id="1" name=""/>
+        <p:cNvGrpSpPr/>
+        <p:nvPr/>
+      </p:nvGrpSpPr>
+      <p:grpSpPr>
+        <a:xfrm>
+          <a:off x="0" y="0"/>
+          <a:ext cx="0" cy="0"/>
+          <a:chOff x="0" y="0"/>
+          <a:chExt cx="0" cy="0"/>
+        </a:xfrm>
+      </p:grpSpPr>
+      <p:sp>
+        <p:nvSpPr>
+          <p:cNvPr id="2" name="标题 1"/>
+          <p:cNvSpPr>
+            <a:spLocks noGrp="1"/>
+          </p:cNvSpPr>
+          <p:nvPr>
+            <p:ph type="title"/>
+          </p:nvPr>
+        </p:nvSpPr>
+        <p:spPr/>
+        <p:txBody>
+          <a:bodyPr/>
+          <a:lstStyle/>
+          <a:p>
+            <a:endParaRPr lang="zh-CN" altLang="en-US"/>
+          </a:p>
+        </p:txBody>
+      </p:sp>
+      <p:sp>
+        <p:nvSpPr>
+          <p:cNvPr id="3" name="内容占位符 2"/>
+          <p:cNvSpPr>
+            <a:spLocks noGrp="1"/>
+          </p:cNvSpPr>
+          <p:nvPr>
+            <p:ph idx="1"/>
+          </p:nvPr>
+        </p:nvSpPr>
+        <p:spPr/>
+        <p:txBody>
+          <a:bodyPr/>
+          <a:lstStyle/>
+          <a:p>
+            <a:pPr>
+              <a:lnSpc>
+                <a:spcPct val="90000"/>
+              </a:lnSpc>
+            </a:pPr>
+            <a:r>
+              <a:rPr lang="zh-CN" altLang="en-US" sz="2800" dirty="0"/>
+              <a:t>运算器</a:t>
+            </a:r>
+          </a:p>
+          <a:p>
+            <a:pPr lvl="1">
+              <a:lnSpc>
+                <a:spcPct val="90000"/>
+              </a:lnSpc>
+            </a:pPr>
+            <a:r>
+              <a:rPr lang="zh-CN" altLang="en-US" sz="2400" dirty="0"/>
+              <a:t>对数据进行程序中指令所规定的运算操作（算数运算和逻辑运算）。运算器通常由</a:t>
+            </a:r>
+            <a:r>
+              <a:rPr lang="en-US" altLang="zh-CN" sz="2400" dirty="0"/>
+              <a:t>ALU(</a:t>
+            </a:r>
+            <a:r>
+              <a:rPr lang="zh-CN" altLang="en-US" sz="2400" dirty="0"/>
+              <a:t>算术逻辑单元</a:t>
+            </a:r>
+            <a:r>
+              <a:rPr lang="en-US" altLang="zh-CN" sz="2400" dirty="0"/>
+              <a:t>)</a:t>
+            </a:r>
+            <a:r>
+              <a:rPr lang="zh-CN" altLang="en-US" sz="2400" dirty="0"/>
+              <a:t>，通用寄存器，多路转换器，数据总线组成。</a:t>
+            </a:r>
+          </a:p>
+          <a:p>
+            <a:pPr>
+              <a:lnSpc>
+                <a:spcPct val="90000"/>
+              </a:lnSpc>
+            </a:pPr>
+            <a:r>
+              <a:rPr lang="zh-CN" altLang="en-US" sz="2800" dirty="0"/>
+              <a:t>控制器</a:t>
+            </a:r>
+          </a:p>
+          <a:p>
+            <a:pPr lvl="1">
+              <a:lnSpc>
+                <a:spcPct val="90000"/>
+              </a:lnSpc>
+            </a:pPr>
+            <a:r>
+              <a:rPr lang="zh-CN" altLang="en-US" sz="2400" dirty="0"/>
+              <a:t>对其他四个部件发出控制信号，以控制全机完成指令规定的处理任务。控制器主要包括：程序计数器，指令寄存器，指令译码器等部分组成。</a:t>
+            </a:r>
+          </a:p>
+          <a:p>
+            <a:endParaRPr lang="zh-CN" altLang="en-US" dirty="0"/>
+          </a:p>
+        </p:txBody>
+      </p:sp>
+    </p:spTree>
+    <p:extLst>
+      <p:ext uri="{BB962C8B-B14F-4D97-AF65-F5344CB8AC3E}">
+        <p14:creationId xmlns:p14="http://schemas.microsoft.com/office/powerpoint/2010/main" val="1898653947"/>
+      </p:ext>
+    </p:extLst>
+  </p:cSld>
+  <p:clrMapOvr>
+    <a:masterClrMapping/>
+  </p:clrMapOvr>
+</p:sld>
+</file>
+
+<file path=ppt/slides/slide31.xml><?xml version="1.0" encoding="utf-8"?>
+<p:sld xmlns:a="http://schemas.openxmlformats.org/drawingml/2006/main" xmlns:r="http://schemas.openxmlformats.org/officeDocument/2006/relationships" xmlns:p="http://schemas.openxmlformats.org/presentationml/2006/main">
+  <p:cSld>
+    <p:spTree>
+      <p:nvGrpSpPr>
+        <p:cNvPr id="1" name=""/>
+        <p:cNvGrpSpPr/>
+        <p:nvPr/>
+      </p:nvGrpSpPr>
+      <p:grpSpPr>
+        <a:xfrm>
+          <a:off x="0" y="0"/>
+          <a:ext cx="0" cy="0"/>
+          <a:chOff x="0" y="0"/>
+          <a:chExt cx="0" cy="0"/>
+        </a:xfrm>
+      </p:grpSpPr>
+      <p:sp>
+        <p:nvSpPr>
+          <p:cNvPr id="2" name="标题 1"/>
+          <p:cNvSpPr>
+            <a:spLocks noGrp="1"/>
+          </p:cNvSpPr>
+          <p:nvPr>
+            <p:ph type="title"/>
+          </p:nvPr>
+        </p:nvSpPr>
+        <p:spPr/>
+        <p:txBody>
+          <a:bodyPr/>
+          <a:lstStyle/>
+          <a:p>
+            <a:endParaRPr lang="zh-CN" altLang="en-US"/>
+          </a:p>
+        </p:txBody>
+      </p:sp>
+      <p:sp>
+        <p:nvSpPr>
+          <p:cNvPr id="3" name="内容占位符 2"/>
+          <p:cNvSpPr>
+            <a:spLocks noGrp="1"/>
+          </p:cNvSpPr>
+          <p:nvPr>
+            <p:ph idx="1"/>
+          </p:nvPr>
+        </p:nvSpPr>
+        <p:spPr/>
+        <p:txBody>
+          <a:bodyPr/>
+          <a:lstStyle/>
+          <a:p>
+            <a:r>
+              <a:rPr lang="zh-CN" altLang="en-US" dirty="0"/>
+              <a:t>存储器</a:t>
+            </a:r>
+          </a:p>
+          <a:p>
+            <a:pPr lvl="1"/>
+            <a:r>
+              <a:rPr lang="zh-CN" altLang="en-US" dirty="0"/>
+              <a:t>存放程序和数据，包括运算的中间结果和最终结果</a:t>
+            </a:r>
+            <a:endParaRPr lang="en-US" altLang="zh-CN" dirty="0"/>
+          </a:p>
+          <a:p>
+            <a:pPr lvl="1"/>
+            <a:r>
+              <a:rPr lang="zh-CN" altLang="en-US" dirty="0"/>
+              <a:t>按照用途分为：高速缓冲存储器（</a:t>
+            </a:r>
+            <a:r>
+              <a:rPr lang="en-US" altLang="zh-CN" dirty="0"/>
+              <a:t>cache</a:t>
+            </a:r>
+            <a:r>
+              <a:rPr lang="zh-CN" altLang="en-US" dirty="0"/>
+              <a:t>）</a:t>
+            </a:r>
+            <a:r>
+              <a:rPr lang="en-US" altLang="zh-CN" dirty="0"/>
+              <a:t>,</a:t>
+            </a:r>
+            <a:r>
+              <a:rPr lang="zh-CN" altLang="en-US" dirty="0"/>
+              <a:t>主存储器（内存），辅存（外存）。</a:t>
+            </a:r>
+            <a:endParaRPr lang="en-US" altLang="zh-CN" dirty="0"/>
+          </a:p>
+          <a:p>
+            <a:endParaRPr lang="zh-CN" altLang="en-US" dirty="0"/>
+          </a:p>
+        </p:txBody>
+      </p:sp>
+    </p:spTree>
+    <p:extLst>
+      <p:ext uri="{BB962C8B-B14F-4D97-AF65-F5344CB8AC3E}">
+        <p14:creationId xmlns:p14="http://schemas.microsoft.com/office/powerpoint/2010/main" val="2350874947"/>
+      </p:ext>
+    </p:extLst>
+  </p:cSld>
+  <p:clrMapOvr>
+    <a:masterClrMapping/>
+  </p:clrMapOvr>
+</p:sld>
+</file>
+
+<file path=ppt/slides/slide32.xml><?xml version="1.0" encoding="utf-8"?>
+<p:sld xmlns:a="http://schemas.openxmlformats.org/drawingml/2006/main" xmlns:r="http://schemas.openxmlformats.org/officeDocument/2006/relationships" xmlns:p="http://schemas.openxmlformats.org/presentationml/2006/main">
+  <p:cSld>
+    <p:spTree>
+      <p:nvGrpSpPr>
+        <p:cNvPr id="1" name=""/>
+        <p:cNvGrpSpPr/>
+        <p:nvPr/>
+      </p:nvGrpSpPr>
+      <p:grpSpPr>
+        <a:xfrm>
+          <a:off x="0" y="0"/>
+          <a:ext cx="0" cy="0"/>
+          <a:chOff x="0" y="0"/>
+          <a:chExt cx="0" cy="0"/>
+        </a:xfrm>
+      </p:grpSpPr>
+      <p:sp>
+        <p:nvSpPr>
+          <p:cNvPr id="2" name="标题 1"/>
+          <p:cNvSpPr>
+            <a:spLocks noGrp="1"/>
+          </p:cNvSpPr>
+          <p:nvPr>
+            <p:ph type="title"/>
+          </p:nvPr>
+        </p:nvSpPr>
+        <p:spPr/>
+        <p:txBody>
+          <a:bodyPr/>
+          <a:lstStyle/>
+          <a:p>
+            <a:endParaRPr lang="zh-CN" altLang="en-US"/>
+          </a:p>
+        </p:txBody>
+      </p:sp>
+      <p:sp>
+        <p:nvSpPr>
+          <p:cNvPr id="3" name="内容占位符 2"/>
+          <p:cNvSpPr>
+            <a:spLocks noGrp="1"/>
+          </p:cNvSpPr>
+          <p:nvPr>
+            <p:ph idx="1"/>
+          </p:nvPr>
+        </p:nvSpPr>
+        <p:spPr/>
+        <p:txBody>
+          <a:bodyPr>
+            <a:normAutofit fontScale="92500" lnSpcReduction="10000"/>
+          </a:bodyPr>
+          <a:lstStyle/>
+          <a:p>
+            <a:r>
+              <a:rPr lang="zh-CN" altLang="en-US" dirty="0"/>
+              <a:t>存储器按照存取方式分为：</a:t>
+            </a:r>
+            <a:endParaRPr lang="en-US" altLang="zh-CN" dirty="0"/>
+          </a:p>
+          <a:p>
+            <a:r>
+              <a:rPr lang="en-US" altLang="zh-CN" dirty="0"/>
+              <a:t>RAM(Random  Access Memory)</a:t>
+            </a:r>
+            <a:r>
+              <a:rPr lang="zh-CN" altLang="en-US" dirty="0"/>
+              <a:t>：随机存取存储器</a:t>
+            </a:r>
+          </a:p>
+          <a:p>
+            <a:r>
+              <a:rPr lang="en-US" altLang="zh-CN" dirty="0"/>
+              <a:t>ROM(Read Only Memory)</a:t>
+            </a:r>
+            <a:r>
+              <a:rPr lang="zh-CN" altLang="en-US" dirty="0"/>
+              <a:t>：只读存储器。</a:t>
+            </a:r>
+          </a:p>
+          <a:p>
+            <a:r>
+              <a:rPr lang="zh-CN" altLang="en-US" dirty="0"/>
+              <a:t>特点：</a:t>
+            </a:r>
+          </a:p>
+          <a:p>
+            <a:r>
+              <a:rPr lang="en-US" altLang="zh-CN" dirty="0"/>
+              <a:t>RAM</a:t>
+            </a:r>
+            <a:r>
+              <a:rPr lang="zh-CN" altLang="en-US" dirty="0"/>
+              <a:t>数据可读写，一旦掉电，数据将丢失；</a:t>
+            </a:r>
+            <a:r>
+              <a:rPr lang="en-US" altLang="zh-CN" dirty="0"/>
+              <a:t>ROM</a:t>
+            </a:r>
+            <a:r>
+              <a:rPr lang="zh-CN" altLang="en-US" dirty="0"/>
+              <a:t>掉电后数据不丢失，只能读数据；</a:t>
+            </a:r>
+          </a:p>
+          <a:p>
+            <a:r>
+              <a:rPr lang="en-US" altLang="zh-CN" dirty="0"/>
+              <a:t>Cache</a:t>
+            </a:r>
+            <a:r>
+              <a:rPr lang="zh-CN" altLang="en-US" dirty="0"/>
+              <a:t>缓存采用速度更高的</a:t>
+            </a:r>
+            <a:r>
+              <a:rPr lang="en-US" altLang="zh-CN" dirty="0"/>
+              <a:t>SRAM</a:t>
+            </a:r>
+            <a:r>
+              <a:rPr lang="zh-CN" altLang="en-US" dirty="0"/>
+              <a:t>技术，内存储器采用</a:t>
+            </a:r>
+            <a:r>
+              <a:rPr lang="en-US" altLang="zh-CN" dirty="0"/>
+              <a:t>DRAM</a:t>
+            </a:r>
+            <a:r>
+              <a:rPr lang="zh-CN" altLang="en-US" dirty="0"/>
+              <a:t>技术</a:t>
+            </a:r>
+          </a:p>
+          <a:p>
+            <a:endParaRPr lang="zh-CN" altLang="en-US" dirty="0"/>
+          </a:p>
+        </p:txBody>
+      </p:sp>
+    </p:spTree>
+    <p:extLst>
+      <p:ext uri="{BB962C8B-B14F-4D97-AF65-F5344CB8AC3E}">
+        <p14:creationId xmlns:p14="http://schemas.microsoft.com/office/powerpoint/2010/main" val="3612491093"/>
+      </p:ext>
+    </p:extLst>
+  </p:cSld>
+  <p:clrMapOvr>
+    <a:masterClrMapping/>
+  </p:clrMapOvr>
+</p:sld>
+</file>
+
+<file path=ppt/slides/slide33.xml><?xml version="1.0" encoding="utf-8"?>
+<p:sld xmlns:a="http://schemas.openxmlformats.org/drawingml/2006/main" xmlns:r="http://schemas.openxmlformats.org/officeDocument/2006/relationships" xmlns:p="http://schemas.openxmlformats.org/presentationml/2006/main">
+  <p:cSld>
+    <p:spTree>
+      <p:nvGrpSpPr>
+        <p:cNvPr id="1" name=""/>
+        <p:cNvGrpSpPr/>
+        <p:nvPr/>
+      </p:nvGrpSpPr>
+      <p:grpSpPr>
+        <a:xfrm>
+          <a:off x="0" y="0"/>
+          <a:ext cx="0" cy="0"/>
+          <a:chOff x="0" y="0"/>
+          <a:chExt cx="0" cy="0"/>
+        </a:xfrm>
+      </p:grpSpPr>
+      <p:sp>
+        <p:nvSpPr>
+          <p:cNvPr id="2" name="标题 1"/>
+          <p:cNvSpPr>
+            <a:spLocks noGrp="1"/>
+          </p:cNvSpPr>
+          <p:nvPr>
+            <p:ph type="title"/>
+          </p:nvPr>
+        </p:nvSpPr>
+        <p:spPr/>
+        <p:txBody>
+          <a:bodyPr/>
+          <a:lstStyle/>
+          <a:p>
+            <a:r>
+              <a:rPr lang="zh-CN" altLang="en-US" dirty="0"/>
+              <a:t>指令、指令系统</a:t>
+            </a:r>
+          </a:p>
+        </p:txBody>
+      </p:sp>
+      <p:sp>
+        <p:nvSpPr>
+          <p:cNvPr id="3" name="内容占位符 2"/>
+          <p:cNvSpPr>
+            <a:spLocks noGrp="1"/>
+          </p:cNvSpPr>
+          <p:nvPr>
+            <p:ph idx="1"/>
+          </p:nvPr>
+        </p:nvSpPr>
+        <p:spPr/>
+        <p:txBody>
+          <a:bodyPr/>
+          <a:lstStyle/>
+          <a:p>
+            <a:r>
+              <a:rPr lang="zh-CN" altLang="en-US" sz="2400" dirty="0"/>
+              <a:t>指令</a:t>
+            </a:r>
+          </a:p>
+          <a:p>
+            <a:pPr lvl="1"/>
+            <a:r>
+              <a:rPr lang="zh-CN" altLang="en-US" sz="2400" dirty="0"/>
+              <a:t>每条指令都规定了计算机所要执行的一种基本操作，如：取数、加、减、乘、除、存数 等 </a:t>
+            </a:r>
+          </a:p>
+          <a:p>
+            <a:pPr lvl="1"/>
+            <a:r>
+              <a:rPr lang="zh-CN" altLang="en-US" sz="2400" dirty="0"/>
+              <a:t>指令是对计算机进行程序控制的最小单位</a:t>
+            </a:r>
+            <a:endParaRPr lang="en-US" altLang="zh-CN" sz="2400" dirty="0"/>
+          </a:p>
+          <a:p>
+            <a:r>
+              <a:rPr lang="zh-CN" altLang="en-US" sz="2400" dirty="0"/>
+              <a:t>指令类型</a:t>
+            </a:r>
+            <a:endParaRPr lang="en-US" altLang="zh-CN" sz="2400" dirty="0"/>
+          </a:p>
+          <a:p>
+            <a:pPr lvl="1"/>
+            <a:r>
+              <a:rPr lang="zh-CN" altLang="en-US" sz="2400" dirty="0"/>
+              <a:t>传送指令  数据存取、数据传送</a:t>
+            </a:r>
+          </a:p>
+          <a:p>
+            <a:pPr lvl="1"/>
+            <a:r>
+              <a:rPr lang="zh-CN" altLang="en-US" sz="2400" dirty="0"/>
+              <a:t>算术逻辑运算指令  基本的算术逻辑运算</a:t>
+            </a:r>
+          </a:p>
+          <a:p>
+            <a:pPr lvl="1"/>
+            <a:r>
+              <a:rPr lang="zh-CN" altLang="en-US" sz="2400" dirty="0"/>
+              <a:t>输入</a:t>
+            </a:r>
+            <a:r>
+              <a:rPr lang="en-US" altLang="zh-CN" sz="2400" dirty="0"/>
+              <a:t>/</a:t>
+            </a:r>
+            <a:r>
+              <a:rPr lang="zh-CN" altLang="en-US" sz="2400" dirty="0"/>
+              <a:t>输出指令  从外部设备读取或写入数据</a:t>
+            </a:r>
+          </a:p>
+          <a:p>
+            <a:pPr lvl="1"/>
+            <a:r>
+              <a:rPr lang="zh-CN" altLang="en-US" sz="2400" dirty="0"/>
+              <a:t>程序控制指令  实现控制转移功能，如跳转</a:t>
+            </a:r>
+            <a:endParaRPr lang="en-US" altLang="zh-CN" sz="2400" dirty="0"/>
+          </a:p>
+          <a:p>
+            <a:endParaRPr lang="zh-CN" altLang="en-US" dirty="0"/>
+          </a:p>
+        </p:txBody>
+      </p:sp>
+    </p:spTree>
+    <p:extLst>
+      <p:ext uri="{BB962C8B-B14F-4D97-AF65-F5344CB8AC3E}">
+        <p14:creationId xmlns:p14="http://schemas.microsoft.com/office/powerpoint/2010/main" val="2795181165"/>
+      </p:ext>
+    </p:extLst>
+  </p:cSld>
+  <p:clrMapOvr>
+    <a:masterClrMapping/>
+  </p:clrMapOvr>
+</p:sld>
+</file>
+
+<file path=ppt/slides/slide34.xml><?xml version="1.0" encoding="utf-8"?>
+<p:sld xmlns:a="http://schemas.openxmlformats.org/drawingml/2006/main" xmlns:r="http://schemas.openxmlformats.org/officeDocument/2006/relationships" xmlns:p="http://schemas.openxmlformats.org/presentationml/2006/main">
+  <p:cSld>
+    <p:spTree>
+      <p:nvGrpSpPr>
+        <p:cNvPr id="1" name=""/>
+        <p:cNvGrpSpPr/>
+        <p:nvPr/>
+      </p:nvGrpSpPr>
+      <p:grpSpPr>
+        <a:xfrm>
+          <a:off x="0" y="0"/>
+          <a:ext cx="0" cy="0"/>
+          <a:chOff x="0" y="0"/>
+          <a:chExt cx="0" cy="0"/>
+        </a:xfrm>
+      </p:grpSpPr>
+      <p:sp>
+        <p:nvSpPr>
+          <p:cNvPr id="2" name="标题 1"/>
+          <p:cNvSpPr>
+            <a:spLocks noGrp="1"/>
+          </p:cNvSpPr>
+          <p:nvPr>
+            <p:ph type="title"/>
+          </p:nvPr>
+        </p:nvSpPr>
+        <p:spPr/>
+        <p:txBody>
+          <a:bodyPr/>
+          <a:lstStyle/>
+          <a:p>
+            <a:endParaRPr lang="zh-CN" altLang="en-US"/>
+          </a:p>
+        </p:txBody>
+      </p:sp>
+      <p:sp>
+        <p:nvSpPr>
+          <p:cNvPr id="3" name="内容占位符 2"/>
+          <p:cNvSpPr>
+            <a:spLocks noGrp="1"/>
+          </p:cNvSpPr>
+          <p:nvPr>
+            <p:ph idx="1"/>
+          </p:nvPr>
+        </p:nvSpPr>
+        <p:spPr/>
+        <p:txBody>
+          <a:bodyPr/>
+          <a:lstStyle/>
+          <a:p>
+            <a:r>
+              <a:rPr lang="zh-CN" altLang="en-US" sz="2400" dirty="0"/>
+              <a:t>指令格式</a:t>
+            </a:r>
+          </a:p>
+          <a:p>
+            <a:pPr>
+              <a:buNone/>
+            </a:pPr>
+            <a:r>
+              <a:rPr lang="zh-CN" altLang="en-US" sz="2400" dirty="0"/>
+              <a:t>     一条指令包括操作码和操作数两部分。</a:t>
+            </a:r>
+            <a:endParaRPr lang="en-US" altLang="zh-CN" sz="2400" dirty="0"/>
+          </a:p>
+          <a:p>
+            <a:pPr lvl="1"/>
+            <a:r>
+              <a:rPr lang="zh-CN" altLang="en-US" sz="2000" dirty="0"/>
+              <a:t>操作码：指出该指令完成操作的类型</a:t>
+            </a:r>
+            <a:endParaRPr lang="en-US" altLang="zh-CN" sz="2000" dirty="0"/>
+          </a:p>
+          <a:p>
+            <a:pPr lvl="1"/>
+            <a:r>
+              <a:rPr lang="zh-CN" altLang="en-US" sz="2000" dirty="0"/>
+              <a:t>操作数 ：操作的内容或所在的地址，指出参与操作的数据和操作结果存放位置。</a:t>
+            </a:r>
+          </a:p>
+          <a:p>
+            <a:endParaRPr lang="zh-CN" altLang="en-US" dirty="0"/>
+          </a:p>
+        </p:txBody>
+      </p:sp>
+    </p:spTree>
+    <p:extLst>
+      <p:ext uri="{BB962C8B-B14F-4D97-AF65-F5344CB8AC3E}">
+        <p14:creationId xmlns:p14="http://schemas.microsoft.com/office/powerpoint/2010/main" val="1725021346"/>
+      </p:ext>
+    </p:extLst>
+  </p:cSld>
+  <p:clrMapOvr>
+    <a:masterClrMapping/>
+  </p:clrMapOvr>
+</p:sld>
+</file>
+
+<file path=ppt/slides/slide35.xml><?xml version="1.0" encoding="utf-8"?>
+<p:sld xmlns:a="http://schemas.openxmlformats.org/drawingml/2006/main" xmlns:r="http://schemas.openxmlformats.org/officeDocument/2006/relationships" xmlns:p="http://schemas.openxmlformats.org/presentationml/2006/main">
+  <p:cSld>
+    <p:spTree>
+      <p:nvGrpSpPr>
+        <p:cNvPr id="1" name=""/>
+        <p:cNvGrpSpPr/>
+        <p:nvPr/>
+      </p:nvGrpSpPr>
+      <p:grpSpPr>
+        <a:xfrm>
+          <a:off x="0" y="0"/>
+          <a:ext cx="0" cy="0"/>
+          <a:chOff x="0" y="0"/>
+          <a:chExt cx="0" cy="0"/>
+        </a:xfrm>
+      </p:grpSpPr>
+      <p:sp>
+        <p:nvSpPr>
+          <p:cNvPr id="2" name="标题 1"/>
+          <p:cNvSpPr>
+            <a:spLocks noGrp="1"/>
+          </p:cNvSpPr>
+          <p:nvPr>
+            <p:ph type="title"/>
+          </p:nvPr>
+        </p:nvSpPr>
+        <p:spPr/>
+        <p:txBody>
+          <a:bodyPr/>
+          <a:lstStyle/>
+          <a:p>
+            <a:r>
+              <a:rPr lang="zh-CN" altLang="en-US" dirty="0"/>
+              <a:t>总线</a:t>
+            </a:r>
+          </a:p>
+        </p:txBody>
+      </p:sp>
+      <p:sp>
+        <p:nvSpPr>
+          <p:cNvPr id="3" name="内容占位符 2"/>
+          <p:cNvSpPr>
+            <a:spLocks noGrp="1"/>
+          </p:cNvSpPr>
+          <p:nvPr>
+            <p:ph idx="1"/>
+          </p:nvPr>
+        </p:nvSpPr>
+        <p:spPr/>
+        <p:txBody>
+          <a:bodyPr/>
+          <a:lstStyle/>
+          <a:p>
+            <a:r>
+              <a:rPr lang="zh-CN" altLang="en-US" dirty="0"/>
+              <a:t>总线是各部件（或设备）之间传输数据的公用通道。</a:t>
+            </a:r>
+            <a:endParaRPr lang="en-US" altLang="zh-CN" dirty="0"/>
+          </a:p>
+          <a:p>
+            <a:r>
+              <a:rPr lang="zh-CN" altLang="en-US" dirty="0"/>
+              <a:t>总线有点</a:t>
+            </a:r>
+            <a:endParaRPr lang="en-US" altLang="zh-CN" dirty="0"/>
+          </a:p>
+          <a:p>
+            <a:pPr lvl="1"/>
+            <a:r>
+              <a:rPr lang="zh-CN" altLang="en-US" dirty="0"/>
+              <a:t>交换信息、简化连线、工艺简单、提高计算机的可靠性</a:t>
+            </a:r>
+          </a:p>
+          <a:p>
+            <a:pPr lvl="1"/>
+            <a:r>
+              <a:rPr lang="zh-CN" altLang="en-US" dirty="0"/>
+              <a:t>便于实现硬件积木化，增加系统的灵活性</a:t>
+            </a:r>
+          </a:p>
+          <a:p>
+            <a:endParaRPr lang="zh-CN" altLang="en-US" dirty="0"/>
+          </a:p>
+        </p:txBody>
+      </p:sp>
+    </p:spTree>
+    <p:extLst>
+      <p:ext uri="{BB962C8B-B14F-4D97-AF65-F5344CB8AC3E}">
+        <p14:creationId xmlns:p14="http://schemas.microsoft.com/office/powerpoint/2010/main" val="2371232943"/>
+      </p:ext>
+    </p:extLst>
+  </p:cSld>
+  <p:clrMapOvr>
+    <a:masterClrMapping/>
+  </p:clrMapOvr>
+</p:sld>
+</file>
+
+<file path=ppt/slides/slide36.xml><?xml version="1.0" encoding="utf-8"?>
+<p:sld xmlns:a="http://schemas.openxmlformats.org/drawingml/2006/main" xmlns:r="http://schemas.openxmlformats.org/officeDocument/2006/relationships" xmlns:p="http://schemas.openxmlformats.org/presentationml/2006/main">
+  <p:cSld>
+    <p:spTree>
+      <p:nvGrpSpPr>
+        <p:cNvPr id="1" name=""/>
+        <p:cNvGrpSpPr/>
+        <p:nvPr/>
+      </p:nvGrpSpPr>
+      <p:grpSpPr>
+        <a:xfrm>
+          <a:off x="0" y="0"/>
+          <a:ext cx="0" cy="0"/>
+          <a:chOff x="0" y="0"/>
+          <a:chExt cx="0" cy="0"/>
+        </a:xfrm>
+      </p:grpSpPr>
+      <p:sp>
+        <p:nvSpPr>
+          <p:cNvPr id="2" name="标题 1"/>
+          <p:cNvSpPr>
+            <a:spLocks noGrp="1"/>
+          </p:cNvSpPr>
+          <p:nvPr>
+            <p:ph type="title"/>
+          </p:nvPr>
+        </p:nvSpPr>
+        <p:spPr/>
+        <p:txBody>
+          <a:bodyPr/>
+          <a:lstStyle/>
+          <a:p>
+            <a:r>
+              <a:rPr lang="zh-CN" altLang="en-US" dirty="0"/>
+              <a:t>总线分类</a:t>
+            </a:r>
+          </a:p>
+        </p:txBody>
+      </p:sp>
+      <p:sp>
+        <p:nvSpPr>
+          <p:cNvPr id="3" name="内容占位符 2"/>
+          <p:cNvSpPr>
+            <a:spLocks noGrp="1"/>
+          </p:cNvSpPr>
+          <p:nvPr>
+            <p:ph idx="1"/>
+          </p:nvPr>
+        </p:nvSpPr>
+        <p:spPr/>
+        <p:txBody>
+          <a:bodyPr/>
+          <a:lstStyle/>
+          <a:p>
+            <a:r>
+              <a:rPr lang="zh-CN" altLang="en-US" dirty="0"/>
+              <a:t>地址总线</a:t>
+            </a:r>
+            <a:r>
+              <a:rPr lang="en-US" altLang="zh-CN" dirty="0"/>
+              <a:t>AB</a:t>
+            </a:r>
+            <a:r>
+              <a:rPr lang="zh-CN" altLang="en-US" dirty="0"/>
+              <a:t>：传输地址信息</a:t>
+            </a:r>
+          </a:p>
+          <a:p>
+            <a:r>
+              <a:rPr lang="zh-CN" altLang="en-US" dirty="0"/>
+              <a:t>数据总线</a:t>
+            </a:r>
+            <a:r>
+              <a:rPr lang="en-US" altLang="zh-CN" dirty="0"/>
+              <a:t>DB</a:t>
+            </a:r>
+            <a:r>
+              <a:rPr lang="zh-CN" altLang="en-US" dirty="0"/>
+              <a:t>：传输数据信息</a:t>
+            </a:r>
+          </a:p>
+          <a:p>
+            <a:r>
+              <a:rPr lang="zh-CN" altLang="en-US" dirty="0"/>
+              <a:t>控制总线</a:t>
+            </a:r>
+            <a:r>
+              <a:rPr lang="en-US" altLang="zh-CN" dirty="0"/>
+              <a:t>CB</a:t>
+            </a:r>
+            <a:r>
+              <a:rPr lang="zh-CN" altLang="en-US" dirty="0"/>
+              <a:t>：用来传送控制信号和时序信号</a:t>
+            </a:r>
+          </a:p>
+          <a:p>
+            <a:endParaRPr lang="zh-CN" altLang="en-US" dirty="0"/>
+          </a:p>
+        </p:txBody>
+      </p:sp>
+    </p:spTree>
+    <p:extLst>
+      <p:ext uri="{BB962C8B-B14F-4D97-AF65-F5344CB8AC3E}">
+        <p14:creationId xmlns:p14="http://schemas.microsoft.com/office/powerpoint/2010/main" val="79957620"/>
       </p:ext>
     </p:extLst>
   </p:cSld>
@@ -7335,7 +9733,7 @@
             <p:cNvPr id="4" name="AutoShape 60">
               <a:extLst>
                 <a:ext uri="{FF2B5EF4-FFF2-40B4-BE49-F238E27FC236}">
-                  <a16:creationId xmlns="" xmlns:a16="http://schemas.microsoft.com/office/drawing/2014/main" id="{19546C91-2EB3-4AB6-A960-3F0C7A2B3B01}"/>
+                  <a16:creationId xmlns:a16="http://schemas.microsoft.com/office/drawing/2014/main" xmlns="" id="{19546C91-2EB3-4AB6-A960-3F0C7A2B3B01}"/>
                 </a:ext>
               </a:extLst>
             </p:cNvPr>
@@ -7576,7 +9974,7 @@
             <p:cNvPr id="5" name="Text Box 61">
               <a:extLst>
                 <a:ext uri="{FF2B5EF4-FFF2-40B4-BE49-F238E27FC236}">
-                  <a16:creationId xmlns="" xmlns:a16="http://schemas.microsoft.com/office/drawing/2014/main" id="{4F3459EC-325A-43AF-9868-5834E586BD63}"/>
+                  <a16:creationId xmlns:a16="http://schemas.microsoft.com/office/drawing/2014/main" xmlns="" id="{4F3459EC-325A-43AF-9868-5834E586BD63}"/>
                 </a:ext>
               </a:extLst>
             </p:cNvPr>
@@ -7932,7 +10330,7 @@
             <p:cNvPr id="6" name="Text Box 63">
               <a:extLst>
                 <a:ext uri="{FF2B5EF4-FFF2-40B4-BE49-F238E27FC236}">
-                  <a16:creationId xmlns="" xmlns:a16="http://schemas.microsoft.com/office/drawing/2014/main" id="{094D6771-BEAD-4A1B-981A-507C2D2AB817}"/>
+                  <a16:creationId xmlns:a16="http://schemas.microsoft.com/office/drawing/2014/main" xmlns="" id="{094D6771-BEAD-4A1B-981A-507C2D2AB817}"/>
                 </a:ext>
               </a:extLst>
             </p:cNvPr>
@@ -8214,7 +10612,7 @@
             <p:cNvPr id="7" name="Text Box 64">
               <a:extLst>
                 <a:ext uri="{FF2B5EF4-FFF2-40B4-BE49-F238E27FC236}">
-                  <a16:creationId xmlns="" xmlns:a16="http://schemas.microsoft.com/office/drawing/2014/main" id="{6F0418FF-B310-4FA1-8EF7-D0FD24C35136}"/>
+                  <a16:creationId xmlns:a16="http://schemas.microsoft.com/office/drawing/2014/main" xmlns="" id="{6F0418FF-B310-4FA1-8EF7-D0FD24C35136}"/>
                 </a:ext>
               </a:extLst>
             </p:cNvPr>
@@ -8488,7 +10886,7 @@
             <p:cNvPr id="8" name="Text Box 65">
               <a:extLst>
                 <a:ext uri="{FF2B5EF4-FFF2-40B4-BE49-F238E27FC236}">
-                  <a16:creationId xmlns="" xmlns:a16="http://schemas.microsoft.com/office/drawing/2014/main" id="{B1ED17E3-4401-4E52-8F73-25DDD18EE8F5}"/>
+                  <a16:creationId xmlns:a16="http://schemas.microsoft.com/office/drawing/2014/main" xmlns="" id="{B1ED17E3-4401-4E52-8F73-25DDD18EE8F5}"/>
                 </a:ext>
               </a:extLst>
             </p:cNvPr>
@@ -8816,7 +11214,7 @@
             <p:cNvPr id="9" name="AutoShape 67">
               <a:extLst>
                 <a:ext uri="{FF2B5EF4-FFF2-40B4-BE49-F238E27FC236}">
-                  <a16:creationId xmlns="" xmlns:a16="http://schemas.microsoft.com/office/drawing/2014/main" id="{36C17486-F428-4C2D-8DA9-B125A193E0AA}"/>
+                  <a16:creationId xmlns:a16="http://schemas.microsoft.com/office/drawing/2014/main" xmlns="" id="{36C17486-F428-4C2D-8DA9-B125A193E0AA}"/>
                 </a:ext>
               </a:extLst>
             </p:cNvPr>
@@ -9057,7 +11455,7 @@
             <p:cNvPr id="10" name="AutoShape 68">
               <a:extLst>
                 <a:ext uri="{FF2B5EF4-FFF2-40B4-BE49-F238E27FC236}">
-                  <a16:creationId xmlns="" xmlns:a16="http://schemas.microsoft.com/office/drawing/2014/main" id="{7EFD9DD7-BF84-4706-8D9E-F101CDB4CC5B}"/>
+                  <a16:creationId xmlns:a16="http://schemas.microsoft.com/office/drawing/2014/main" xmlns="" id="{7EFD9DD7-BF84-4706-8D9E-F101CDB4CC5B}"/>
                 </a:ext>
               </a:extLst>
             </p:cNvPr>
@@ -9298,7 +11696,7 @@
             <p:cNvPr id="11" name="AutoShape 69">
               <a:extLst>
                 <a:ext uri="{FF2B5EF4-FFF2-40B4-BE49-F238E27FC236}">
-                  <a16:creationId xmlns="" xmlns:a16="http://schemas.microsoft.com/office/drawing/2014/main" id="{08FE12AE-550C-45F1-92E0-A14CFE8EA0FF}"/>
+                  <a16:creationId xmlns:a16="http://schemas.microsoft.com/office/drawing/2014/main" xmlns="" id="{08FE12AE-550C-45F1-92E0-A14CFE8EA0FF}"/>
                 </a:ext>
               </a:extLst>
             </p:cNvPr>
